--- a/PPT/PPT4.pptx
+++ b/PPT/PPT4.pptx
@@ -5,26 +5,20 @@
     <p:sldMasterId id="2147483648" r:id="rId1"/>
   </p:sldMasterIdLst>
   <p:notesMasterIdLst>
-    <p:notesMasterId r:id="rId19"/>
+    <p:notesMasterId r:id="rId13"/>
   </p:notesMasterIdLst>
   <p:sldIdLst>
     <p:sldId id="256" r:id="rId2"/>
-    <p:sldId id="260" r:id="rId3"/>
-    <p:sldId id="263" r:id="rId4"/>
-    <p:sldId id="257" r:id="rId5"/>
-    <p:sldId id="281" r:id="rId6"/>
-    <p:sldId id="277" r:id="rId7"/>
-    <p:sldId id="280" r:id="rId8"/>
-    <p:sldId id="282" r:id="rId9"/>
-    <p:sldId id="283" r:id="rId10"/>
-    <p:sldId id="284" r:id="rId11"/>
-    <p:sldId id="285" r:id="rId12"/>
-    <p:sldId id="286" r:id="rId13"/>
-    <p:sldId id="287" r:id="rId14"/>
-    <p:sldId id="288" r:id="rId15"/>
-    <p:sldId id="289" r:id="rId16"/>
-    <p:sldId id="290" r:id="rId17"/>
-    <p:sldId id="291" r:id="rId18"/>
+    <p:sldId id="263" r:id="rId3"/>
+    <p:sldId id="257" r:id="rId4"/>
+    <p:sldId id="281" r:id="rId5"/>
+    <p:sldId id="277" r:id="rId6"/>
+    <p:sldId id="287" r:id="rId7"/>
+    <p:sldId id="282" r:id="rId8"/>
+    <p:sldId id="283" r:id="rId9"/>
+    <p:sldId id="284" r:id="rId10"/>
+    <p:sldId id="285" r:id="rId11"/>
+    <p:sldId id="286" r:id="rId12"/>
   </p:sldIdLst>
   <p:sldSz cx="12192000" cy="6858000"/>
   <p:notesSz cx="6858000" cy="9144000"/>
@@ -224,7 +218,7 @@
           <a:p>
             <a:fld id="{C8C18358-1254-45A7-89FD-DE79F1EBB50D}" type="datetimeFigureOut">
               <a:rPr lang="ko-KR" altLang="en-US" smtClean="0"/>
-              <a:t>2018-03-06</a:t>
+              <a:t>2018-03-08</a:t>
             </a:fld>
             <a:endParaRPr lang="ko-KR" altLang="en-US"/>
           </a:p>
@@ -4835,39 +4829,6 @@
       </p:grpSpPr>
       <p:sp>
         <p:nvSpPr>
-          <p:cNvPr id="17" name="제목 16">
-            <a:extLst>
-              <a:ext uri="{FF2B5EF4-FFF2-40B4-BE49-F238E27FC236}">
-                <a16:creationId xmlns="" xmlns:a16="http://schemas.microsoft.com/office/drawing/2014/main" id="{538766AC-5FB7-41CD-BE08-06DE8DBE4BB2}"/>
-              </a:ext>
-            </a:extLst>
-          </p:cNvPr>
-          <p:cNvSpPr>
-            <a:spLocks noGrp="1"/>
-          </p:cNvSpPr>
-          <p:nvPr>
-            <p:ph type="title"/>
-          </p:nvPr>
-        </p:nvSpPr>
-        <p:spPr/>
-        <p:txBody>
-          <a:bodyPr/>
-          <a:lstStyle/>
-          <a:p>
-            <a:r>
-              <a:rPr lang="en-US" altLang="ko-KR" dirty="0" smtClean="0"/>
-              <a:t>2. </a:t>
-            </a:r>
-            <a:r>
-              <a:rPr lang="ko-KR" altLang="en-US" dirty="0" smtClean="0"/>
-              <a:t>기능</a:t>
-            </a:r>
-            <a:endParaRPr lang="ko-KR" altLang="en-US" dirty="0"/>
-          </a:p>
-        </p:txBody>
-      </p:sp>
-      <p:sp>
-        <p:nvSpPr>
           <p:cNvPr id="18" name="내용 개체 틀 17">
             <a:extLst>
               <a:ext uri="{FF2B5EF4-FFF2-40B4-BE49-F238E27FC236}">
@@ -4894,7 +4855,26 @@
           </a:bodyPr>
           <a:lstStyle/>
           <a:p>
-            <a:pPr lvl="0"/>
+            <a:r>
+              <a:rPr lang="ko-KR" altLang="en-US" sz="2800" dirty="0" smtClean="0"/>
+              <a:t> </a:t>
+            </a:r>
+            <a:r>
+              <a:rPr lang="en-US" altLang="ko-KR" sz="2800" dirty="0" smtClean="0"/>
+              <a:t>- </a:t>
+            </a:r>
+            <a:r>
+              <a:rPr lang="ko-KR" altLang="en-US" sz="2800" dirty="0" smtClean="0"/>
+              <a:t>사람들 </a:t>
+            </a:r>
+            <a:r>
+              <a:rPr lang="ko-KR" altLang="en-US" sz="2800" dirty="0"/>
+              <a:t>과의 대화에서 눈동자의 위치 입꼬리의 변화 등 전체적인 행동에 대한 분석을 통해서 하고있는 대화의 진정성과 집중도를 알 수 있습니다</a:t>
+            </a:r>
+            <a:r>
+              <a:rPr lang="en-US" altLang="ko-KR" sz="2800" dirty="0" smtClean="0"/>
+              <a:t>.</a:t>
+            </a:r>
             <a:endParaRPr lang="en-US" altLang="ko-KR" sz="2800" dirty="0"/>
           </a:p>
         </p:txBody>
@@ -5156,10 +5136,74 @@
           </a:p>
         </p:txBody>
       </p:sp>
+      <p:sp>
+        <p:nvSpPr>
+          <p:cNvPr id="10" name="제목 16">
+            <a:extLst>
+              <a:ext uri="{FF2B5EF4-FFF2-40B4-BE49-F238E27FC236}">
+                <a16:creationId xmlns="" xmlns:a16="http://schemas.microsoft.com/office/drawing/2014/main" id="{538766AC-5FB7-41CD-BE08-06DE8DBE4BB2}"/>
+              </a:ext>
+            </a:extLst>
+          </p:cNvPr>
+          <p:cNvSpPr txBox="1">
+            <a:spLocks/>
+          </p:cNvSpPr>
+          <p:nvPr/>
+        </p:nvSpPr>
+        <p:spPr>
+          <a:xfrm>
+            <a:off x="2245259" y="422820"/>
+            <a:ext cx="8881450" cy="511062"/>
+          </a:xfrm>
+          <a:prstGeom prst="rect">
+            <a:avLst/>
+          </a:prstGeom>
+        </p:spPr>
+        <p:txBody>
+          <a:bodyPr vert="horz" lIns="0" tIns="0" rIns="0" bIns="0" rtlCol="0" anchor="ctr">
+            <a:noAutofit/>
+          </a:bodyPr>
+          <a:lstStyle>
+            <a:lvl1pPr marL="0" indent="0" algn="l" defTabSz="914400" rtl="0" eaLnBrk="1" latinLnBrk="1" hangingPunct="1">
+              <a:lnSpc>
+                <a:spcPct val="125000"/>
+              </a:lnSpc>
+              <a:spcBef>
+                <a:spcPct val="0"/>
+              </a:spcBef>
+              <a:buFont typeface="Arial" panose="020B0604020202020204" pitchFamily="34" charset="0"/>
+              <a:buNone/>
+              <a:defRPr sz="3600" kern="1200">
+                <a:ln>
+                  <a:solidFill>
+                    <a:schemeClr val="accent1">
+                      <a:alpha val="0"/>
+                    </a:schemeClr>
+                  </a:solidFill>
+                </a:ln>
+                <a:solidFill>
+                  <a:schemeClr val="bg1"/>
+                </a:solidFill>
+                <a:latin typeface="+mj-lt"/>
+                <a:ea typeface="+mj-ea"/>
+                <a:cs typeface="+mj-cs"/>
+              </a:defRPr>
+            </a:lvl1pPr>
+          </a:lstStyle>
+          <a:p>
+            <a:pPr algn="ctr"/>
+            <a:r>
+              <a:rPr lang="ko-KR" altLang="en-US" dirty="0" smtClean="0"/>
+              <a:t>얼굴 표정을 통한 심리 상태 확인</a:t>
+            </a:r>
+            <a:endParaRPr lang="ko-KR" altLang="en-US" dirty="0"/>
+          </a:p>
+        </p:txBody>
+      </p:sp>
     </p:spTree>
     <p:extLst>
       <p:ext uri="{BB962C8B-B14F-4D97-AF65-F5344CB8AC3E}">
-        <p14:creationId xmlns:p14="http://schemas.microsoft.com/office/powerpoint/2010/main" val="3307119914"/>
+        <p14:creationId xmlns:p14="http://schemas.microsoft.com/office/powerpoint/2010/main" val="3690745586"/>
       </p:ext>
     </p:extLst>
   </p:cSld>
@@ -5188,43 +5232,6 @@
       </p:grpSpPr>
       <p:sp>
         <p:nvSpPr>
-          <p:cNvPr id="17" name="제목 16">
-            <a:extLst>
-              <a:ext uri="{FF2B5EF4-FFF2-40B4-BE49-F238E27FC236}">
-                <a16:creationId xmlns="" xmlns:a16="http://schemas.microsoft.com/office/drawing/2014/main" id="{538766AC-5FB7-41CD-BE08-06DE8DBE4BB2}"/>
-              </a:ext>
-            </a:extLst>
-          </p:cNvPr>
-          <p:cNvSpPr>
-            <a:spLocks noGrp="1"/>
-          </p:cNvSpPr>
-          <p:nvPr>
-            <p:ph type="title"/>
-          </p:nvPr>
-        </p:nvSpPr>
-        <p:spPr/>
-        <p:txBody>
-          <a:bodyPr/>
-          <a:lstStyle/>
-          <a:p>
-            <a:r>
-              <a:rPr lang="en-US" altLang="ko-KR" dirty="0" smtClean="0"/>
-              <a:t>3. </a:t>
-            </a:r>
-            <a:r>
-              <a:rPr lang="ko-KR" altLang="en-US" dirty="0" smtClean="0"/>
-              <a:t>차별</a:t>
-            </a:r>
-            <a:r>
-              <a:rPr lang="ko-KR" altLang="en-US" dirty="0"/>
-              <a:t>화</a:t>
-            </a:r>
-            <a:endParaRPr lang="ko-KR" altLang="en-US" dirty="0"/>
-          </a:p>
-        </p:txBody>
-      </p:sp>
-      <p:sp>
-        <p:nvSpPr>
           <p:cNvPr id="18" name="내용 개체 틀 17">
             <a:extLst>
               <a:ext uri="{FF2B5EF4-FFF2-40B4-BE49-F238E27FC236}">
@@ -5241,8 +5248,8 @@
         </p:nvSpPr>
         <p:spPr>
           <a:xfrm>
-            <a:off x="1508634" y="3965659"/>
-            <a:ext cx="10175170" cy="2013301"/>
+            <a:off x="1535738" y="1507728"/>
+            <a:ext cx="10261054" cy="4407297"/>
           </a:xfrm>
         </p:spPr>
         <p:txBody>
@@ -5251,7 +5258,81 @@
           </a:bodyPr>
           <a:lstStyle/>
           <a:p>
-            <a:endParaRPr lang="en-US" altLang="ko-KR" sz="1600" dirty="0"/>
+            <a:r>
+              <a:rPr lang="ko-KR" altLang="en-US" sz="2800" dirty="0" smtClean="0"/>
+              <a:t> </a:t>
+            </a:r>
+            <a:r>
+              <a:rPr lang="en-US" altLang="ko-KR" sz="2800" dirty="0" smtClean="0"/>
+              <a:t>- </a:t>
+            </a:r>
+            <a:r>
+              <a:rPr lang="ko-KR" altLang="en-US" sz="2800" dirty="0" smtClean="0"/>
+              <a:t>신발 </a:t>
+            </a:r>
+            <a:r>
+              <a:rPr lang="ko-KR" altLang="en-US" sz="2800" dirty="0"/>
+              <a:t>안쪽에 발열 장치를 부착 아두이노의 온도 센서를 통해 추운 겨울 발을 따듯하게 합니다</a:t>
+            </a:r>
+            <a:r>
+              <a:rPr lang="en-US" altLang="ko-KR" sz="2800" dirty="0" smtClean="0"/>
+              <a:t>.</a:t>
+            </a:r>
+            <a:endParaRPr lang="en-US" altLang="ko-KR" sz="2800" dirty="0"/>
+          </a:p>
+          <a:p>
+            <a:r>
+              <a:rPr lang="ko-KR" altLang="en-US" sz="2800" dirty="0" smtClean="0"/>
+              <a:t> </a:t>
+            </a:r>
+            <a:r>
+              <a:rPr lang="en-US" altLang="ko-KR" sz="2800" dirty="0" smtClean="0"/>
+              <a:t>- </a:t>
+            </a:r>
+            <a:r>
+              <a:rPr lang="ko-KR" altLang="en-US" sz="2800" dirty="0" smtClean="0"/>
+              <a:t>발을 </a:t>
+            </a:r>
+            <a:r>
+              <a:rPr lang="ko-KR" altLang="en-US" sz="2800" dirty="0"/>
+              <a:t>흔들거나 신발 앞 쪽을 톡톡 치거나 모션을 통한 </a:t>
+            </a:r>
+            <a:r>
+              <a:rPr lang="en-US" altLang="ko-KR" sz="2800" dirty="0"/>
+              <a:t>On/off </a:t>
+            </a:r>
+            <a:r>
+              <a:rPr lang="ko-KR" altLang="en-US" sz="2800" dirty="0"/>
+              <a:t>기능 이나 온도를 올리는 제어가 가능 하게 합니다</a:t>
+            </a:r>
+            <a:r>
+              <a:rPr lang="en-US" altLang="ko-KR" sz="2800" dirty="0" smtClean="0"/>
+              <a:t>.</a:t>
+            </a:r>
+            <a:endParaRPr lang="en-US" altLang="ko-KR" sz="2800" dirty="0"/>
+          </a:p>
+          <a:p>
+            <a:r>
+              <a:rPr lang="ko-KR" altLang="en-US" sz="2800" dirty="0" smtClean="0"/>
+              <a:t> </a:t>
+            </a:r>
+            <a:r>
+              <a:rPr lang="en-US" altLang="ko-KR" sz="2800" dirty="0" smtClean="0"/>
+              <a:t>- </a:t>
+            </a:r>
+            <a:r>
+              <a:rPr lang="ko-KR" altLang="en-US" sz="2800" dirty="0" smtClean="0"/>
+              <a:t>어플을 </a:t>
+            </a:r>
+            <a:r>
+              <a:rPr lang="ko-KR" altLang="en-US" sz="2800" dirty="0"/>
+              <a:t>통한 운동량 및 온도 제어 등 기타기능 을 추가합니다</a:t>
+            </a:r>
+            <a:r>
+              <a:rPr lang="en-US" altLang="ko-KR" sz="2800" dirty="0"/>
+              <a:t>.</a:t>
+            </a:r>
+            <a:endParaRPr lang="en-US" altLang="ko-KR" sz="2800" dirty="0"/>
           </a:p>
         </p:txBody>
       </p:sp>
@@ -5321,74 +5402,24 @@
           </a:p>
         </p:txBody>
       </p:sp>
-      <p:sp>
-        <p:nvSpPr>
-          <p:cNvPr id="24" name="타원 23">
-            <a:extLst>
-              <a:ext uri="{FF2B5EF4-FFF2-40B4-BE49-F238E27FC236}">
-                <a16:creationId xmlns="" xmlns:a16="http://schemas.microsoft.com/office/drawing/2014/main" id="{015AF492-935E-4469-A4B0-E0076A79857E}"/>
-              </a:ext>
-            </a:extLst>
-          </p:cNvPr>
-          <p:cNvSpPr/>
-          <p:nvPr/>
-        </p:nvSpPr>
-        <p:spPr>
-          <a:xfrm>
-            <a:off x="160398" y="6215917"/>
-            <a:ext cx="61471" cy="61471"/>
-          </a:xfrm>
-          <a:prstGeom prst="ellipse">
-            <a:avLst/>
-          </a:prstGeom>
-          <a:solidFill>
-            <a:schemeClr val="bg1"/>
-          </a:solidFill>
-          <a:ln>
-            <a:noFill/>
-          </a:ln>
-        </p:spPr>
-        <p:style>
-          <a:lnRef idx="2">
-            <a:schemeClr val="accent1">
-              <a:shade val="50000"/>
-            </a:schemeClr>
-          </a:lnRef>
-          <a:fillRef idx="1">
-            <a:schemeClr val="accent1"/>
-          </a:fillRef>
-          <a:effectRef idx="0">
-            <a:schemeClr val="accent1"/>
-          </a:effectRef>
-          <a:fontRef idx="minor">
-            <a:schemeClr val="lt1"/>
-          </a:fontRef>
-        </p:style>
-        <p:txBody>
-          <a:bodyPr rtlCol="0" anchor="ctr"/>
-          <a:lstStyle/>
-          <a:p>
-            <a:pPr algn="ctr"/>
-            <a:endParaRPr lang="ko-KR" altLang="en-US"/>
-          </a:p>
-        </p:txBody>
-      </p:sp>
       <p:cxnSp>
         <p:nvCxnSpPr>
-          <p:cNvPr id="14" name="직선 연결선 13">
-            <a:extLst>
-              <a:ext uri="{FF2B5EF4-FFF2-40B4-BE49-F238E27FC236}">
-                <a16:creationId xmlns="" xmlns:a16="http://schemas.microsoft.com/office/drawing/2014/main" id="{69805DCA-C68E-4C6E-AEE9-DB7D64C05E59}"/>
-              </a:ext>
-            </a:extLst>
-          </p:cNvPr>
-          <p:cNvCxnSpPr/>
+          <p:cNvPr id="16" name="직선 연결선 15">
+            <a:extLst>
+              <a:ext uri="{FF2B5EF4-FFF2-40B4-BE49-F238E27FC236}">
+                <a16:creationId xmlns="" xmlns:a16="http://schemas.microsoft.com/office/drawing/2014/main" id="{556817DD-8257-448B-A648-6DCF78476E78}"/>
+              </a:ext>
+            </a:extLst>
+          </p:cNvPr>
+          <p:cNvCxnSpPr>
+            <a:cxnSpLocks/>
+          </p:cNvCxnSpPr>
           <p:nvPr/>
         </p:nvCxnSpPr>
         <p:spPr>
-          <a:xfrm>
-            <a:off x="1586069" y="5978961"/>
-            <a:ext cx="9957409" cy="0"/>
+          <a:xfrm flipV="1">
+            <a:off x="523409" y="1839790"/>
+            <a:ext cx="161268" cy="161269"/>
           </a:xfrm>
           <a:prstGeom prst="line">
             <a:avLst/>
@@ -5416,51 +5447,6 @@
           </a:fontRef>
         </p:style>
       </p:cxnSp>
-      <p:cxnSp>
-        <p:nvCxnSpPr>
-          <p:cNvPr id="16" name="직선 연결선 15">
-            <a:extLst>
-              <a:ext uri="{FF2B5EF4-FFF2-40B4-BE49-F238E27FC236}">
-                <a16:creationId xmlns="" xmlns:a16="http://schemas.microsoft.com/office/drawing/2014/main" id="{556817DD-8257-448B-A648-6DCF78476E78}"/>
-              </a:ext>
-            </a:extLst>
-          </p:cNvPr>
-          <p:cNvCxnSpPr>
-            <a:cxnSpLocks/>
-          </p:cNvCxnSpPr>
-          <p:nvPr/>
-        </p:nvCxnSpPr>
-        <p:spPr>
-          <a:xfrm flipV="1">
-            <a:off x="523409" y="1839790"/>
-            <a:ext cx="161268" cy="161269"/>
-          </a:xfrm>
-          <a:prstGeom prst="line">
-            <a:avLst/>
-          </a:prstGeom>
-          <a:ln>
-            <a:solidFill>
-              <a:schemeClr val="bg1">
-                <a:alpha val="75000"/>
-              </a:schemeClr>
-            </a:solidFill>
-          </a:ln>
-        </p:spPr>
-        <p:style>
-          <a:lnRef idx="1">
-            <a:schemeClr val="accent1"/>
-          </a:lnRef>
-          <a:fillRef idx="0">
-            <a:schemeClr val="accent1"/>
-          </a:fillRef>
-          <a:effectRef idx="0">
-            <a:schemeClr val="accent1"/>
-          </a:effectRef>
-          <a:fontRef idx="minor">
-            <a:schemeClr val="tx1"/>
-          </a:fontRef>
-        </p:style>
-      </p:cxnSp>
       <p:sp>
         <p:nvSpPr>
           <p:cNvPr id="21" name="텍스트 개체 틀 28">
@@ -5494,16 +5480,6 @@
                 </a:solidFill>
               </a:rPr>
               <a:t>Explanation</a:t>
-            </a:r>
-          </a:p>
-          <a:p>
-            <a:r>
-              <a:rPr lang="en-US" altLang="ko-KR" dirty="0">
-                <a:solidFill>
-                  <a:srgbClr val="9BAEB5"/>
-                </a:solidFill>
-              </a:rPr>
-              <a:t>Concept</a:t>
             </a:r>
           </a:p>
           <a:p>
@@ -5515,14 +5491,34 @@
                   </a:schemeClr>
                 </a:solidFill>
               </a:rPr>
+              <a:t>Concept</a:t>
+            </a:r>
+          </a:p>
+          <a:p>
+            <a:r>
+              <a:rPr lang="en-US" altLang="ko-KR" dirty="0" smtClean="0"/>
               <a:t>Function</a:t>
             </a:r>
-          </a:p>
-          <a:p>
-            <a:r>
-              <a:rPr lang="en-US" altLang="ko-KR" dirty="0"/>
+            <a:endParaRPr lang="en-US" altLang="ko-KR" dirty="0"/>
+          </a:p>
+          <a:p>
+            <a:r>
+              <a:rPr lang="en-US" altLang="ko-KR" dirty="0" smtClean="0">
+                <a:solidFill>
+                  <a:schemeClr val="bg1">
+                    <a:alpha val="50000"/>
+                  </a:schemeClr>
+                </a:solidFill>
+              </a:rPr>
               <a:t>Practicality</a:t>
             </a:r>
+            <a:endParaRPr lang="en-US" altLang="ko-KR" dirty="0">
+              <a:solidFill>
+                <a:schemeClr val="bg1">
+                  <a:alpha val="50000"/>
+                </a:schemeClr>
+              </a:solidFill>
+            </a:endParaRPr>
           </a:p>
           <a:p>
             <a:r>
@@ -5545,423 +5541,12 @@
           </a:p>
         </p:txBody>
       </p:sp>
-      <p:cxnSp>
-        <p:nvCxnSpPr>
-          <p:cNvPr id="15" name="직선 연결선 2">
-            <a:extLst>
-              <a:ext uri="{FF2B5EF4-FFF2-40B4-BE49-F238E27FC236}">
-                <a16:creationId xmlns="" xmlns:a16="http://schemas.microsoft.com/office/drawing/2014/main" id="{707CDC34-5628-471C-810B-8CFF1C9EBB9D}"/>
-              </a:ext>
-            </a:extLst>
-          </p:cNvPr>
-          <p:cNvCxnSpPr/>
-          <p:nvPr/>
-        </p:nvCxnSpPr>
-        <p:spPr>
-          <a:xfrm>
-            <a:off x="1586067" y="3948276"/>
-            <a:ext cx="9957409" cy="0"/>
-          </a:xfrm>
-          <a:prstGeom prst="line">
-            <a:avLst/>
-          </a:prstGeom>
-          <a:ln>
-            <a:solidFill>
-              <a:schemeClr val="bg1">
-                <a:alpha val="75000"/>
-              </a:schemeClr>
-            </a:solidFill>
-          </a:ln>
-        </p:spPr>
-        <p:style>
-          <a:lnRef idx="1">
-            <a:schemeClr val="accent1"/>
-          </a:lnRef>
-          <a:fillRef idx="0">
-            <a:schemeClr val="accent1"/>
-          </a:fillRef>
-          <a:effectRef idx="0">
-            <a:schemeClr val="accent1"/>
-          </a:effectRef>
-          <a:fontRef idx="minor">
-            <a:schemeClr val="tx1"/>
-          </a:fontRef>
-        </p:style>
-      </p:cxnSp>
-    </p:spTree>
-    <p:extLst>
-      <p:ext uri="{BB962C8B-B14F-4D97-AF65-F5344CB8AC3E}">
-        <p14:creationId xmlns:p14="http://schemas.microsoft.com/office/powerpoint/2010/main" val="1432687807"/>
-      </p:ext>
-    </p:extLst>
-  </p:cSld>
-  <p:clrMapOvr>
-    <a:masterClrMapping/>
-  </p:clrMapOvr>
-</p:sld>
-</file>
-
-<file path=ppt/slides/slide12.xml><?xml version="1.0" encoding="utf-8"?>
-<p:sld xmlns:a="http://schemas.openxmlformats.org/drawingml/2006/main" xmlns:r="http://schemas.openxmlformats.org/officeDocument/2006/relationships" xmlns:p="http://schemas.openxmlformats.org/presentationml/2006/main">
-  <p:cSld>
-    <p:spTree>
-      <p:nvGrpSpPr>
-        <p:cNvPr id="1" name=""/>
-        <p:cNvGrpSpPr/>
-        <p:nvPr/>
-      </p:nvGrpSpPr>
-      <p:grpSpPr>
-        <a:xfrm>
-          <a:off x="0" y="0"/>
-          <a:ext cx="0" cy="0"/>
-          <a:chOff x="0" y="0"/>
-          <a:chExt cx="0" cy="0"/>
-        </a:xfrm>
-      </p:grpSpPr>
-      <p:sp>
-        <p:nvSpPr>
-          <p:cNvPr id="17" name="제목 16">
-            <a:extLst>
-              <a:ext uri="{FF2B5EF4-FFF2-40B4-BE49-F238E27FC236}">
-                <a16:creationId xmlns="" xmlns:a16="http://schemas.microsoft.com/office/drawing/2014/main" id="{538766AC-5FB7-41CD-BE08-06DE8DBE4BB2}"/>
-              </a:ext>
-            </a:extLst>
-          </p:cNvPr>
-          <p:cNvSpPr>
-            <a:spLocks noGrp="1"/>
-          </p:cNvSpPr>
-          <p:nvPr>
-            <p:ph type="title"/>
-          </p:nvPr>
-        </p:nvSpPr>
-        <p:spPr/>
-        <p:txBody>
-          <a:bodyPr/>
-          <a:lstStyle/>
-          <a:p>
-            <a:r>
-              <a:rPr lang="en-US" altLang="ko-KR" dirty="0" smtClean="0"/>
-              <a:t>4. </a:t>
-            </a:r>
-            <a:r>
-              <a:rPr lang="ko-KR" altLang="en-US" dirty="0" smtClean="0"/>
-              <a:t>문제점</a:t>
-            </a:r>
-            <a:endParaRPr lang="ko-KR" altLang="en-US" dirty="0"/>
-          </a:p>
-        </p:txBody>
-      </p:sp>
-      <p:sp>
-        <p:nvSpPr>
-          <p:cNvPr id="18" name="내용 개체 틀 17">
-            <a:extLst>
-              <a:ext uri="{FF2B5EF4-FFF2-40B4-BE49-F238E27FC236}">
-                <a16:creationId xmlns="" xmlns:a16="http://schemas.microsoft.com/office/drawing/2014/main" id="{747C4837-194F-4C6A-AD95-AD165411AD23}"/>
-              </a:ext>
-            </a:extLst>
-          </p:cNvPr>
-          <p:cNvSpPr>
-            <a:spLocks noGrp="1"/>
-          </p:cNvSpPr>
-          <p:nvPr>
-            <p:ph idx="1"/>
-          </p:nvPr>
-        </p:nvSpPr>
-        <p:spPr>
-          <a:xfrm>
-            <a:off x="1508634" y="3965659"/>
-            <a:ext cx="10175170" cy="2013301"/>
-          </a:xfrm>
-        </p:spPr>
-        <p:txBody>
-          <a:bodyPr>
-            <a:noAutofit/>
-          </a:bodyPr>
-          <a:lstStyle/>
-          <a:p>
-            <a:endParaRPr lang="en-US" altLang="ko-KR" sz="1600" dirty="0"/>
-          </a:p>
-        </p:txBody>
-      </p:sp>
-      <p:sp>
-        <p:nvSpPr>
-          <p:cNvPr id="20" name="슬라이드 번호 개체 틀 19">
-            <a:extLst>
-              <a:ext uri="{FF2B5EF4-FFF2-40B4-BE49-F238E27FC236}">
-                <a16:creationId xmlns="" xmlns:a16="http://schemas.microsoft.com/office/drawing/2014/main" id="{5D10BEF8-C3D2-456C-86E5-CDB9D8098737}"/>
-              </a:ext>
-            </a:extLst>
-          </p:cNvPr>
-          <p:cNvSpPr>
-            <a:spLocks noGrp="1"/>
-          </p:cNvSpPr>
-          <p:nvPr>
-            <p:ph type="sldNum" sz="quarter" idx="12"/>
-          </p:nvPr>
-        </p:nvSpPr>
-        <p:spPr/>
-        <p:txBody>
-          <a:bodyPr/>
-          <a:lstStyle/>
-          <a:p>
-            <a:fld id="{143BF621-4FC3-44DB-97C1-2906C2BBA181}" type="slidenum">
-              <a:rPr lang="en-US" altLang="ko-KR" smtClean="0"/>
-              <a:pPr/>
-              <a:t>12</a:t>
-            </a:fld>
-            <a:endParaRPr lang="en-US" dirty="0"/>
-          </a:p>
-        </p:txBody>
-      </p:sp>
-      <p:sp>
-        <p:nvSpPr>
-          <p:cNvPr id="22" name="텍스트 개체 틀 21">
-            <a:extLst>
-              <a:ext uri="{FF2B5EF4-FFF2-40B4-BE49-F238E27FC236}">
-                <a16:creationId xmlns="" xmlns:a16="http://schemas.microsoft.com/office/drawing/2014/main" id="{39A03912-2C30-4A1E-A949-CCA2FA1B86AF}"/>
-              </a:ext>
-            </a:extLst>
-          </p:cNvPr>
-          <p:cNvSpPr>
-            <a:spLocks noGrp="1"/>
-          </p:cNvSpPr>
-          <p:nvPr>
-            <p:ph type="body" sz="quarter" idx="14"/>
-          </p:nvPr>
-        </p:nvSpPr>
-        <p:spPr>
-          <a:xfrm>
-            <a:off x="0" y="188912"/>
-            <a:ext cx="1208087" cy="1384539"/>
-          </a:xfrm>
-          <a:prstGeom prst="roundRect">
-            <a:avLst>
-              <a:gd name="adj" fmla="val 0"/>
-            </a:avLst>
-          </a:prstGeom>
-        </p:spPr>
-        <p:txBody>
-          <a:bodyPr/>
-          <a:lstStyle/>
-          <a:p>
-            <a:pPr algn="dist"/>
-            <a:endParaRPr lang="en-US" altLang="ko-KR" sz="900" dirty="0"/>
-          </a:p>
-        </p:txBody>
-      </p:sp>
-      <p:cxnSp>
-        <p:nvCxnSpPr>
-          <p:cNvPr id="14" name="직선 연결선 13">
-            <a:extLst>
-              <a:ext uri="{FF2B5EF4-FFF2-40B4-BE49-F238E27FC236}">
-                <a16:creationId xmlns="" xmlns:a16="http://schemas.microsoft.com/office/drawing/2014/main" id="{69805DCA-C68E-4C6E-AEE9-DB7D64C05E59}"/>
-              </a:ext>
-            </a:extLst>
-          </p:cNvPr>
-          <p:cNvCxnSpPr/>
-          <p:nvPr/>
-        </p:nvCxnSpPr>
-        <p:spPr>
-          <a:xfrm>
-            <a:off x="1586069" y="5978961"/>
-            <a:ext cx="9957409" cy="0"/>
-          </a:xfrm>
-          <a:prstGeom prst="line">
-            <a:avLst/>
-          </a:prstGeom>
-          <a:ln>
-            <a:solidFill>
-              <a:schemeClr val="bg1">
-                <a:alpha val="75000"/>
-              </a:schemeClr>
-            </a:solidFill>
-          </a:ln>
-        </p:spPr>
-        <p:style>
-          <a:lnRef idx="1">
-            <a:schemeClr val="accent1"/>
-          </a:lnRef>
-          <a:fillRef idx="0">
-            <a:schemeClr val="accent1"/>
-          </a:fillRef>
-          <a:effectRef idx="0">
-            <a:schemeClr val="accent1"/>
-          </a:effectRef>
-          <a:fontRef idx="minor">
-            <a:schemeClr val="tx1"/>
-          </a:fontRef>
-        </p:style>
-      </p:cxnSp>
-      <p:cxnSp>
-        <p:nvCxnSpPr>
-          <p:cNvPr id="16" name="직선 연결선 15">
-            <a:extLst>
-              <a:ext uri="{FF2B5EF4-FFF2-40B4-BE49-F238E27FC236}">
-                <a16:creationId xmlns="" xmlns:a16="http://schemas.microsoft.com/office/drawing/2014/main" id="{556817DD-8257-448B-A648-6DCF78476E78}"/>
-              </a:ext>
-            </a:extLst>
-          </p:cNvPr>
-          <p:cNvCxnSpPr>
-            <a:cxnSpLocks/>
-          </p:cNvCxnSpPr>
-          <p:nvPr/>
-        </p:nvCxnSpPr>
-        <p:spPr>
-          <a:xfrm flipV="1">
-            <a:off x="523409" y="1839790"/>
-            <a:ext cx="161268" cy="161269"/>
-          </a:xfrm>
-          <a:prstGeom prst="line">
-            <a:avLst/>
-          </a:prstGeom>
-          <a:ln>
-            <a:solidFill>
-              <a:schemeClr val="bg1">
-                <a:alpha val="75000"/>
-              </a:schemeClr>
-            </a:solidFill>
-          </a:ln>
-        </p:spPr>
-        <p:style>
-          <a:lnRef idx="1">
-            <a:schemeClr val="accent1"/>
-          </a:lnRef>
-          <a:fillRef idx="0">
-            <a:schemeClr val="accent1"/>
-          </a:fillRef>
-          <a:effectRef idx="0">
-            <a:schemeClr val="accent1"/>
-          </a:effectRef>
-          <a:fontRef idx="minor">
-            <a:schemeClr val="tx1"/>
-          </a:fontRef>
-        </p:style>
-      </p:cxnSp>
-      <p:sp>
-        <p:nvSpPr>
-          <p:cNvPr id="21" name="텍스트 개체 틀 28">
-            <a:extLst>
-              <a:ext uri="{FF2B5EF4-FFF2-40B4-BE49-F238E27FC236}">
-                <a16:creationId xmlns="" xmlns:a16="http://schemas.microsoft.com/office/drawing/2014/main" id="{5DB47E97-B68E-44A9-9DEA-5B8C6AB98C99}"/>
-              </a:ext>
-            </a:extLst>
-          </p:cNvPr>
-          <p:cNvSpPr>
-            <a:spLocks noGrp="1"/>
-          </p:cNvSpPr>
-          <p:nvPr>
-            <p:ph type="body" sz="quarter" idx="13"/>
-          </p:nvPr>
-        </p:nvSpPr>
-        <p:spPr>
-          <a:xfrm>
-            <a:off x="279400" y="5160963"/>
-            <a:ext cx="928688" cy="1508125"/>
-          </a:xfrm>
-        </p:spPr>
-        <p:txBody>
-          <a:bodyPr/>
-          <a:lstStyle/>
-          <a:p>
-            <a:r>
-              <a:rPr lang="en-US" altLang="ko-KR" dirty="0">
-                <a:solidFill>
-                  <a:srgbClr val="9BAEB5"/>
-                </a:solidFill>
-              </a:rPr>
-              <a:t>Explanation</a:t>
-            </a:r>
-          </a:p>
-          <a:p>
-            <a:r>
-              <a:rPr lang="en-US" altLang="ko-KR" dirty="0">
-                <a:solidFill>
-                  <a:srgbClr val="9BAEB5"/>
-                </a:solidFill>
-              </a:rPr>
-              <a:t>Concept</a:t>
-            </a:r>
-          </a:p>
-          <a:p>
-            <a:r>
-              <a:rPr lang="en-US" altLang="ko-KR" dirty="0">
-                <a:solidFill>
-                  <a:schemeClr val="bg1">
-                    <a:alpha val="50000"/>
-                  </a:schemeClr>
-                </a:solidFill>
-              </a:rPr>
-              <a:t>Function</a:t>
-            </a:r>
-          </a:p>
-          <a:p>
-            <a:r>
-              <a:rPr lang="en-US" altLang="ko-KR" dirty="0">
-                <a:solidFill>
-                  <a:srgbClr val="9BAEB5"/>
-                </a:solidFill>
-              </a:rPr>
-              <a:t>Practicality</a:t>
-            </a:r>
-          </a:p>
-          <a:p>
-            <a:r>
-              <a:rPr lang="en-US" altLang="ko-KR" dirty="0"/>
-              <a:t>Problem</a:t>
-            </a:r>
-            <a:endParaRPr lang="en-US" altLang="ko-KR" dirty="0"/>
-          </a:p>
-        </p:txBody>
-      </p:sp>
-      <p:cxnSp>
-        <p:nvCxnSpPr>
-          <p:cNvPr id="15" name="직선 연결선 2">
-            <a:extLst>
-              <a:ext uri="{FF2B5EF4-FFF2-40B4-BE49-F238E27FC236}">
-                <a16:creationId xmlns="" xmlns:a16="http://schemas.microsoft.com/office/drawing/2014/main" id="{707CDC34-5628-471C-810B-8CFF1C9EBB9D}"/>
-              </a:ext>
-            </a:extLst>
-          </p:cNvPr>
-          <p:cNvCxnSpPr/>
-          <p:nvPr/>
-        </p:nvCxnSpPr>
-        <p:spPr>
-          <a:xfrm>
-            <a:off x="1586067" y="3948276"/>
-            <a:ext cx="9957409" cy="0"/>
-          </a:xfrm>
-          <a:prstGeom prst="line">
-            <a:avLst/>
-          </a:prstGeom>
-          <a:ln>
-            <a:solidFill>
-              <a:schemeClr val="bg1">
-                <a:alpha val="75000"/>
-              </a:schemeClr>
-            </a:solidFill>
-          </a:ln>
-        </p:spPr>
-        <p:style>
-          <a:lnRef idx="1">
-            <a:schemeClr val="accent1"/>
-          </a:lnRef>
-          <a:fillRef idx="0">
-            <a:schemeClr val="accent1"/>
-          </a:fillRef>
-          <a:effectRef idx="0">
-            <a:schemeClr val="accent1"/>
-          </a:effectRef>
-          <a:fontRef idx="minor">
-            <a:schemeClr val="tx1"/>
-          </a:fontRef>
-        </p:style>
-      </p:cxnSp>
-      <p:sp>
-        <p:nvSpPr>
-          <p:cNvPr id="11" name="타원 23">
-            <a:extLst>
-              <a:ext uri="{FF2B5EF4-FFF2-40B4-BE49-F238E27FC236}">
-                <a16:creationId xmlns:a16="http://schemas.microsoft.com/office/drawing/2014/main" xmlns="" id="{015AF492-935E-4469-A4B0-E0076A79857E}"/>
+      <p:sp>
+        <p:nvSpPr>
+          <p:cNvPr id="9" name="타원 25">
+            <a:extLst>
+              <a:ext uri="{FF2B5EF4-FFF2-40B4-BE49-F238E27FC236}">
+                <a16:creationId xmlns:a16="http://schemas.microsoft.com/office/drawing/2014/main" xmlns="" id="{70C1FAEF-62E2-40AA-B0AA-CBBD3346A291}"/>
               </a:ext>
             </a:extLst>
           </p:cNvPr>
@@ -5970,7 +5555,7 @@
         </p:nvSpPr>
         <p:spPr>
           <a:xfrm>
-            <a:off x="161889" y="6546435"/>
+            <a:off x="160990" y="5882611"/>
             <a:ext cx="61471" cy="61471"/>
           </a:xfrm>
           <a:prstGeom prst="ellipse">
@@ -6008,2264 +5593,74 @@
           </a:p>
         </p:txBody>
       </p:sp>
+      <p:sp>
+        <p:nvSpPr>
+          <p:cNvPr id="10" name="제목 16">
+            <a:extLst>
+              <a:ext uri="{FF2B5EF4-FFF2-40B4-BE49-F238E27FC236}">
+                <a16:creationId xmlns="" xmlns:a16="http://schemas.microsoft.com/office/drawing/2014/main" id="{538766AC-5FB7-41CD-BE08-06DE8DBE4BB2}"/>
+              </a:ext>
+            </a:extLst>
+          </p:cNvPr>
+          <p:cNvSpPr txBox="1">
+            <a:spLocks/>
+          </p:cNvSpPr>
+          <p:nvPr/>
+        </p:nvSpPr>
+        <p:spPr>
+          <a:xfrm>
+            <a:off x="2245259" y="422820"/>
+            <a:ext cx="8881450" cy="511062"/>
+          </a:xfrm>
+          <a:prstGeom prst="rect">
+            <a:avLst/>
+          </a:prstGeom>
+        </p:spPr>
+        <p:txBody>
+          <a:bodyPr vert="horz" lIns="0" tIns="0" rIns="0" bIns="0" rtlCol="0" anchor="ctr">
+            <a:noAutofit/>
+          </a:bodyPr>
+          <a:lstStyle>
+            <a:lvl1pPr marL="0" indent="0" algn="l" defTabSz="914400" rtl="0" eaLnBrk="1" latinLnBrk="1" hangingPunct="1">
+              <a:lnSpc>
+                <a:spcPct val="125000"/>
+              </a:lnSpc>
+              <a:spcBef>
+                <a:spcPct val="0"/>
+              </a:spcBef>
+              <a:buFont typeface="Arial" panose="020B0604020202020204" pitchFamily="34" charset="0"/>
+              <a:buNone/>
+              <a:defRPr sz="3600" kern="1200">
+                <a:ln>
+                  <a:solidFill>
+                    <a:schemeClr val="accent1">
+                      <a:alpha val="0"/>
+                    </a:schemeClr>
+                  </a:solidFill>
+                </a:ln>
+                <a:solidFill>
+                  <a:schemeClr val="bg1"/>
+                </a:solidFill>
+                <a:latin typeface="+mj-lt"/>
+                <a:ea typeface="+mj-ea"/>
+                <a:cs typeface="+mj-cs"/>
+              </a:defRPr>
+            </a:lvl1pPr>
+          </a:lstStyle>
+          <a:p>
+            <a:pPr algn="ctr"/>
+            <a:r>
+              <a:rPr lang="ko-KR" altLang="en-US" dirty="0" smtClean="0"/>
+              <a:t>온도 조절 신발</a:t>
+            </a:r>
+            <a:endParaRPr lang="ko-KR" altLang="en-US" dirty="0"/>
+          </a:p>
+        </p:txBody>
+      </p:sp>
     </p:spTree>
     <p:extLst>
       <p:ext uri="{BB962C8B-B14F-4D97-AF65-F5344CB8AC3E}">
-        <p14:creationId xmlns:p14="http://schemas.microsoft.com/office/powerpoint/2010/main" val="2072397849"/>
-      </p:ext>
-    </p:extLst>
-  </p:cSld>
-  <p:clrMapOvr>
-    <a:masterClrMapping/>
-  </p:clrMapOvr>
-</p:sld>
-</file>
-
-<file path=ppt/slides/slide13.xml><?xml version="1.0" encoding="utf-8"?>
-<p:sld xmlns:a="http://schemas.openxmlformats.org/drawingml/2006/main" xmlns:r="http://schemas.openxmlformats.org/officeDocument/2006/relationships" xmlns:p="http://schemas.openxmlformats.org/presentationml/2006/main">
-  <p:cSld>
-    <p:spTree>
-      <p:nvGrpSpPr>
-        <p:cNvPr id="1" name=""/>
-        <p:cNvGrpSpPr/>
-        <p:nvPr/>
-      </p:nvGrpSpPr>
-      <p:grpSpPr>
-        <a:xfrm>
-          <a:off x="0" y="0"/>
-          <a:ext cx="0" cy="0"/>
-          <a:chOff x="0" y="0"/>
-          <a:chExt cx="0" cy="0"/>
-        </a:xfrm>
-      </p:grpSpPr>
-      <p:sp>
-        <p:nvSpPr>
-          <p:cNvPr id="2" name="타원 1">
-            <a:extLst>
-              <a:ext uri="{FF2B5EF4-FFF2-40B4-BE49-F238E27FC236}">
-                <a16:creationId xmlns="" xmlns:a16="http://schemas.microsoft.com/office/drawing/2014/main" id="{6BE440E7-6487-4265-82D2-0AB7ED081C45}"/>
-              </a:ext>
-            </a:extLst>
-          </p:cNvPr>
-          <p:cNvSpPr/>
-          <p:nvPr/>
-        </p:nvSpPr>
-        <p:spPr>
-          <a:xfrm>
-            <a:off x="4680868" y="2261974"/>
-            <a:ext cx="2851881" cy="2851881"/>
-          </a:xfrm>
-          <a:prstGeom prst="ellipse">
-            <a:avLst/>
-          </a:prstGeom>
-          <a:noFill/>
-          <a:ln w="3175">
-            <a:solidFill>
-              <a:schemeClr val="bg1">
-                <a:alpha val="50000"/>
-              </a:schemeClr>
-            </a:solidFill>
-          </a:ln>
-        </p:spPr>
-        <p:style>
-          <a:lnRef idx="2">
-            <a:schemeClr val="accent1">
-              <a:shade val="50000"/>
-            </a:schemeClr>
-          </a:lnRef>
-          <a:fillRef idx="1">
-            <a:schemeClr val="accent1"/>
-          </a:fillRef>
-          <a:effectRef idx="0">
-            <a:schemeClr val="accent1"/>
-          </a:effectRef>
-          <a:fontRef idx="minor">
-            <a:schemeClr val="lt1"/>
-          </a:fontRef>
-        </p:style>
-        <p:txBody>
-          <a:bodyPr rtlCol="0" anchor="ctr"/>
-          <a:lstStyle/>
-          <a:p>
-            <a:pPr algn="ctr"/>
-            <a:endParaRPr lang="ko-KR" altLang="en-US"/>
-          </a:p>
-        </p:txBody>
-      </p:sp>
-      <p:sp>
-        <p:nvSpPr>
-          <p:cNvPr id="17" name="제목 16">
-            <a:extLst>
-              <a:ext uri="{FF2B5EF4-FFF2-40B4-BE49-F238E27FC236}">
-                <a16:creationId xmlns="" xmlns:a16="http://schemas.microsoft.com/office/drawing/2014/main" id="{538766AC-5FB7-41CD-BE08-06DE8DBE4BB2}"/>
-              </a:ext>
-            </a:extLst>
-          </p:cNvPr>
-          <p:cNvSpPr>
-            <a:spLocks noGrp="1"/>
-          </p:cNvSpPr>
-          <p:nvPr>
-            <p:ph type="title"/>
-          </p:nvPr>
-        </p:nvSpPr>
-        <p:spPr/>
-        <p:txBody>
-          <a:bodyPr/>
-          <a:lstStyle/>
-          <a:p>
-            <a:endParaRPr lang="ko-KR" altLang="en-US" sz="2400" dirty="0"/>
-          </a:p>
-        </p:txBody>
-      </p:sp>
-      <p:sp>
-        <p:nvSpPr>
-          <p:cNvPr id="4" name="내용 개체 틀 3">
-            <a:extLst>
-              <a:ext uri="{FF2B5EF4-FFF2-40B4-BE49-F238E27FC236}">
-                <a16:creationId xmlns="" xmlns:a16="http://schemas.microsoft.com/office/drawing/2014/main" id="{9388A597-371A-4172-9D6E-99E1B1C6323D}"/>
-              </a:ext>
-            </a:extLst>
-          </p:cNvPr>
-          <p:cNvSpPr>
-            <a:spLocks noGrp="1"/>
-          </p:cNvSpPr>
-          <p:nvPr>
-            <p:ph idx="1"/>
-          </p:nvPr>
-        </p:nvSpPr>
-        <p:spPr>
-          <a:xfrm>
-            <a:off x="4214240" y="5551404"/>
-            <a:ext cx="3785136" cy="677598"/>
-          </a:xfrm>
-        </p:spPr>
-        <p:txBody>
-          <a:bodyPr/>
-          <a:lstStyle/>
-          <a:p>
-            <a:pPr algn="ctr"/>
-            <a:endParaRPr lang="en-US" altLang="ko-KR" dirty="0"/>
-          </a:p>
-        </p:txBody>
-      </p:sp>
-      <p:sp>
-        <p:nvSpPr>
-          <p:cNvPr id="19" name="바닥글 개체 틀 18">
-            <a:extLst>
-              <a:ext uri="{FF2B5EF4-FFF2-40B4-BE49-F238E27FC236}">
-                <a16:creationId xmlns="" xmlns:a16="http://schemas.microsoft.com/office/drawing/2014/main" id="{F6FD5F82-18D2-4371-BA3E-8F0E8A742469}"/>
-              </a:ext>
-            </a:extLst>
-          </p:cNvPr>
-          <p:cNvSpPr>
-            <a:spLocks noGrp="1"/>
-          </p:cNvSpPr>
-          <p:nvPr>
-            <p:ph type="ftr" sz="quarter" idx="11"/>
-          </p:nvPr>
-        </p:nvSpPr>
-        <p:spPr/>
-        <p:txBody>
-          <a:bodyPr/>
-          <a:lstStyle/>
-          <a:p>
-            <a:r>
-              <a:rPr lang="en-US" dirty="0" smtClean="0"/>
-              <a:t>Idea </a:t>
-            </a:r>
-            <a:r>
-              <a:rPr lang="en-US" dirty="0" smtClean="0"/>
-              <a:t>3</a:t>
-            </a:r>
-            <a:endParaRPr lang="en-US" dirty="0"/>
-          </a:p>
-        </p:txBody>
-      </p:sp>
-      <p:sp>
-        <p:nvSpPr>
-          <p:cNvPr id="20" name="슬라이드 번호 개체 틀 19">
-            <a:extLst>
-              <a:ext uri="{FF2B5EF4-FFF2-40B4-BE49-F238E27FC236}">
-                <a16:creationId xmlns="" xmlns:a16="http://schemas.microsoft.com/office/drawing/2014/main" id="{5D10BEF8-C3D2-456C-86E5-CDB9D8098737}"/>
-              </a:ext>
-            </a:extLst>
-          </p:cNvPr>
-          <p:cNvSpPr>
-            <a:spLocks noGrp="1"/>
-          </p:cNvSpPr>
-          <p:nvPr>
-            <p:ph type="sldNum" sz="quarter" idx="12"/>
-          </p:nvPr>
-        </p:nvSpPr>
-        <p:spPr/>
-        <p:txBody>
-          <a:bodyPr/>
-          <a:lstStyle/>
-          <a:p>
-            <a:fld id="{143BF621-4FC3-44DB-97C1-2906C2BBA181}" type="slidenum">
-              <a:rPr lang="en-US" altLang="ko-KR" smtClean="0"/>
-              <a:pPr/>
-              <a:t>13</a:t>
-            </a:fld>
-            <a:endParaRPr lang="en-US" altLang="en-US" dirty="0"/>
-          </a:p>
-        </p:txBody>
-      </p:sp>
-      <p:sp>
-        <p:nvSpPr>
-          <p:cNvPr id="22" name="다이아몬드 21">
-            <a:extLst>
-              <a:ext uri="{FF2B5EF4-FFF2-40B4-BE49-F238E27FC236}">
-                <a16:creationId xmlns="" xmlns:a16="http://schemas.microsoft.com/office/drawing/2014/main" id="{41F1084A-D4D4-47EB-8895-913353FE9A22}"/>
-              </a:ext>
-            </a:extLst>
-          </p:cNvPr>
-          <p:cNvSpPr/>
-          <p:nvPr/>
-        </p:nvSpPr>
-        <p:spPr>
-          <a:xfrm>
-            <a:off x="6049432" y="378037"/>
-            <a:ext cx="93134" cy="93134"/>
-          </a:xfrm>
-          <a:prstGeom prst="diamond">
-            <a:avLst/>
-          </a:prstGeom>
-          <a:noFill/>
-          <a:ln w="6350">
-            <a:solidFill>
-              <a:schemeClr val="bg1">
-                <a:alpha val="50000"/>
-              </a:schemeClr>
-            </a:solidFill>
-            <a:tailEnd type="none"/>
-          </a:ln>
-        </p:spPr>
-        <p:style>
-          <a:lnRef idx="2">
-            <a:schemeClr val="accent1">
-              <a:shade val="50000"/>
-            </a:schemeClr>
-          </a:lnRef>
-          <a:fillRef idx="1">
-            <a:schemeClr val="accent1"/>
-          </a:fillRef>
-          <a:effectRef idx="0">
-            <a:schemeClr val="accent1"/>
-          </a:effectRef>
-          <a:fontRef idx="minor">
-            <a:schemeClr val="lt1"/>
-          </a:fontRef>
-        </p:style>
-        <p:txBody>
-          <a:bodyPr rtlCol="0" anchor="ctr"/>
-          <a:lstStyle/>
-          <a:p>
-            <a:pPr algn="ctr"/>
-            <a:endParaRPr lang="ko-KR" altLang="en-US"/>
-          </a:p>
-        </p:txBody>
-      </p:sp>
-      <p:cxnSp>
-        <p:nvCxnSpPr>
-          <p:cNvPr id="16" name="직선 연결선 15">
-            <a:extLst>
-              <a:ext uri="{FF2B5EF4-FFF2-40B4-BE49-F238E27FC236}">
-                <a16:creationId xmlns="" xmlns:a16="http://schemas.microsoft.com/office/drawing/2014/main" id="{D8EA4A26-BB6D-4E38-A89A-5586AEEE4506}"/>
-              </a:ext>
-            </a:extLst>
-          </p:cNvPr>
-          <p:cNvCxnSpPr/>
-          <p:nvPr/>
-        </p:nvCxnSpPr>
-        <p:spPr>
-          <a:xfrm>
-            <a:off x="6547573" y="1463597"/>
-            <a:ext cx="985176" cy="0"/>
-          </a:xfrm>
-          <a:prstGeom prst="line">
-            <a:avLst/>
-          </a:prstGeom>
-          <a:noFill/>
-          <a:ln w="6350">
-            <a:solidFill>
-              <a:schemeClr val="bg1">
-                <a:alpha val="50000"/>
-              </a:schemeClr>
-            </a:solidFill>
-            <a:tailEnd type="none"/>
-          </a:ln>
-        </p:spPr>
-        <p:style>
-          <a:lnRef idx="2">
-            <a:schemeClr val="accent1">
-              <a:shade val="50000"/>
-            </a:schemeClr>
-          </a:lnRef>
-          <a:fillRef idx="1">
-            <a:schemeClr val="accent1"/>
-          </a:fillRef>
-          <a:effectRef idx="0">
-            <a:schemeClr val="accent1"/>
-          </a:effectRef>
-          <a:fontRef idx="minor">
-            <a:schemeClr val="lt1"/>
-          </a:fontRef>
-        </p:style>
-      </p:cxnSp>
-      <p:cxnSp>
-        <p:nvCxnSpPr>
-          <p:cNvPr id="25" name="직선 연결선 24">
-            <a:extLst>
-              <a:ext uri="{FF2B5EF4-FFF2-40B4-BE49-F238E27FC236}">
-                <a16:creationId xmlns="" xmlns:a16="http://schemas.microsoft.com/office/drawing/2014/main" id="{0CAB8C7E-B8F0-4C2C-86DE-AC83CFED739C}"/>
-              </a:ext>
-            </a:extLst>
-          </p:cNvPr>
-          <p:cNvCxnSpPr/>
-          <p:nvPr/>
-        </p:nvCxnSpPr>
-        <p:spPr>
-          <a:xfrm>
-            <a:off x="4627080" y="1463597"/>
-            <a:ext cx="985176" cy="0"/>
-          </a:xfrm>
-          <a:prstGeom prst="line">
-            <a:avLst/>
-          </a:prstGeom>
-          <a:noFill/>
-          <a:ln w="6350">
-            <a:solidFill>
-              <a:schemeClr val="bg1">
-                <a:alpha val="50000"/>
-              </a:schemeClr>
-            </a:solidFill>
-            <a:tailEnd type="none"/>
-          </a:ln>
-        </p:spPr>
-        <p:style>
-          <a:lnRef idx="2">
-            <a:schemeClr val="accent1">
-              <a:shade val="50000"/>
-            </a:schemeClr>
-          </a:lnRef>
-          <a:fillRef idx="1">
-            <a:schemeClr val="accent1"/>
-          </a:fillRef>
-          <a:effectRef idx="0">
-            <a:schemeClr val="accent1"/>
-          </a:effectRef>
-          <a:fontRef idx="minor">
-            <a:schemeClr val="lt1"/>
-          </a:fontRef>
-        </p:style>
-      </p:cxnSp>
-      <p:sp>
-        <p:nvSpPr>
-          <p:cNvPr id="18" name="원호 17">
-            <a:extLst>
-              <a:ext uri="{FF2B5EF4-FFF2-40B4-BE49-F238E27FC236}">
-                <a16:creationId xmlns="" xmlns:a16="http://schemas.microsoft.com/office/drawing/2014/main" id="{0B1FBBCF-5864-458E-A31F-6CB2C3734B9A}"/>
-              </a:ext>
-            </a:extLst>
-          </p:cNvPr>
-          <p:cNvSpPr/>
-          <p:nvPr/>
-        </p:nvSpPr>
-        <p:spPr>
-          <a:xfrm>
-            <a:off x="4518617" y="2099723"/>
-            <a:ext cx="3176382" cy="3176382"/>
-          </a:xfrm>
-          <a:prstGeom prst="arc">
-            <a:avLst>
-              <a:gd name="adj1" fmla="val 8180391"/>
-              <a:gd name="adj2" fmla="val 3912642"/>
-            </a:avLst>
-          </a:prstGeom>
-          <a:noFill/>
-          <a:ln w="6350">
-            <a:solidFill>
-              <a:schemeClr val="bg1">
-                <a:alpha val="50000"/>
-              </a:schemeClr>
-            </a:solidFill>
-            <a:headEnd type="oval"/>
-            <a:tailEnd type="oval"/>
-          </a:ln>
-        </p:spPr>
-        <p:style>
-          <a:lnRef idx="2">
-            <a:schemeClr val="accent1">
-              <a:shade val="50000"/>
-            </a:schemeClr>
-          </a:lnRef>
-          <a:fillRef idx="1">
-            <a:schemeClr val="accent1"/>
-          </a:fillRef>
-          <a:effectRef idx="0">
-            <a:schemeClr val="accent1"/>
-          </a:effectRef>
-          <a:fontRef idx="minor">
-            <a:schemeClr val="lt1"/>
-          </a:fontRef>
-        </p:style>
-        <p:txBody>
-          <a:bodyPr rtlCol="0" anchor="ctr"/>
-          <a:lstStyle/>
-          <a:p>
-            <a:pPr algn="ctr"/>
-            <a:endParaRPr lang="ko-KR" altLang="en-US"/>
-          </a:p>
-        </p:txBody>
-      </p:sp>
-      <p:cxnSp>
-        <p:nvCxnSpPr>
-          <p:cNvPr id="21" name="직선 연결선 20">
-            <a:extLst>
-              <a:ext uri="{FF2B5EF4-FFF2-40B4-BE49-F238E27FC236}">
-                <a16:creationId xmlns="" xmlns:a16="http://schemas.microsoft.com/office/drawing/2014/main" id="{B3978C01-3CA0-4F03-B4CA-CA3A74111372}"/>
-              </a:ext>
-            </a:extLst>
-          </p:cNvPr>
-          <p:cNvCxnSpPr>
-            <a:cxnSpLocks/>
-          </p:cNvCxnSpPr>
-          <p:nvPr/>
-        </p:nvCxnSpPr>
-        <p:spPr>
-          <a:xfrm>
-            <a:off x="7886701" y="3687913"/>
-            <a:ext cx="4083199" cy="0"/>
-          </a:xfrm>
-          <a:prstGeom prst="line">
-            <a:avLst/>
-          </a:prstGeom>
-          <a:noFill/>
-          <a:ln w="6350">
-            <a:solidFill>
-              <a:schemeClr val="bg1">
-                <a:alpha val="50000"/>
-              </a:schemeClr>
-            </a:solidFill>
-            <a:tailEnd type="oval"/>
-          </a:ln>
-        </p:spPr>
-        <p:style>
-          <a:lnRef idx="2">
-            <a:schemeClr val="accent1">
-              <a:shade val="50000"/>
-            </a:schemeClr>
-          </a:lnRef>
-          <a:fillRef idx="1">
-            <a:schemeClr val="accent1"/>
-          </a:fillRef>
-          <a:effectRef idx="0">
-            <a:schemeClr val="accent1"/>
-          </a:effectRef>
-          <a:fontRef idx="minor">
-            <a:schemeClr val="lt1"/>
-          </a:fontRef>
-        </p:style>
-      </p:cxnSp>
-      <p:cxnSp>
-        <p:nvCxnSpPr>
-          <p:cNvPr id="23" name="직선 연결선 22">
-            <a:extLst>
-              <a:ext uri="{FF2B5EF4-FFF2-40B4-BE49-F238E27FC236}">
-                <a16:creationId xmlns="" xmlns:a16="http://schemas.microsoft.com/office/drawing/2014/main" id="{93B7E75E-C769-496E-9350-E8621B2A288D}"/>
-              </a:ext>
-            </a:extLst>
-          </p:cNvPr>
-          <p:cNvCxnSpPr>
-            <a:cxnSpLocks/>
-          </p:cNvCxnSpPr>
-          <p:nvPr/>
-        </p:nvCxnSpPr>
-        <p:spPr>
-          <a:xfrm>
-            <a:off x="223546" y="3687913"/>
-            <a:ext cx="4103369" cy="0"/>
-          </a:xfrm>
-          <a:prstGeom prst="line">
-            <a:avLst/>
-          </a:prstGeom>
-          <a:noFill/>
-          <a:ln w="6350">
-            <a:solidFill>
-              <a:schemeClr val="bg1">
-                <a:alpha val="50000"/>
-              </a:schemeClr>
-            </a:solidFill>
-            <a:headEnd type="oval"/>
-            <a:tailEnd type="none"/>
-          </a:ln>
-        </p:spPr>
-        <p:style>
-          <a:lnRef idx="2">
-            <a:schemeClr val="accent1">
-              <a:shade val="50000"/>
-            </a:schemeClr>
-          </a:lnRef>
-          <a:fillRef idx="1">
-            <a:schemeClr val="accent1"/>
-          </a:fillRef>
-          <a:effectRef idx="0">
-            <a:schemeClr val="accent1"/>
-          </a:effectRef>
-          <a:fontRef idx="minor">
-            <a:schemeClr val="lt1"/>
-          </a:fontRef>
-        </p:style>
-      </p:cxnSp>
-      <p:sp>
-        <p:nvSpPr>
-          <p:cNvPr id="24" name="원호 23">
-            <a:extLst>
-              <a:ext uri="{FF2B5EF4-FFF2-40B4-BE49-F238E27FC236}">
-                <a16:creationId xmlns="" xmlns:a16="http://schemas.microsoft.com/office/drawing/2014/main" id="{1C474304-1B04-47F0-8BD7-7EF89C46DA83}"/>
-              </a:ext>
-            </a:extLst>
-          </p:cNvPr>
-          <p:cNvSpPr/>
-          <p:nvPr/>
-        </p:nvSpPr>
-        <p:spPr>
-          <a:xfrm>
-            <a:off x="4326915" y="1908021"/>
-            <a:ext cx="3559786" cy="3559786"/>
-          </a:xfrm>
-          <a:prstGeom prst="arc">
-            <a:avLst>
-              <a:gd name="adj1" fmla="val 9195260"/>
-              <a:gd name="adj2" fmla="val 7431069"/>
-            </a:avLst>
-          </a:prstGeom>
-          <a:noFill/>
-          <a:ln w="6350">
-            <a:solidFill>
-              <a:schemeClr val="bg1">
-                <a:alpha val="50000"/>
-              </a:schemeClr>
-            </a:solidFill>
-            <a:headEnd type="oval"/>
-            <a:tailEnd type="oval"/>
-          </a:ln>
-        </p:spPr>
-        <p:style>
-          <a:lnRef idx="2">
-            <a:schemeClr val="accent1">
-              <a:shade val="50000"/>
-            </a:schemeClr>
-          </a:lnRef>
-          <a:fillRef idx="1">
-            <a:schemeClr val="accent1"/>
-          </a:fillRef>
-          <a:effectRef idx="0">
-            <a:schemeClr val="accent1"/>
-          </a:effectRef>
-          <a:fontRef idx="minor">
-            <a:schemeClr val="lt1"/>
-          </a:fontRef>
-        </p:style>
-        <p:txBody>
-          <a:bodyPr rtlCol="0" anchor="ctr"/>
-          <a:lstStyle/>
-          <a:p>
-            <a:pPr algn="ctr"/>
-            <a:endParaRPr lang="ko-KR" altLang="en-US"/>
-          </a:p>
-        </p:txBody>
-      </p:sp>
-      <p:sp>
-        <p:nvSpPr>
-          <p:cNvPr id="28" name="텍스트 개체 틀 28">
-            <a:extLst>
-              <a:ext uri="{FF2B5EF4-FFF2-40B4-BE49-F238E27FC236}">
-                <a16:creationId xmlns="" xmlns:a16="http://schemas.microsoft.com/office/drawing/2014/main" id="{5DB47E97-B68E-44A9-9DEA-5B8C6AB98C99}"/>
-              </a:ext>
-            </a:extLst>
-          </p:cNvPr>
-          <p:cNvSpPr>
-            <a:spLocks noGrp="1"/>
-          </p:cNvSpPr>
-          <p:nvPr>
-            <p:ph type="body" sz="quarter" idx="13"/>
-          </p:nvPr>
-        </p:nvSpPr>
-        <p:spPr>
-          <a:xfrm>
-            <a:off x="279400" y="5160963"/>
-            <a:ext cx="928688" cy="1508125"/>
-          </a:xfrm>
-        </p:spPr>
-        <p:txBody>
-          <a:bodyPr/>
-          <a:lstStyle/>
-          <a:p>
-            <a:r>
-              <a:rPr lang="en-US" altLang="ko-KR" dirty="0"/>
-              <a:t>Explanation</a:t>
-            </a:r>
-          </a:p>
-          <a:p>
-            <a:r>
-              <a:rPr lang="en-US" altLang="ko-KR" dirty="0">
-                <a:solidFill>
-                  <a:schemeClr val="bg1">
-                    <a:alpha val="50000"/>
-                  </a:schemeClr>
-                </a:solidFill>
-              </a:rPr>
-              <a:t>Concept</a:t>
-            </a:r>
-          </a:p>
-          <a:p>
-            <a:r>
-              <a:rPr lang="en-US" altLang="ko-KR" dirty="0">
-                <a:solidFill>
-                  <a:schemeClr val="bg1">
-                    <a:alpha val="50000"/>
-                  </a:schemeClr>
-                </a:solidFill>
-              </a:rPr>
-              <a:t>Function</a:t>
-            </a:r>
-          </a:p>
-          <a:p>
-            <a:r>
-              <a:rPr lang="en-US" altLang="ko-KR" dirty="0">
-                <a:solidFill>
-                  <a:schemeClr val="bg1">
-                    <a:alpha val="50000"/>
-                  </a:schemeClr>
-                </a:solidFill>
-              </a:rPr>
-              <a:t>Practicality</a:t>
-            </a:r>
-          </a:p>
-          <a:p>
-            <a:r>
-              <a:rPr lang="en-US" altLang="ko-KR" dirty="0">
-                <a:solidFill>
-                  <a:schemeClr val="bg1">
-                    <a:alpha val="50000"/>
-                  </a:schemeClr>
-                </a:solidFill>
-              </a:rPr>
-              <a:t>Problem</a:t>
-            </a:r>
-            <a:endParaRPr lang="ko-KR" altLang="en-US" dirty="0">
-              <a:solidFill>
-                <a:schemeClr val="bg1">
-                  <a:alpha val="50000"/>
-                </a:schemeClr>
-              </a:solidFill>
-            </a:endParaRPr>
-          </a:p>
-        </p:txBody>
-      </p:sp>
-      <p:sp>
-        <p:nvSpPr>
-          <p:cNvPr id="26" name="타원 23">
-            <a:extLst>
-              <a:ext uri="{FF2B5EF4-FFF2-40B4-BE49-F238E27FC236}">
-                <a16:creationId xmlns="" xmlns:a16="http://schemas.microsoft.com/office/drawing/2014/main" id="{015AF492-935E-4469-A4B0-E0076A79857E}"/>
-              </a:ext>
-            </a:extLst>
-          </p:cNvPr>
-          <p:cNvSpPr/>
-          <p:nvPr/>
-        </p:nvSpPr>
-        <p:spPr>
-          <a:xfrm>
-            <a:off x="163288" y="5228454"/>
-            <a:ext cx="61471" cy="61471"/>
-          </a:xfrm>
-          <a:prstGeom prst="ellipse">
-            <a:avLst/>
-          </a:prstGeom>
-          <a:solidFill>
-            <a:schemeClr val="bg1"/>
-          </a:solidFill>
-          <a:ln>
-            <a:noFill/>
-          </a:ln>
-        </p:spPr>
-        <p:style>
-          <a:lnRef idx="2">
-            <a:schemeClr val="accent1">
-              <a:shade val="50000"/>
-            </a:schemeClr>
-          </a:lnRef>
-          <a:fillRef idx="1">
-            <a:schemeClr val="accent1"/>
-          </a:fillRef>
-          <a:effectRef idx="0">
-            <a:schemeClr val="accent1"/>
-          </a:effectRef>
-          <a:fontRef idx="minor">
-            <a:schemeClr val="lt1"/>
-          </a:fontRef>
-        </p:style>
-        <p:txBody>
-          <a:bodyPr rtlCol="0" anchor="ctr"/>
-          <a:lstStyle/>
-          <a:p>
-            <a:pPr algn="ctr"/>
-            <a:endParaRPr lang="ko-KR" altLang="en-US"/>
-          </a:p>
-        </p:txBody>
-      </p:sp>
-    </p:spTree>
-    <p:extLst>
-      <p:ext uri="{BB962C8B-B14F-4D97-AF65-F5344CB8AC3E}">
-        <p14:creationId xmlns:p14="http://schemas.microsoft.com/office/powerpoint/2010/main" val="708847743"/>
-      </p:ext>
-    </p:extLst>
-  </p:cSld>
-  <p:clrMapOvr>
-    <a:masterClrMapping/>
-  </p:clrMapOvr>
-</p:sld>
-</file>
-
-<file path=ppt/slides/slide14.xml><?xml version="1.0" encoding="utf-8"?>
-<p:sld xmlns:a="http://schemas.openxmlformats.org/drawingml/2006/main" xmlns:r="http://schemas.openxmlformats.org/officeDocument/2006/relationships" xmlns:p="http://schemas.openxmlformats.org/presentationml/2006/main">
-  <p:cSld>
-    <p:spTree>
-      <p:nvGrpSpPr>
-        <p:cNvPr id="1" name=""/>
-        <p:cNvGrpSpPr/>
-        <p:nvPr/>
-      </p:nvGrpSpPr>
-      <p:grpSpPr>
-        <a:xfrm>
-          <a:off x="0" y="0"/>
-          <a:ext cx="0" cy="0"/>
-          <a:chOff x="0" y="0"/>
-          <a:chExt cx="0" cy="0"/>
-        </a:xfrm>
-      </p:grpSpPr>
-      <p:sp>
-        <p:nvSpPr>
-          <p:cNvPr id="17" name="제목 16">
-            <a:extLst>
-              <a:ext uri="{FF2B5EF4-FFF2-40B4-BE49-F238E27FC236}">
-                <a16:creationId xmlns="" xmlns:a16="http://schemas.microsoft.com/office/drawing/2014/main" id="{538766AC-5FB7-41CD-BE08-06DE8DBE4BB2}"/>
-              </a:ext>
-            </a:extLst>
-          </p:cNvPr>
-          <p:cNvSpPr>
-            <a:spLocks noGrp="1"/>
-          </p:cNvSpPr>
-          <p:nvPr>
-            <p:ph type="title"/>
-          </p:nvPr>
-        </p:nvSpPr>
-        <p:spPr/>
-        <p:txBody>
-          <a:bodyPr/>
-          <a:lstStyle/>
-          <a:p>
-            <a:r>
-              <a:rPr lang="en-US" altLang="ko-KR" dirty="0"/>
-              <a:t>1. </a:t>
-            </a:r>
-            <a:r>
-              <a:rPr lang="ko-KR" altLang="en-US" dirty="0"/>
-              <a:t>개요</a:t>
-            </a:r>
-          </a:p>
-        </p:txBody>
-      </p:sp>
-      <p:sp>
-        <p:nvSpPr>
-          <p:cNvPr id="18" name="내용 개체 틀 17">
-            <a:extLst>
-              <a:ext uri="{FF2B5EF4-FFF2-40B4-BE49-F238E27FC236}">
-                <a16:creationId xmlns="" xmlns:a16="http://schemas.microsoft.com/office/drawing/2014/main" id="{747C4837-194F-4C6A-AD95-AD165411AD23}"/>
-              </a:ext>
-            </a:extLst>
-          </p:cNvPr>
-          <p:cNvSpPr>
-            <a:spLocks noGrp="1"/>
-          </p:cNvSpPr>
-          <p:nvPr>
-            <p:ph idx="1"/>
-          </p:nvPr>
-        </p:nvSpPr>
-        <p:spPr>
-          <a:xfrm>
-            <a:off x="1535738" y="1507728"/>
-            <a:ext cx="10261054" cy="4407297"/>
-          </a:xfrm>
-        </p:spPr>
-        <p:txBody>
-          <a:bodyPr>
-            <a:noAutofit/>
-          </a:bodyPr>
-          <a:lstStyle/>
-          <a:p>
-            <a:pPr lvl="0"/>
-            <a:endParaRPr lang="en-US" altLang="ko-KR" sz="2800" dirty="0"/>
-          </a:p>
-        </p:txBody>
-      </p:sp>
-      <p:sp>
-        <p:nvSpPr>
-          <p:cNvPr id="20" name="슬라이드 번호 개체 틀 19">
-            <a:extLst>
-              <a:ext uri="{FF2B5EF4-FFF2-40B4-BE49-F238E27FC236}">
-                <a16:creationId xmlns="" xmlns:a16="http://schemas.microsoft.com/office/drawing/2014/main" id="{5D10BEF8-C3D2-456C-86E5-CDB9D8098737}"/>
-              </a:ext>
-            </a:extLst>
-          </p:cNvPr>
-          <p:cNvSpPr>
-            <a:spLocks noGrp="1"/>
-          </p:cNvSpPr>
-          <p:nvPr>
-            <p:ph type="sldNum" sz="quarter" idx="12"/>
-          </p:nvPr>
-        </p:nvSpPr>
-        <p:spPr/>
-        <p:txBody>
-          <a:bodyPr/>
-          <a:lstStyle/>
-          <a:p>
-            <a:fld id="{143BF621-4FC3-44DB-97C1-2906C2BBA181}" type="slidenum">
-              <a:rPr lang="en-US" altLang="ko-KR" smtClean="0"/>
-              <a:pPr/>
-              <a:t>14</a:t>
-            </a:fld>
-            <a:endParaRPr lang="en-US" dirty="0"/>
-          </a:p>
-        </p:txBody>
-      </p:sp>
-      <p:sp>
-        <p:nvSpPr>
-          <p:cNvPr id="22" name="텍스트 개체 틀 21">
-            <a:extLst>
-              <a:ext uri="{FF2B5EF4-FFF2-40B4-BE49-F238E27FC236}">
-                <a16:creationId xmlns="" xmlns:a16="http://schemas.microsoft.com/office/drawing/2014/main" id="{39A03912-2C30-4A1E-A949-CCA2FA1B86AF}"/>
-              </a:ext>
-            </a:extLst>
-          </p:cNvPr>
-          <p:cNvSpPr>
-            <a:spLocks noGrp="1"/>
-          </p:cNvSpPr>
-          <p:nvPr>
-            <p:ph type="body" sz="quarter" idx="14"/>
-          </p:nvPr>
-        </p:nvSpPr>
-        <p:spPr>
-          <a:xfrm>
-            <a:off x="0" y="188912"/>
-            <a:ext cx="1208087" cy="1384539"/>
-          </a:xfrm>
-          <a:prstGeom prst="roundRect">
-            <a:avLst>
-              <a:gd name="adj" fmla="val 0"/>
-            </a:avLst>
-          </a:prstGeom>
-        </p:spPr>
-        <p:txBody>
-          <a:bodyPr/>
-          <a:lstStyle/>
-          <a:p>
-            <a:pPr algn="dist"/>
-            <a:endParaRPr lang="en-US" altLang="ko-KR" sz="900" dirty="0"/>
-          </a:p>
-        </p:txBody>
-      </p:sp>
-      <p:sp>
-        <p:nvSpPr>
-          <p:cNvPr id="24" name="타원 23">
-            <a:extLst>
-              <a:ext uri="{FF2B5EF4-FFF2-40B4-BE49-F238E27FC236}">
-                <a16:creationId xmlns="" xmlns:a16="http://schemas.microsoft.com/office/drawing/2014/main" id="{015AF492-935E-4469-A4B0-E0076A79857E}"/>
-              </a:ext>
-            </a:extLst>
-          </p:cNvPr>
-          <p:cNvSpPr/>
-          <p:nvPr/>
-        </p:nvSpPr>
-        <p:spPr>
-          <a:xfrm>
-            <a:off x="163288" y="5555034"/>
-            <a:ext cx="61471" cy="61471"/>
-          </a:xfrm>
-          <a:prstGeom prst="ellipse">
-            <a:avLst/>
-          </a:prstGeom>
-          <a:solidFill>
-            <a:schemeClr val="bg1"/>
-          </a:solidFill>
-          <a:ln>
-            <a:noFill/>
-          </a:ln>
-        </p:spPr>
-        <p:style>
-          <a:lnRef idx="2">
-            <a:schemeClr val="accent1">
-              <a:shade val="50000"/>
-            </a:schemeClr>
-          </a:lnRef>
-          <a:fillRef idx="1">
-            <a:schemeClr val="accent1"/>
-          </a:fillRef>
-          <a:effectRef idx="0">
-            <a:schemeClr val="accent1"/>
-          </a:effectRef>
-          <a:fontRef idx="minor">
-            <a:schemeClr val="lt1"/>
-          </a:fontRef>
-        </p:style>
-        <p:txBody>
-          <a:bodyPr rtlCol="0" anchor="ctr"/>
-          <a:lstStyle/>
-          <a:p>
-            <a:pPr algn="ctr"/>
-            <a:endParaRPr lang="ko-KR" altLang="en-US"/>
-          </a:p>
-        </p:txBody>
-      </p:sp>
-      <p:cxnSp>
-        <p:nvCxnSpPr>
-          <p:cNvPr id="16" name="직선 연결선 15">
-            <a:extLst>
-              <a:ext uri="{FF2B5EF4-FFF2-40B4-BE49-F238E27FC236}">
-                <a16:creationId xmlns="" xmlns:a16="http://schemas.microsoft.com/office/drawing/2014/main" id="{556817DD-8257-448B-A648-6DCF78476E78}"/>
-              </a:ext>
-            </a:extLst>
-          </p:cNvPr>
-          <p:cNvCxnSpPr>
-            <a:cxnSpLocks/>
-          </p:cNvCxnSpPr>
-          <p:nvPr/>
-        </p:nvCxnSpPr>
-        <p:spPr>
-          <a:xfrm flipV="1">
-            <a:off x="523409" y="1839790"/>
-            <a:ext cx="161268" cy="161269"/>
-          </a:xfrm>
-          <a:prstGeom prst="line">
-            <a:avLst/>
-          </a:prstGeom>
-          <a:ln>
-            <a:solidFill>
-              <a:schemeClr val="bg1">
-                <a:alpha val="75000"/>
-              </a:schemeClr>
-            </a:solidFill>
-          </a:ln>
-        </p:spPr>
-        <p:style>
-          <a:lnRef idx="1">
-            <a:schemeClr val="accent1"/>
-          </a:lnRef>
-          <a:fillRef idx="0">
-            <a:schemeClr val="accent1"/>
-          </a:fillRef>
-          <a:effectRef idx="0">
-            <a:schemeClr val="accent1"/>
-          </a:effectRef>
-          <a:fontRef idx="minor">
-            <a:schemeClr val="tx1"/>
-          </a:fontRef>
-        </p:style>
-      </p:cxnSp>
-      <p:sp>
-        <p:nvSpPr>
-          <p:cNvPr id="21" name="텍스트 개체 틀 28">
-            <a:extLst>
-              <a:ext uri="{FF2B5EF4-FFF2-40B4-BE49-F238E27FC236}">
-                <a16:creationId xmlns="" xmlns:a16="http://schemas.microsoft.com/office/drawing/2014/main" id="{5DB47E97-B68E-44A9-9DEA-5B8C6AB98C99}"/>
-              </a:ext>
-            </a:extLst>
-          </p:cNvPr>
-          <p:cNvSpPr>
-            <a:spLocks noGrp="1"/>
-          </p:cNvSpPr>
-          <p:nvPr>
-            <p:ph type="body" sz="quarter" idx="13"/>
-          </p:nvPr>
-        </p:nvSpPr>
-        <p:spPr>
-          <a:xfrm>
-            <a:off x="279400" y="5160963"/>
-            <a:ext cx="928688" cy="1508125"/>
-          </a:xfrm>
-        </p:spPr>
-        <p:txBody>
-          <a:bodyPr/>
-          <a:lstStyle/>
-          <a:p>
-            <a:r>
-              <a:rPr lang="en-US" altLang="ko-KR" dirty="0">
-                <a:solidFill>
-                  <a:srgbClr val="9BAEB5"/>
-                </a:solidFill>
-              </a:rPr>
-              <a:t>Explanation</a:t>
-            </a:r>
-          </a:p>
-          <a:p>
-            <a:r>
-              <a:rPr lang="en-US" altLang="ko-KR" dirty="0"/>
-              <a:t>Concept</a:t>
-            </a:r>
-          </a:p>
-          <a:p>
-            <a:r>
-              <a:rPr lang="en-US" altLang="ko-KR" dirty="0">
-                <a:solidFill>
-                  <a:schemeClr val="bg1">
-                    <a:alpha val="50000"/>
-                  </a:schemeClr>
-                </a:solidFill>
-              </a:rPr>
-              <a:t>Function</a:t>
-            </a:r>
-          </a:p>
-          <a:p>
-            <a:r>
-              <a:rPr lang="en-US" altLang="ko-KR" dirty="0">
-                <a:solidFill>
-                  <a:schemeClr val="bg1">
-                    <a:alpha val="50000"/>
-                  </a:schemeClr>
-                </a:solidFill>
-              </a:rPr>
-              <a:t>Practicality</a:t>
-            </a:r>
-          </a:p>
-          <a:p>
-            <a:r>
-              <a:rPr lang="en-US" altLang="ko-KR" dirty="0">
-                <a:solidFill>
-                  <a:schemeClr val="bg1">
-                    <a:alpha val="50000"/>
-                  </a:schemeClr>
-                </a:solidFill>
-              </a:rPr>
-              <a:t>Problem</a:t>
-            </a:r>
-            <a:endParaRPr lang="ko-KR" altLang="en-US" dirty="0">
-              <a:solidFill>
-                <a:schemeClr val="bg1">
-                  <a:alpha val="50000"/>
-                </a:schemeClr>
-              </a:solidFill>
-            </a:endParaRPr>
-          </a:p>
-        </p:txBody>
-      </p:sp>
-    </p:spTree>
-    <p:extLst>
-      <p:ext uri="{BB962C8B-B14F-4D97-AF65-F5344CB8AC3E}">
-        <p14:creationId xmlns:p14="http://schemas.microsoft.com/office/powerpoint/2010/main" val="329560742"/>
-      </p:ext>
-    </p:extLst>
-  </p:cSld>
-  <p:clrMapOvr>
-    <a:masterClrMapping/>
-  </p:clrMapOvr>
-</p:sld>
-</file>
-
-<file path=ppt/slides/slide15.xml><?xml version="1.0" encoding="utf-8"?>
-<p:sld xmlns:a="http://schemas.openxmlformats.org/drawingml/2006/main" xmlns:r="http://schemas.openxmlformats.org/officeDocument/2006/relationships" xmlns:p="http://schemas.openxmlformats.org/presentationml/2006/main">
-  <p:cSld>
-    <p:spTree>
-      <p:nvGrpSpPr>
-        <p:cNvPr id="1" name=""/>
-        <p:cNvGrpSpPr/>
-        <p:nvPr/>
-      </p:nvGrpSpPr>
-      <p:grpSpPr>
-        <a:xfrm>
-          <a:off x="0" y="0"/>
-          <a:ext cx="0" cy="0"/>
-          <a:chOff x="0" y="0"/>
-          <a:chExt cx="0" cy="0"/>
-        </a:xfrm>
-      </p:grpSpPr>
-      <p:sp>
-        <p:nvSpPr>
-          <p:cNvPr id="17" name="제목 16">
-            <a:extLst>
-              <a:ext uri="{FF2B5EF4-FFF2-40B4-BE49-F238E27FC236}">
-                <a16:creationId xmlns="" xmlns:a16="http://schemas.microsoft.com/office/drawing/2014/main" id="{538766AC-5FB7-41CD-BE08-06DE8DBE4BB2}"/>
-              </a:ext>
-            </a:extLst>
-          </p:cNvPr>
-          <p:cNvSpPr>
-            <a:spLocks noGrp="1"/>
-          </p:cNvSpPr>
-          <p:nvPr>
-            <p:ph type="title"/>
-          </p:nvPr>
-        </p:nvSpPr>
-        <p:spPr/>
-        <p:txBody>
-          <a:bodyPr/>
-          <a:lstStyle/>
-          <a:p>
-            <a:r>
-              <a:rPr lang="en-US" altLang="ko-KR" dirty="0" smtClean="0"/>
-              <a:t>2. </a:t>
-            </a:r>
-            <a:r>
-              <a:rPr lang="ko-KR" altLang="en-US" dirty="0" smtClean="0"/>
-              <a:t>기능</a:t>
-            </a:r>
-            <a:endParaRPr lang="ko-KR" altLang="en-US" dirty="0"/>
-          </a:p>
-        </p:txBody>
-      </p:sp>
-      <p:sp>
-        <p:nvSpPr>
-          <p:cNvPr id="18" name="내용 개체 틀 17">
-            <a:extLst>
-              <a:ext uri="{FF2B5EF4-FFF2-40B4-BE49-F238E27FC236}">
-                <a16:creationId xmlns="" xmlns:a16="http://schemas.microsoft.com/office/drawing/2014/main" id="{747C4837-194F-4C6A-AD95-AD165411AD23}"/>
-              </a:ext>
-            </a:extLst>
-          </p:cNvPr>
-          <p:cNvSpPr>
-            <a:spLocks noGrp="1"/>
-          </p:cNvSpPr>
-          <p:nvPr>
-            <p:ph idx="1"/>
-          </p:nvPr>
-        </p:nvSpPr>
-        <p:spPr>
-          <a:xfrm>
-            <a:off x="1535738" y="1507728"/>
-            <a:ext cx="10261054" cy="4407297"/>
-          </a:xfrm>
-        </p:spPr>
-        <p:txBody>
-          <a:bodyPr>
-            <a:noAutofit/>
-          </a:bodyPr>
-          <a:lstStyle/>
-          <a:p>
-            <a:pPr lvl="0"/>
-            <a:endParaRPr lang="en-US" altLang="ko-KR" sz="2800" dirty="0"/>
-          </a:p>
-        </p:txBody>
-      </p:sp>
-      <p:sp>
-        <p:nvSpPr>
-          <p:cNvPr id="20" name="슬라이드 번호 개체 틀 19">
-            <a:extLst>
-              <a:ext uri="{FF2B5EF4-FFF2-40B4-BE49-F238E27FC236}">
-                <a16:creationId xmlns="" xmlns:a16="http://schemas.microsoft.com/office/drawing/2014/main" id="{5D10BEF8-C3D2-456C-86E5-CDB9D8098737}"/>
-              </a:ext>
-            </a:extLst>
-          </p:cNvPr>
-          <p:cNvSpPr>
-            <a:spLocks noGrp="1"/>
-          </p:cNvSpPr>
-          <p:nvPr>
-            <p:ph type="sldNum" sz="quarter" idx="12"/>
-          </p:nvPr>
-        </p:nvSpPr>
-        <p:spPr/>
-        <p:txBody>
-          <a:bodyPr/>
-          <a:lstStyle/>
-          <a:p>
-            <a:fld id="{143BF621-4FC3-44DB-97C1-2906C2BBA181}" type="slidenum">
-              <a:rPr lang="en-US" altLang="ko-KR" smtClean="0"/>
-              <a:pPr/>
-              <a:t>15</a:t>
-            </a:fld>
-            <a:endParaRPr lang="en-US" dirty="0"/>
-          </a:p>
-        </p:txBody>
-      </p:sp>
-      <p:sp>
-        <p:nvSpPr>
-          <p:cNvPr id="22" name="텍스트 개체 틀 21">
-            <a:extLst>
-              <a:ext uri="{FF2B5EF4-FFF2-40B4-BE49-F238E27FC236}">
-                <a16:creationId xmlns="" xmlns:a16="http://schemas.microsoft.com/office/drawing/2014/main" id="{39A03912-2C30-4A1E-A949-CCA2FA1B86AF}"/>
-              </a:ext>
-            </a:extLst>
-          </p:cNvPr>
-          <p:cNvSpPr>
-            <a:spLocks noGrp="1"/>
-          </p:cNvSpPr>
-          <p:nvPr>
-            <p:ph type="body" sz="quarter" idx="14"/>
-          </p:nvPr>
-        </p:nvSpPr>
-        <p:spPr>
-          <a:xfrm>
-            <a:off x="0" y="188912"/>
-            <a:ext cx="1208087" cy="1384539"/>
-          </a:xfrm>
-          <a:prstGeom prst="roundRect">
-            <a:avLst>
-              <a:gd name="adj" fmla="val 0"/>
-            </a:avLst>
-          </a:prstGeom>
-        </p:spPr>
-        <p:txBody>
-          <a:bodyPr/>
-          <a:lstStyle/>
-          <a:p>
-            <a:pPr algn="dist"/>
-            <a:endParaRPr lang="en-US" altLang="ko-KR" sz="900" dirty="0"/>
-          </a:p>
-        </p:txBody>
-      </p:sp>
-      <p:cxnSp>
-        <p:nvCxnSpPr>
-          <p:cNvPr id="16" name="직선 연결선 15">
-            <a:extLst>
-              <a:ext uri="{FF2B5EF4-FFF2-40B4-BE49-F238E27FC236}">
-                <a16:creationId xmlns="" xmlns:a16="http://schemas.microsoft.com/office/drawing/2014/main" id="{556817DD-8257-448B-A648-6DCF78476E78}"/>
-              </a:ext>
-            </a:extLst>
-          </p:cNvPr>
-          <p:cNvCxnSpPr>
-            <a:cxnSpLocks/>
-          </p:cNvCxnSpPr>
-          <p:nvPr/>
-        </p:nvCxnSpPr>
-        <p:spPr>
-          <a:xfrm flipV="1">
-            <a:off x="523409" y="1839790"/>
-            <a:ext cx="161268" cy="161269"/>
-          </a:xfrm>
-          <a:prstGeom prst="line">
-            <a:avLst/>
-          </a:prstGeom>
-          <a:ln>
-            <a:solidFill>
-              <a:schemeClr val="bg1">
-                <a:alpha val="75000"/>
-              </a:schemeClr>
-            </a:solidFill>
-          </a:ln>
-        </p:spPr>
-        <p:style>
-          <a:lnRef idx="1">
-            <a:schemeClr val="accent1"/>
-          </a:lnRef>
-          <a:fillRef idx="0">
-            <a:schemeClr val="accent1"/>
-          </a:fillRef>
-          <a:effectRef idx="0">
-            <a:schemeClr val="accent1"/>
-          </a:effectRef>
-          <a:fontRef idx="minor">
-            <a:schemeClr val="tx1"/>
-          </a:fontRef>
-        </p:style>
-      </p:cxnSp>
-      <p:sp>
-        <p:nvSpPr>
-          <p:cNvPr id="21" name="텍스트 개체 틀 28">
-            <a:extLst>
-              <a:ext uri="{FF2B5EF4-FFF2-40B4-BE49-F238E27FC236}">
-                <a16:creationId xmlns="" xmlns:a16="http://schemas.microsoft.com/office/drawing/2014/main" id="{5DB47E97-B68E-44A9-9DEA-5B8C6AB98C99}"/>
-              </a:ext>
-            </a:extLst>
-          </p:cNvPr>
-          <p:cNvSpPr>
-            <a:spLocks noGrp="1"/>
-          </p:cNvSpPr>
-          <p:nvPr>
-            <p:ph type="body" sz="quarter" idx="13"/>
-          </p:nvPr>
-        </p:nvSpPr>
-        <p:spPr>
-          <a:xfrm>
-            <a:off x="279400" y="5160963"/>
-            <a:ext cx="928688" cy="1508125"/>
-          </a:xfrm>
-        </p:spPr>
-        <p:txBody>
-          <a:bodyPr/>
-          <a:lstStyle/>
-          <a:p>
-            <a:r>
-              <a:rPr lang="en-US" altLang="ko-KR" dirty="0">
-                <a:solidFill>
-                  <a:srgbClr val="9BAEB5"/>
-                </a:solidFill>
-              </a:rPr>
-              <a:t>Explanation</a:t>
-            </a:r>
-          </a:p>
-          <a:p>
-            <a:r>
-              <a:rPr lang="en-US" altLang="ko-KR" dirty="0">
-                <a:solidFill>
-                  <a:schemeClr val="bg1">
-                    <a:alpha val="50000"/>
-                  </a:schemeClr>
-                </a:solidFill>
-              </a:rPr>
-              <a:t>Concept</a:t>
-            </a:r>
-          </a:p>
-          <a:p>
-            <a:r>
-              <a:rPr lang="en-US" altLang="ko-KR" dirty="0" smtClean="0"/>
-              <a:t>Function</a:t>
-            </a:r>
-            <a:endParaRPr lang="en-US" altLang="ko-KR" dirty="0"/>
-          </a:p>
-          <a:p>
-            <a:r>
-              <a:rPr lang="en-US" altLang="ko-KR" dirty="0" smtClean="0">
-                <a:solidFill>
-                  <a:schemeClr val="bg1">
-                    <a:alpha val="50000"/>
-                  </a:schemeClr>
-                </a:solidFill>
-              </a:rPr>
-              <a:t>Practicality</a:t>
-            </a:r>
-            <a:endParaRPr lang="en-US" altLang="ko-KR" dirty="0">
-              <a:solidFill>
-                <a:schemeClr val="bg1">
-                  <a:alpha val="50000"/>
-                </a:schemeClr>
-              </a:solidFill>
-            </a:endParaRPr>
-          </a:p>
-          <a:p>
-            <a:r>
-              <a:rPr lang="en-US" altLang="ko-KR" dirty="0">
-                <a:solidFill>
-                  <a:schemeClr val="bg1">
-                    <a:alpha val="50000"/>
-                  </a:schemeClr>
-                </a:solidFill>
-              </a:rPr>
-              <a:t>Problem</a:t>
-            </a:r>
-            <a:endParaRPr lang="ko-KR" altLang="en-US" dirty="0">
-              <a:solidFill>
-                <a:schemeClr val="bg1">
-                  <a:alpha val="50000"/>
-                </a:schemeClr>
-              </a:solidFill>
-            </a:endParaRPr>
-          </a:p>
-        </p:txBody>
-      </p:sp>
-      <p:sp>
-        <p:nvSpPr>
-          <p:cNvPr id="9" name="타원 25">
-            <a:extLst>
-              <a:ext uri="{FF2B5EF4-FFF2-40B4-BE49-F238E27FC236}">
-                <a16:creationId xmlns:a16="http://schemas.microsoft.com/office/drawing/2014/main" xmlns="" id="{70C1FAEF-62E2-40AA-B0AA-CBBD3346A291}"/>
-              </a:ext>
-            </a:extLst>
-          </p:cNvPr>
-          <p:cNvSpPr/>
-          <p:nvPr/>
-        </p:nvSpPr>
-        <p:spPr>
-          <a:xfrm>
-            <a:off x="160990" y="5882611"/>
-            <a:ext cx="61471" cy="61471"/>
-          </a:xfrm>
-          <a:prstGeom prst="ellipse">
-            <a:avLst/>
-          </a:prstGeom>
-          <a:solidFill>
-            <a:schemeClr val="bg1"/>
-          </a:solidFill>
-          <a:ln>
-            <a:noFill/>
-          </a:ln>
-        </p:spPr>
-        <p:style>
-          <a:lnRef idx="2">
-            <a:schemeClr val="accent1">
-              <a:shade val="50000"/>
-            </a:schemeClr>
-          </a:lnRef>
-          <a:fillRef idx="1">
-            <a:schemeClr val="accent1"/>
-          </a:fillRef>
-          <a:effectRef idx="0">
-            <a:schemeClr val="accent1"/>
-          </a:effectRef>
-          <a:fontRef idx="minor">
-            <a:schemeClr val="lt1"/>
-          </a:fontRef>
-        </p:style>
-        <p:txBody>
-          <a:bodyPr rtlCol="0" anchor="ctr"/>
-          <a:lstStyle/>
-          <a:p>
-            <a:pPr algn="ctr"/>
-            <a:endParaRPr lang="ko-KR" altLang="en-US"/>
-          </a:p>
-        </p:txBody>
-      </p:sp>
-    </p:spTree>
-    <p:extLst>
-      <p:ext uri="{BB962C8B-B14F-4D97-AF65-F5344CB8AC3E}">
-        <p14:creationId xmlns:p14="http://schemas.microsoft.com/office/powerpoint/2010/main" val="3307119914"/>
-      </p:ext>
-    </p:extLst>
-  </p:cSld>
-  <p:clrMapOvr>
-    <a:masterClrMapping/>
-  </p:clrMapOvr>
-</p:sld>
-</file>
-
-<file path=ppt/slides/slide16.xml><?xml version="1.0" encoding="utf-8"?>
-<p:sld xmlns:a="http://schemas.openxmlformats.org/drawingml/2006/main" xmlns:r="http://schemas.openxmlformats.org/officeDocument/2006/relationships" xmlns:p="http://schemas.openxmlformats.org/presentationml/2006/main">
-  <p:cSld>
-    <p:spTree>
-      <p:nvGrpSpPr>
-        <p:cNvPr id="1" name=""/>
-        <p:cNvGrpSpPr/>
-        <p:nvPr/>
-      </p:nvGrpSpPr>
-      <p:grpSpPr>
-        <a:xfrm>
-          <a:off x="0" y="0"/>
-          <a:ext cx="0" cy="0"/>
-          <a:chOff x="0" y="0"/>
-          <a:chExt cx="0" cy="0"/>
-        </a:xfrm>
-      </p:grpSpPr>
-      <p:sp>
-        <p:nvSpPr>
-          <p:cNvPr id="17" name="제목 16">
-            <a:extLst>
-              <a:ext uri="{FF2B5EF4-FFF2-40B4-BE49-F238E27FC236}">
-                <a16:creationId xmlns="" xmlns:a16="http://schemas.microsoft.com/office/drawing/2014/main" id="{538766AC-5FB7-41CD-BE08-06DE8DBE4BB2}"/>
-              </a:ext>
-            </a:extLst>
-          </p:cNvPr>
-          <p:cNvSpPr>
-            <a:spLocks noGrp="1"/>
-          </p:cNvSpPr>
-          <p:nvPr>
-            <p:ph type="title"/>
-          </p:nvPr>
-        </p:nvSpPr>
-        <p:spPr/>
-        <p:txBody>
-          <a:bodyPr/>
-          <a:lstStyle/>
-          <a:p>
-            <a:r>
-              <a:rPr lang="en-US" altLang="ko-KR" dirty="0" smtClean="0"/>
-              <a:t>3. </a:t>
-            </a:r>
-            <a:r>
-              <a:rPr lang="ko-KR" altLang="en-US" dirty="0" smtClean="0"/>
-              <a:t>차별화</a:t>
-            </a:r>
-            <a:endParaRPr lang="ko-KR" altLang="en-US" dirty="0"/>
-          </a:p>
-        </p:txBody>
-      </p:sp>
-      <p:sp>
-        <p:nvSpPr>
-          <p:cNvPr id="18" name="내용 개체 틀 17">
-            <a:extLst>
-              <a:ext uri="{FF2B5EF4-FFF2-40B4-BE49-F238E27FC236}">
-                <a16:creationId xmlns="" xmlns:a16="http://schemas.microsoft.com/office/drawing/2014/main" id="{747C4837-194F-4C6A-AD95-AD165411AD23}"/>
-              </a:ext>
-            </a:extLst>
-          </p:cNvPr>
-          <p:cNvSpPr>
-            <a:spLocks noGrp="1"/>
-          </p:cNvSpPr>
-          <p:nvPr>
-            <p:ph idx="1"/>
-          </p:nvPr>
-        </p:nvSpPr>
-        <p:spPr>
-          <a:xfrm>
-            <a:off x="1508634" y="3965659"/>
-            <a:ext cx="10175170" cy="2013301"/>
-          </a:xfrm>
-        </p:spPr>
-        <p:txBody>
-          <a:bodyPr>
-            <a:noAutofit/>
-          </a:bodyPr>
-          <a:lstStyle/>
-          <a:p>
-            <a:endParaRPr lang="en-US" altLang="ko-KR" sz="1600" dirty="0"/>
-          </a:p>
-        </p:txBody>
-      </p:sp>
-      <p:sp>
-        <p:nvSpPr>
-          <p:cNvPr id="20" name="슬라이드 번호 개체 틀 19">
-            <a:extLst>
-              <a:ext uri="{FF2B5EF4-FFF2-40B4-BE49-F238E27FC236}">
-                <a16:creationId xmlns="" xmlns:a16="http://schemas.microsoft.com/office/drawing/2014/main" id="{5D10BEF8-C3D2-456C-86E5-CDB9D8098737}"/>
-              </a:ext>
-            </a:extLst>
-          </p:cNvPr>
-          <p:cNvSpPr>
-            <a:spLocks noGrp="1"/>
-          </p:cNvSpPr>
-          <p:nvPr>
-            <p:ph type="sldNum" sz="quarter" idx="12"/>
-          </p:nvPr>
-        </p:nvSpPr>
-        <p:spPr/>
-        <p:txBody>
-          <a:bodyPr/>
-          <a:lstStyle/>
-          <a:p>
-            <a:fld id="{143BF621-4FC3-44DB-97C1-2906C2BBA181}" type="slidenum">
-              <a:rPr lang="en-US" altLang="ko-KR" smtClean="0"/>
-              <a:pPr/>
-              <a:t>16</a:t>
-            </a:fld>
-            <a:endParaRPr lang="en-US" dirty="0"/>
-          </a:p>
-        </p:txBody>
-      </p:sp>
-      <p:sp>
-        <p:nvSpPr>
-          <p:cNvPr id="22" name="텍스트 개체 틀 21">
-            <a:extLst>
-              <a:ext uri="{FF2B5EF4-FFF2-40B4-BE49-F238E27FC236}">
-                <a16:creationId xmlns="" xmlns:a16="http://schemas.microsoft.com/office/drawing/2014/main" id="{39A03912-2C30-4A1E-A949-CCA2FA1B86AF}"/>
-              </a:ext>
-            </a:extLst>
-          </p:cNvPr>
-          <p:cNvSpPr>
-            <a:spLocks noGrp="1"/>
-          </p:cNvSpPr>
-          <p:nvPr>
-            <p:ph type="body" sz="quarter" idx="14"/>
-          </p:nvPr>
-        </p:nvSpPr>
-        <p:spPr>
-          <a:xfrm>
-            <a:off x="0" y="188912"/>
-            <a:ext cx="1208087" cy="1384539"/>
-          </a:xfrm>
-          <a:prstGeom prst="roundRect">
-            <a:avLst>
-              <a:gd name="adj" fmla="val 0"/>
-            </a:avLst>
-          </a:prstGeom>
-        </p:spPr>
-        <p:txBody>
-          <a:bodyPr/>
-          <a:lstStyle/>
-          <a:p>
-            <a:pPr algn="dist"/>
-            <a:endParaRPr lang="en-US" altLang="ko-KR" sz="900" dirty="0"/>
-          </a:p>
-        </p:txBody>
-      </p:sp>
-      <p:sp>
-        <p:nvSpPr>
-          <p:cNvPr id="24" name="타원 23">
-            <a:extLst>
-              <a:ext uri="{FF2B5EF4-FFF2-40B4-BE49-F238E27FC236}">
-                <a16:creationId xmlns="" xmlns:a16="http://schemas.microsoft.com/office/drawing/2014/main" id="{015AF492-935E-4469-A4B0-E0076A79857E}"/>
-              </a:ext>
-            </a:extLst>
-          </p:cNvPr>
-          <p:cNvSpPr/>
-          <p:nvPr/>
-        </p:nvSpPr>
-        <p:spPr>
-          <a:xfrm>
-            <a:off x="160398" y="6215917"/>
-            <a:ext cx="61471" cy="61471"/>
-          </a:xfrm>
-          <a:prstGeom prst="ellipse">
-            <a:avLst/>
-          </a:prstGeom>
-          <a:solidFill>
-            <a:schemeClr val="bg1"/>
-          </a:solidFill>
-          <a:ln>
-            <a:noFill/>
-          </a:ln>
-        </p:spPr>
-        <p:style>
-          <a:lnRef idx="2">
-            <a:schemeClr val="accent1">
-              <a:shade val="50000"/>
-            </a:schemeClr>
-          </a:lnRef>
-          <a:fillRef idx="1">
-            <a:schemeClr val="accent1"/>
-          </a:fillRef>
-          <a:effectRef idx="0">
-            <a:schemeClr val="accent1"/>
-          </a:effectRef>
-          <a:fontRef idx="minor">
-            <a:schemeClr val="lt1"/>
-          </a:fontRef>
-        </p:style>
-        <p:txBody>
-          <a:bodyPr rtlCol="0" anchor="ctr"/>
-          <a:lstStyle/>
-          <a:p>
-            <a:pPr algn="ctr"/>
-            <a:endParaRPr lang="ko-KR" altLang="en-US"/>
-          </a:p>
-        </p:txBody>
-      </p:sp>
-      <p:cxnSp>
-        <p:nvCxnSpPr>
-          <p:cNvPr id="14" name="직선 연결선 13">
-            <a:extLst>
-              <a:ext uri="{FF2B5EF4-FFF2-40B4-BE49-F238E27FC236}">
-                <a16:creationId xmlns="" xmlns:a16="http://schemas.microsoft.com/office/drawing/2014/main" id="{69805DCA-C68E-4C6E-AEE9-DB7D64C05E59}"/>
-              </a:ext>
-            </a:extLst>
-          </p:cNvPr>
-          <p:cNvCxnSpPr/>
-          <p:nvPr/>
-        </p:nvCxnSpPr>
-        <p:spPr>
-          <a:xfrm>
-            <a:off x="1586069" y="5978961"/>
-            <a:ext cx="9957409" cy="0"/>
-          </a:xfrm>
-          <a:prstGeom prst="line">
-            <a:avLst/>
-          </a:prstGeom>
-          <a:ln>
-            <a:solidFill>
-              <a:schemeClr val="bg1">
-                <a:alpha val="75000"/>
-              </a:schemeClr>
-            </a:solidFill>
-          </a:ln>
-        </p:spPr>
-        <p:style>
-          <a:lnRef idx="1">
-            <a:schemeClr val="accent1"/>
-          </a:lnRef>
-          <a:fillRef idx="0">
-            <a:schemeClr val="accent1"/>
-          </a:fillRef>
-          <a:effectRef idx="0">
-            <a:schemeClr val="accent1"/>
-          </a:effectRef>
-          <a:fontRef idx="minor">
-            <a:schemeClr val="tx1"/>
-          </a:fontRef>
-        </p:style>
-      </p:cxnSp>
-      <p:cxnSp>
-        <p:nvCxnSpPr>
-          <p:cNvPr id="16" name="직선 연결선 15">
-            <a:extLst>
-              <a:ext uri="{FF2B5EF4-FFF2-40B4-BE49-F238E27FC236}">
-                <a16:creationId xmlns="" xmlns:a16="http://schemas.microsoft.com/office/drawing/2014/main" id="{556817DD-8257-448B-A648-6DCF78476E78}"/>
-              </a:ext>
-            </a:extLst>
-          </p:cNvPr>
-          <p:cNvCxnSpPr>
-            <a:cxnSpLocks/>
-          </p:cNvCxnSpPr>
-          <p:nvPr/>
-        </p:nvCxnSpPr>
-        <p:spPr>
-          <a:xfrm flipV="1">
-            <a:off x="523409" y="1839790"/>
-            <a:ext cx="161268" cy="161269"/>
-          </a:xfrm>
-          <a:prstGeom prst="line">
-            <a:avLst/>
-          </a:prstGeom>
-          <a:ln>
-            <a:solidFill>
-              <a:schemeClr val="bg1">
-                <a:alpha val="75000"/>
-              </a:schemeClr>
-            </a:solidFill>
-          </a:ln>
-        </p:spPr>
-        <p:style>
-          <a:lnRef idx="1">
-            <a:schemeClr val="accent1"/>
-          </a:lnRef>
-          <a:fillRef idx="0">
-            <a:schemeClr val="accent1"/>
-          </a:fillRef>
-          <a:effectRef idx="0">
-            <a:schemeClr val="accent1"/>
-          </a:effectRef>
-          <a:fontRef idx="minor">
-            <a:schemeClr val="tx1"/>
-          </a:fontRef>
-        </p:style>
-      </p:cxnSp>
-      <p:sp>
-        <p:nvSpPr>
-          <p:cNvPr id="21" name="텍스트 개체 틀 28">
-            <a:extLst>
-              <a:ext uri="{FF2B5EF4-FFF2-40B4-BE49-F238E27FC236}">
-                <a16:creationId xmlns="" xmlns:a16="http://schemas.microsoft.com/office/drawing/2014/main" id="{5DB47E97-B68E-44A9-9DEA-5B8C6AB98C99}"/>
-              </a:ext>
-            </a:extLst>
-          </p:cNvPr>
-          <p:cNvSpPr>
-            <a:spLocks noGrp="1"/>
-          </p:cNvSpPr>
-          <p:nvPr>
-            <p:ph type="body" sz="quarter" idx="13"/>
-          </p:nvPr>
-        </p:nvSpPr>
-        <p:spPr>
-          <a:xfrm>
-            <a:off x="279400" y="5160963"/>
-            <a:ext cx="928688" cy="1508125"/>
-          </a:xfrm>
-        </p:spPr>
-        <p:txBody>
-          <a:bodyPr/>
-          <a:lstStyle/>
-          <a:p>
-            <a:r>
-              <a:rPr lang="en-US" altLang="ko-KR" dirty="0">
-                <a:solidFill>
-                  <a:srgbClr val="9BAEB5"/>
-                </a:solidFill>
-              </a:rPr>
-              <a:t>Explanation</a:t>
-            </a:r>
-          </a:p>
-          <a:p>
-            <a:r>
-              <a:rPr lang="en-US" altLang="ko-KR" dirty="0">
-                <a:solidFill>
-                  <a:srgbClr val="9BAEB5"/>
-                </a:solidFill>
-              </a:rPr>
-              <a:t>Concept</a:t>
-            </a:r>
-          </a:p>
-          <a:p>
-            <a:r>
-              <a:rPr lang="en-US" altLang="ko-KR" dirty="0">
-                <a:solidFill>
-                  <a:schemeClr val="bg1">
-                    <a:alpha val="50000"/>
-                  </a:schemeClr>
-                </a:solidFill>
-              </a:rPr>
-              <a:t>Function</a:t>
-            </a:r>
-          </a:p>
-          <a:p>
-            <a:r>
-              <a:rPr lang="en-US" altLang="ko-KR" dirty="0"/>
-              <a:t>Practicality</a:t>
-            </a:r>
-          </a:p>
-          <a:p>
-            <a:r>
-              <a:rPr lang="en-US" altLang="ko-KR" dirty="0">
-                <a:solidFill>
-                  <a:schemeClr val="bg1">
-                    <a:alpha val="50000"/>
-                  </a:schemeClr>
-                </a:solidFill>
-              </a:rPr>
-              <a:t>Problem</a:t>
-            </a:r>
-            <a:endParaRPr lang="ko-KR" altLang="en-US" dirty="0">
-              <a:solidFill>
-                <a:schemeClr val="bg1">
-                  <a:alpha val="50000"/>
-                </a:schemeClr>
-              </a:solidFill>
-            </a:endParaRPr>
-          </a:p>
-        </p:txBody>
-      </p:sp>
-      <p:cxnSp>
-        <p:nvCxnSpPr>
-          <p:cNvPr id="15" name="직선 연결선 2">
-            <a:extLst>
-              <a:ext uri="{FF2B5EF4-FFF2-40B4-BE49-F238E27FC236}">
-                <a16:creationId xmlns="" xmlns:a16="http://schemas.microsoft.com/office/drawing/2014/main" id="{707CDC34-5628-471C-810B-8CFF1C9EBB9D}"/>
-              </a:ext>
-            </a:extLst>
-          </p:cNvPr>
-          <p:cNvCxnSpPr/>
-          <p:nvPr/>
-        </p:nvCxnSpPr>
-        <p:spPr>
-          <a:xfrm>
-            <a:off x="1586067" y="3948276"/>
-            <a:ext cx="9957409" cy="0"/>
-          </a:xfrm>
-          <a:prstGeom prst="line">
-            <a:avLst/>
-          </a:prstGeom>
-          <a:ln>
-            <a:solidFill>
-              <a:schemeClr val="bg1">
-                <a:alpha val="75000"/>
-              </a:schemeClr>
-            </a:solidFill>
-          </a:ln>
-        </p:spPr>
-        <p:style>
-          <a:lnRef idx="1">
-            <a:schemeClr val="accent1"/>
-          </a:lnRef>
-          <a:fillRef idx="0">
-            <a:schemeClr val="accent1"/>
-          </a:fillRef>
-          <a:effectRef idx="0">
-            <a:schemeClr val="accent1"/>
-          </a:effectRef>
-          <a:fontRef idx="minor">
-            <a:schemeClr val="tx1"/>
-          </a:fontRef>
-        </p:style>
-      </p:cxnSp>
-    </p:spTree>
-    <p:extLst>
-      <p:ext uri="{BB962C8B-B14F-4D97-AF65-F5344CB8AC3E}">
-        <p14:creationId xmlns:p14="http://schemas.microsoft.com/office/powerpoint/2010/main" val="1432687807"/>
-      </p:ext>
-    </p:extLst>
-  </p:cSld>
-  <p:clrMapOvr>
-    <a:masterClrMapping/>
-  </p:clrMapOvr>
-</p:sld>
-</file>
-
-<file path=ppt/slides/slide17.xml><?xml version="1.0" encoding="utf-8"?>
-<p:sld xmlns:a="http://schemas.openxmlformats.org/drawingml/2006/main" xmlns:r="http://schemas.openxmlformats.org/officeDocument/2006/relationships" xmlns:p="http://schemas.openxmlformats.org/presentationml/2006/main">
-  <p:cSld>
-    <p:spTree>
-      <p:nvGrpSpPr>
-        <p:cNvPr id="1" name=""/>
-        <p:cNvGrpSpPr/>
-        <p:nvPr/>
-      </p:nvGrpSpPr>
-      <p:grpSpPr>
-        <a:xfrm>
-          <a:off x="0" y="0"/>
-          <a:ext cx="0" cy="0"/>
-          <a:chOff x="0" y="0"/>
-          <a:chExt cx="0" cy="0"/>
-        </a:xfrm>
-      </p:grpSpPr>
-      <p:sp>
-        <p:nvSpPr>
-          <p:cNvPr id="17" name="제목 16">
-            <a:extLst>
-              <a:ext uri="{FF2B5EF4-FFF2-40B4-BE49-F238E27FC236}">
-                <a16:creationId xmlns="" xmlns:a16="http://schemas.microsoft.com/office/drawing/2014/main" id="{538766AC-5FB7-41CD-BE08-06DE8DBE4BB2}"/>
-              </a:ext>
-            </a:extLst>
-          </p:cNvPr>
-          <p:cNvSpPr>
-            <a:spLocks noGrp="1"/>
-          </p:cNvSpPr>
-          <p:nvPr>
-            <p:ph type="title"/>
-          </p:nvPr>
-        </p:nvSpPr>
-        <p:spPr/>
-        <p:txBody>
-          <a:bodyPr/>
-          <a:lstStyle/>
-          <a:p>
-            <a:r>
-              <a:rPr lang="en-US" altLang="ko-KR" dirty="0" smtClean="0"/>
-              <a:t>4. </a:t>
-            </a:r>
-            <a:r>
-              <a:rPr lang="ko-KR" altLang="en-US" dirty="0" smtClean="0"/>
-              <a:t>문제점</a:t>
-            </a:r>
-            <a:endParaRPr lang="ko-KR" altLang="en-US" dirty="0"/>
-          </a:p>
-        </p:txBody>
-      </p:sp>
-      <p:sp>
-        <p:nvSpPr>
-          <p:cNvPr id="18" name="내용 개체 틀 17">
-            <a:extLst>
-              <a:ext uri="{FF2B5EF4-FFF2-40B4-BE49-F238E27FC236}">
-                <a16:creationId xmlns="" xmlns:a16="http://schemas.microsoft.com/office/drawing/2014/main" id="{747C4837-194F-4C6A-AD95-AD165411AD23}"/>
-              </a:ext>
-            </a:extLst>
-          </p:cNvPr>
-          <p:cNvSpPr>
-            <a:spLocks noGrp="1"/>
-          </p:cNvSpPr>
-          <p:nvPr>
-            <p:ph idx="1"/>
-          </p:nvPr>
-        </p:nvSpPr>
-        <p:spPr>
-          <a:xfrm>
-            <a:off x="1508634" y="3965659"/>
-            <a:ext cx="10175170" cy="2013301"/>
-          </a:xfrm>
-        </p:spPr>
-        <p:txBody>
-          <a:bodyPr>
-            <a:noAutofit/>
-          </a:bodyPr>
-          <a:lstStyle/>
-          <a:p>
-            <a:endParaRPr lang="en-US" altLang="ko-KR" sz="1600" dirty="0"/>
-          </a:p>
-        </p:txBody>
-      </p:sp>
-      <p:sp>
-        <p:nvSpPr>
-          <p:cNvPr id="20" name="슬라이드 번호 개체 틀 19">
-            <a:extLst>
-              <a:ext uri="{FF2B5EF4-FFF2-40B4-BE49-F238E27FC236}">
-                <a16:creationId xmlns="" xmlns:a16="http://schemas.microsoft.com/office/drawing/2014/main" id="{5D10BEF8-C3D2-456C-86E5-CDB9D8098737}"/>
-              </a:ext>
-            </a:extLst>
-          </p:cNvPr>
-          <p:cNvSpPr>
-            <a:spLocks noGrp="1"/>
-          </p:cNvSpPr>
-          <p:nvPr>
-            <p:ph type="sldNum" sz="quarter" idx="12"/>
-          </p:nvPr>
-        </p:nvSpPr>
-        <p:spPr/>
-        <p:txBody>
-          <a:bodyPr/>
-          <a:lstStyle/>
-          <a:p>
-            <a:fld id="{143BF621-4FC3-44DB-97C1-2906C2BBA181}" type="slidenum">
-              <a:rPr lang="en-US" altLang="ko-KR" smtClean="0"/>
-              <a:pPr/>
-              <a:t>17</a:t>
-            </a:fld>
-            <a:endParaRPr lang="en-US" dirty="0"/>
-          </a:p>
-        </p:txBody>
-      </p:sp>
-      <p:sp>
-        <p:nvSpPr>
-          <p:cNvPr id="22" name="텍스트 개체 틀 21">
-            <a:extLst>
-              <a:ext uri="{FF2B5EF4-FFF2-40B4-BE49-F238E27FC236}">
-                <a16:creationId xmlns="" xmlns:a16="http://schemas.microsoft.com/office/drawing/2014/main" id="{39A03912-2C30-4A1E-A949-CCA2FA1B86AF}"/>
-              </a:ext>
-            </a:extLst>
-          </p:cNvPr>
-          <p:cNvSpPr>
-            <a:spLocks noGrp="1"/>
-          </p:cNvSpPr>
-          <p:nvPr>
-            <p:ph type="body" sz="quarter" idx="14"/>
-          </p:nvPr>
-        </p:nvSpPr>
-        <p:spPr>
-          <a:xfrm>
-            <a:off x="0" y="188912"/>
-            <a:ext cx="1208087" cy="1384539"/>
-          </a:xfrm>
-          <a:prstGeom prst="roundRect">
-            <a:avLst>
-              <a:gd name="adj" fmla="val 0"/>
-            </a:avLst>
-          </a:prstGeom>
-        </p:spPr>
-        <p:txBody>
-          <a:bodyPr/>
-          <a:lstStyle/>
-          <a:p>
-            <a:pPr algn="dist"/>
-            <a:endParaRPr lang="en-US" altLang="ko-KR" sz="900" dirty="0"/>
-          </a:p>
-        </p:txBody>
-      </p:sp>
-      <p:cxnSp>
-        <p:nvCxnSpPr>
-          <p:cNvPr id="14" name="직선 연결선 13">
-            <a:extLst>
-              <a:ext uri="{FF2B5EF4-FFF2-40B4-BE49-F238E27FC236}">
-                <a16:creationId xmlns="" xmlns:a16="http://schemas.microsoft.com/office/drawing/2014/main" id="{69805DCA-C68E-4C6E-AEE9-DB7D64C05E59}"/>
-              </a:ext>
-            </a:extLst>
-          </p:cNvPr>
-          <p:cNvCxnSpPr/>
-          <p:nvPr/>
-        </p:nvCxnSpPr>
-        <p:spPr>
-          <a:xfrm>
-            <a:off x="1586069" y="5978961"/>
-            <a:ext cx="9957409" cy="0"/>
-          </a:xfrm>
-          <a:prstGeom prst="line">
-            <a:avLst/>
-          </a:prstGeom>
-          <a:ln>
-            <a:solidFill>
-              <a:schemeClr val="bg1">
-                <a:alpha val="75000"/>
-              </a:schemeClr>
-            </a:solidFill>
-          </a:ln>
-        </p:spPr>
-        <p:style>
-          <a:lnRef idx="1">
-            <a:schemeClr val="accent1"/>
-          </a:lnRef>
-          <a:fillRef idx="0">
-            <a:schemeClr val="accent1"/>
-          </a:fillRef>
-          <a:effectRef idx="0">
-            <a:schemeClr val="accent1"/>
-          </a:effectRef>
-          <a:fontRef idx="minor">
-            <a:schemeClr val="tx1"/>
-          </a:fontRef>
-        </p:style>
-      </p:cxnSp>
-      <p:cxnSp>
-        <p:nvCxnSpPr>
-          <p:cNvPr id="16" name="직선 연결선 15">
-            <a:extLst>
-              <a:ext uri="{FF2B5EF4-FFF2-40B4-BE49-F238E27FC236}">
-                <a16:creationId xmlns="" xmlns:a16="http://schemas.microsoft.com/office/drawing/2014/main" id="{556817DD-8257-448B-A648-6DCF78476E78}"/>
-              </a:ext>
-            </a:extLst>
-          </p:cNvPr>
-          <p:cNvCxnSpPr>
-            <a:cxnSpLocks/>
-          </p:cNvCxnSpPr>
-          <p:nvPr/>
-        </p:nvCxnSpPr>
-        <p:spPr>
-          <a:xfrm flipV="1">
-            <a:off x="523409" y="1839790"/>
-            <a:ext cx="161268" cy="161269"/>
-          </a:xfrm>
-          <a:prstGeom prst="line">
-            <a:avLst/>
-          </a:prstGeom>
-          <a:ln>
-            <a:solidFill>
-              <a:schemeClr val="bg1">
-                <a:alpha val="75000"/>
-              </a:schemeClr>
-            </a:solidFill>
-          </a:ln>
-        </p:spPr>
-        <p:style>
-          <a:lnRef idx="1">
-            <a:schemeClr val="accent1"/>
-          </a:lnRef>
-          <a:fillRef idx="0">
-            <a:schemeClr val="accent1"/>
-          </a:fillRef>
-          <a:effectRef idx="0">
-            <a:schemeClr val="accent1"/>
-          </a:effectRef>
-          <a:fontRef idx="minor">
-            <a:schemeClr val="tx1"/>
-          </a:fontRef>
-        </p:style>
-      </p:cxnSp>
-      <p:sp>
-        <p:nvSpPr>
-          <p:cNvPr id="21" name="텍스트 개체 틀 28">
-            <a:extLst>
-              <a:ext uri="{FF2B5EF4-FFF2-40B4-BE49-F238E27FC236}">
-                <a16:creationId xmlns="" xmlns:a16="http://schemas.microsoft.com/office/drawing/2014/main" id="{5DB47E97-B68E-44A9-9DEA-5B8C6AB98C99}"/>
-              </a:ext>
-            </a:extLst>
-          </p:cNvPr>
-          <p:cNvSpPr>
-            <a:spLocks noGrp="1"/>
-          </p:cNvSpPr>
-          <p:nvPr>
-            <p:ph type="body" sz="quarter" idx="13"/>
-          </p:nvPr>
-        </p:nvSpPr>
-        <p:spPr>
-          <a:xfrm>
-            <a:off x="279400" y="5160963"/>
-            <a:ext cx="928688" cy="1508125"/>
-          </a:xfrm>
-        </p:spPr>
-        <p:txBody>
-          <a:bodyPr/>
-          <a:lstStyle/>
-          <a:p>
-            <a:r>
-              <a:rPr lang="en-US" altLang="ko-KR" dirty="0">
-                <a:solidFill>
-                  <a:srgbClr val="9BAEB5"/>
-                </a:solidFill>
-              </a:rPr>
-              <a:t>Explanation</a:t>
-            </a:r>
-          </a:p>
-          <a:p>
-            <a:r>
-              <a:rPr lang="en-US" altLang="ko-KR" dirty="0">
-                <a:solidFill>
-                  <a:srgbClr val="9BAEB5"/>
-                </a:solidFill>
-              </a:rPr>
-              <a:t>Concept</a:t>
-            </a:r>
-          </a:p>
-          <a:p>
-            <a:r>
-              <a:rPr lang="en-US" altLang="ko-KR" dirty="0">
-                <a:solidFill>
-                  <a:schemeClr val="bg1">
-                    <a:alpha val="50000"/>
-                  </a:schemeClr>
-                </a:solidFill>
-              </a:rPr>
-              <a:t>Function</a:t>
-            </a:r>
-          </a:p>
-          <a:p>
-            <a:r>
-              <a:rPr lang="en-US" altLang="ko-KR" dirty="0">
-                <a:solidFill>
-                  <a:srgbClr val="9BAEB5"/>
-                </a:solidFill>
-              </a:rPr>
-              <a:t>Practicality</a:t>
-            </a:r>
-          </a:p>
-          <a:p>
-            <a:r>
-              <a:rPr lang="en-US" altLang="ko-KR" dirty="0"/>
-              <a:t>Problem</a:t>
-            </a:r>
-            <a:endParaRPr lang="en-US" altLang="ko-KR" dirty="0"/>
-          </a:p>
-        </p:txBody>
-      </p:sp>
-      <p:cxnSp>
-        <p:nvCxnSpPr>
-          <p:cNvPr id="15" name="직선 연결선 2">
-            <a:extLst>
-              <a:ext uri="{FF2B5EF4-FFF2-40B4-BE49-F238E27FC236}">
-                <a16:creationId xmlns="" xmlns:a16="http://schemas.microsoft.com/office/drawing/2014/main" id="{707CDC34-5628-471C-810B-8CFF1C9EBB9D}"/>
-              </a:ext>
-            </a:extLst>
-          </p:cNvPr>
-          <p:cNvCxnSpPr/>
-          <p:nvPr/>
-        </p:nvCxnSpPr>
-        <p:spPr>
-          <a:xfrm>
-            <a:off x="1586067" y="3948276"/>
-            <a:ext cx="9957409" cy="0"/>
-          </a:xfrm>
-          <a:prstGeom prst="line">
-            <a:avLst/>
-          </a:prstGeom>
-          <a:ln>
-            <a:solidFill>
-              <a:schemeClr val="bg1">
-                <a:alpha val="75000"/>
-              </a:schemeClr>
-            </a:solidFill>
-          </a:ln>
-        </p:spPr>
-        <p:style>
-          <a:lnRef idx="1">
-            <a:schemeClr val="accent1"/>
-          </a:lnRef>
-          <a:fillRef idx="0">
-            <a:schemeClr val="accent1"/>
-          </a:fillRef>
-          <a:effectRef idx="0">
-            <a:schemeClr val="accent1"/>
-          </a:effectRef>
-          <a:fontRef idx="minor">
-            <a:schemeClr val="tx1"/>
-          </a:fontRef>
-        </p:style>
-      </p:cxnSp>
-      <p:sp>
-        <p:nvSpPr>
-          <p:cNvPr id="11" name="타원 23">
-            <a:extLst>
-              <a:ext uri="{FF2B5EF4-FFF2-40B4-BE49-F238E27FC236}">
-                <a16:creationId xmlns:a16="http://schemas.microsoft.com/office/drawing/2014/main" xmlns="" id="{015AF492-935E-4469-A4B0-E0076A79857E}"/>
-              </a:ext>
-            </a:extLst>
-          </p:cNvPr>
-          <p:cNvSpPr/>
-          <p:nvPr/>
-        </p:nvSpPr>
-        <p:spPr>
-          <a:xfrm>
-            <a:off x="161889" y="6546435"/>
-            <a:ext cx="61471" cy="61471"/>
-          </a:xfrm>
-          <a:prstGeom prst="ellipse">
-            <a:avLst/>
-          </a:prstGeom>
-          <a:solidFill>
-            <a:schemeClr val="bg1"/>
-          </a:solidFill>
-          <a:ln>
-            <a:noFill/>
-          </a:ln>
-        </p:spPr>
-        <p:style>
-          <a:lnRef idx="2">
-            <a:schemeClr val="accent1">
-              <a:shade val="50000"/>
-            </a:schemeClr>
-          </a:lnRef>
-          <a:fillRef idx="1">
-            <a:schemeClr val="accent1"/>
-          </a:fillRef>
-          <a:effectRef idx="0">
-            <a:schemeClr val="accent1"/>
-          </a:effectRef>
-          <a:fontRef idx="minor">
-            <a:schemeClr val="lt1"/>
-          </a:fontRef>
-        </p:style>
-        <p:txBody>
-          <a:bodyPr rtlCol="0" anchor="ctr"/>
-          <a:lstStyle/>
-          <a:p>
-            <a:pPr algn="ctr"/>
-            <a:endParaRPr lang="ko-KR" altLang="en-US"/>
-          </a:p>
-        </p:txBody>
-      </p:sp>
-    </p:spTree>
-    <p:extLst>
-      <p:ext uri="{BB962C8B-B14F-4D97-AF65-F5344CB8AC3E}">
-        <p14:creationId xmlns:p14="http://schemas.microsoft.com/office/powerpoint/2010/main" val="2072397849"/>
+        <p14:creationId xmlns:p14="http://schemas.microsoft.com/office/powerpoint/2010/main" val="2439823623"/>
       </p:ext>
     </p:extLst>
   </p:cSld>
@@ -8294,10 +5689,76 @@
       </p:grpSpPr>
       <p:sp>
         <p:nvSpPr>
-          <p:cNvPr id="2" name="제목 1">
-            <a:extLst>
-              <a:ext uri="{FF2B5EF4-FFF2-40B4-BE49-F238E27FC236}">
-                <a16:creationId xmlns="" xmlns:a16="http://schemas.microsoft.com/office/drawing/2014/main" id="{63A6C305-6C30-4A73-B61F-DC835FDB8FF7}"/>
+          <p:cNvPr id="2" name="타원 1">
+            <a:extLst>
+              <a:ext uri="{FF2B5EF4-FFF2-40B4-BE49-F238E27FC236}">
+                <a16:creationId xmlns="" xmlns:a16="http://schemas.microsoft.com/office/drawing/2014/main" id="{6BE440E7-6487-4265-82D2-0AB7ED081C45}"/>
+              </a:ext>
+            </a:extLst>
+          </p:cNvPr>
+          <p:cNvSpPr/>
+          <p:nvPr/>
+        </p:nvSpPr>
+        <p:spPr>
+          <a:xfrm>
+            <a:off x="4680868" y="2261974"/>
+            <a:ext cx="2851881" cy="2851881"/>
+          </a:xfrm>
+          <a:prstGeom prst="ellipse">
+            <a:avLst/>
+          </a:prstGeom>
+          <a:blipFill dpi="0" rotWithShape="1">
+            <a:blip r:embed="rId2">
+              <a:extLst>
+                <a:ext uri="{28A0092B-C50C-407E-A947-70E740481C1C}">
+                  <a14:useLocalDpi xmlns:a14="http://schemas.microsoft.com/office/drawing/2010/main" val="0"/>
+                </a:ext>
+              </a:extLst>
+            </a:blip>
+            <a:srcRect/>
+            <a:stretch>
+              <a:fillRect/>
+            </a:stretch>
+          </a:blipFill>
+          <a:ln w="3175">
+            <a:solidFill>
+              <a:schemeClr val="bg1">
+                <a:alpha val="50000"/>
+              </a:schemeClr>
+            </a:solidFill>
+          </a:ln>
+        </p:spPr>
+        <p:style>
+          <a:lnRef idx="2">
+            <a:schemeClr val="accent1">
+              <a:shade val="50000"/>
+            </a:schemeClr>
+          </a:lnRef>
+          <a:fillRef idx="1">
+            <a:schemeClr val="accent1"/>
+          </a:fillRef>
+          <a:effectRef idx="0">
+            <a:schemeClr val="accent1"/>
+          </a:effectRef>
+          <a:fontRef idx="minor">
+            <a:schemeClr val="lt1"/>
+          </a:fontRef>
+        </p:style>
+        <p:txBody>
+          <a:bodyPr rtlCol="0" anchor="ctr"/>
+          <a:lstStyle/>
+          <a:p>
+            <a:pPr algn="ctr"/>
+            <a:endParaRPr lang="ko-KR" altLang="en-US"/>
+          </a:p>
+        </p:txBody>
+      </p:sp>
+      <p:sp>
+        <p:nvSpPr>
+          <p:cNvPr id="17" name="제목 16">
+            <a:extLst>
+              <a:ext uri="{FF2B5EF4-FFF2-40B4-BE49-F238E27FC236}">
+                <a16:creationId xmlns="" xmlns:a16="http://schemas.microsoft.com/office/drawing/2014/main" id="{538766AC-5FB7-41CD-BE08-06DE8DBE4BB2}"/>
               </a:ext>
             </a:extLst>
           </p:cNvPr>
@@ -8305,33 +5766,44 @@
             <a:spLocks noGrp="1"/>
           </p:cNvSpPr>
           <p:nvPr>
-            <p:ph type="ctrTitle"/>
+            <p:ph type="title"/>
           </p:nvPr>
         </p:nvSpPr>
-        <p:spPr>
-          <a:xfrm>
-            <a:off x="770015" y="2908296"/>
-            <a:ext cx="3241976" cy="390136"/>
-          </a:xfrm>
-        </p:spPr>
-        <p:txBody>
-          <a:bodyPr lIns="0" tIns="0" rIns="0" bIns="0"/>
+        <p:spPr/>
+        <p:txBody>
+          <a:bodyPr/>
           <a:lstStyle/>
           <a:p>
             <a:r>
-              <a:rPr lang="en-US" altLang="ko-KR" sz="2800" dirty="0" smtClean="0"/>
-              <a:t>INDEX</a:t>
-            </a:r>
-            <a:endParaRPr lang="ko-KR" altLang="en-US" sz="2800" dirty="0"/>
-          </a:p>
-        </p:txBody>
-      </p:sp>
-      <p:sp>
-        <p:nvSpPr>
-          <p:cNvPr id="3" name="부제목 2">
-            <a:extLst>
-              <a:ext uri="{FF2B5EF4-FFF2-40B4-BE49-F238E27FC236}">
-                <a16:creationId xmlns="" xmlns:a16="http://schemas.microsoft.com/office/drawing/2014/main" id="{88B17BA9-3E6A-4137-B005-5AE4286F405D}"/>
+              <a:rPr lang="ko-KR" altLang="en-US" sz="2400" dirty="0" smtClean="0"/>
+              <a:t>아기 </a:t>
+            </a:r>
+            <a:r>
+              <a:rPr lang="ko-KR" altLang="en-US" sz="2400" dirty="0" smtClean="0"/>
+              <a:t>모니터</a:t>
+            </a:r>
+            <a:r>
+              <a:rPr lang="ko-KR" altLang="en-US" sz="2400" dirty="0"/>
+              <a:t>링</a:t>
+            </a:r>
+            <a:r>
+              <a:rPr lang="ko-KR" altLang="en-US" sz="2400" dirty="0" smtClean="0"/>
+              <a:t> </a:t>
+            </a:r>
+            <a:r>
+              <a:rPr lang="ko-KR" altLang="en-US" sz="2400" dirty="0" smtClean="0"/>
+              <a:t>드론</a:t>
+            </a:r>
+            <a:endParaRPr lang="ko-KR" altLang="en-US" sz="2400" dirty="0"/>
+          </a:p>
+        </p:txBody>
+      </p:sp>
+      <p:sp>
+        <p:nvSpPr>
+          <p:cNvPr id="4" name="내용 개체 틀 3">
+            <a:extLst>
+              <a:ext uri="{FF2B5EF4-FFF2-40B4-BE49-F238E27FC236}">
+                <a16:creationId xmlns="" xmlns:a16="http://schemas.microsoft.com/office/drawing/2014/main" id="{9388A597-371A-4172-9D6E-99E1B1C6323D}"/>
               </a:ext>
             </a:extLst>
           </p:cNvPr>
@@ -8339,57 +5811,597 @@
             <a:spLocks noGrp="1"/>
           </p:cNvSpPr>
           <p:nvPr>
-            <p:ph type="subTitle" idx="1"/>
+            <p:ph idx="1"/>
           </p:nvPr>
         </p:nvSpPr>
         <p:spPr>
           <a:xfrm>
-            <a:off x="9897533" y="1853793"/>
-            <a:ext cx="2294466" cy="3150414"/>
+            <a:off x="4214240" y="5551404"/>
+            <a:ext cx="3785136" cy="677598"/>
           </a:xfrm>
         </p:spPr>
         <p:txBody>
           <a:bodyPr/>
           <a:lstStyle/>
           <a:p>
+            <a:pPr algn="ctr"/>
             <a:r>
               <a:rPr lang="en-US" altLang="ko-KR" dirty="0" smtClean="0"/>
-              <a:t>Idea 1 </a:t>
-            </a:r>
-            <a:r>
-              <a:rPr lang="ko-KR" altLang="en-US" dirty="0" smtClean="0"/>
-              <a:t>소개</a:t>
-            </a:r>
-            <a:endParaRPr lang="en-US" altLang="ko-KR" dirty="0" smtClean="0"/>
-          </a:p>
-          <a:p>
-            <a:r>
-              <a:rPr lang="en-US" altLang="ko-KR" dirty="0" smtClean="0"/>
-              <a:t>Idea 2 </a:t>
-            </a:r>
-            <a:r>
-              <a:rPr lang="ko-KR" altLang="en-US" dirty="0" smtClean="0"/>
-              <a:t>소개</a:t>
-            </a:r>
-            <a:endParaRPr lang="en-US" altLang="ko-KR" dirty="0" smtClean="0"/>
-          </a:p>
-          <a:p>
-            <a:r>
-              <a:rPr lang="en-US" altLang="ko-KR" dirty="0" smtClean="0"/>
-              <a:t>Idea 3 </a:t>
-            </a:r>
-            <a:r>
-              <a:rPr lang="ko-KR" altLang="en-US" dirty="0" smtClean="0"/>
-              <a:t>소개</a:t>
-            </a:r>
-            <a:endParaRPr lang="en-US" altLang="ko-KR" dirty="0" smtClean="0"/>
+              <a:t>Drone Dragonfly</a:t>
+            </a:r>
+            <a:endParaRPr lang="en-US" altLang="ko-KR" dirty="0"/>
+          </a:p>
+        </p:txBody>
+      </p:sp>
+      <p:sp>
+        <p:nvSpPr>
+          <p:cNvPr id="19" name="바닥글 개체 틀 18">
+            <a:extLst>
+              <a:ext uri="{FF2B5EF4-FFF2-40B4-BE49-F238E27FC236}">
+                <a16:creationId xmlns="" xmlns:a16="http://schemas.microsoft.com/office/drawing/2014/main" id="{F6FD5F82-18D2-4371-BA3E-8F0E8A742469}"/>
+              </a:ext>
+            </a:extLst>
+          </p:cNvPr>
+          <p:cNvSpPr>
+            <a:spLocks noGrp="1"/>
+          </p:cNvSpPr>
+          <p:nvPr>
+            <p:ph type="ftr" sz="quarter" idx="11"/>
+          </p:nvPr>
+        </p:nvSpPr>
+        <p:spPr/>
+        <p:txBody>
+          <a:bodyPr/>
+          <a:lstStyle/>
+          <a:p>
+            <a:r>
+              <a:rPr lang="en-US" dirty="0" smtClean="0"/>
+              <a:t>Idea 1</a:t>
+            </a:r>
+            <a:endParaRPr lang="en-US" dirty="0"/>
+          </a:p>
+        </p:txBody>
+      </p:sp>
+      <p:sp>
+        <p:nvSpPr>
+          <p:cNvPr id="20" name="슬라이드 번호 개체 틀 19">
+            <a:extLst>
+              <a:ext uri="{FF2B5EF4-FFF2-40B4-BE49-F238E27FC236}">
+                <a16:creationId xmlns="" xmlns:a16="http://schemas.microsoft.com/office/drawing/2014/main" id="{5D10BEF8-C3D2-456C-86E5-CDB9D8098737}"/>
+              </a:ext>
+            </a:extLst>
+          </p:cNvPr>
+          <p:cNvSpPr>
+            <a:spLocks noGrp="1"/>
+          </p:cNvSpPr>
+          <p:nvPr>
+            <p:ph type="sldNum" sz="quarter" idx="12"/>
+          </p:nvPr>
+        </p:nvSpPr>
+        <p:spPr/>
+        <p:txBody>
+          <a:bodyPr/>
+          <a:lstStyle/>
+          <a:p>
+            <a:fld id="{143BF621-4FC3-44DB-97C1-2906C2BBA181}" type="slidenum">
+              <a:rPr lang="en-US" altLang="ko-KR" smtClean="0"/>
+              <a:pPr/>
+              <a:t>2</a:t>
+            </a:fld>
+            <a:endParaRPr lang="en-US" altLang="en-US" dirty="0"/>
+          </a:p>
+        </p:txBody>
+      </p:sp>
+      <p:sp>
+        <p:nvSpPr>
+          <p:cNvPr id="22" name="다이아몬드 21">
+            <a:extLst>
+              <a:ext uri="{FF2B5EF4-FFF2-40B4-BE49-F238E27FC236}">
+                <a16:creationId xmlns="" xmlns:a16="http://schemas.microsoft.com/office/drawing/2014/main" id="{41F1084A-D4D4-47EB-8895-913353FE9A22}"/>
+              </a:ext>
+            </a:extLst>
+          </p:cNvPr>
+          <p:cNvSpPr/>
+          <p:nvPr/>
+        </p:nvSpPr>
+        <p:spPr>
+          <a:xfrm>
+            <a:off x="6049432" y="378037"/>
+            <a:ext cx="93134" cy="93134"/>
+          </a:xfrm>
+          <a:prstGeom prst="diamond">
+            <a:avLst/>
+          </a:prstGeom>
+          <a:noFill/>
+          <a:ln w="6350">
+            <a:solidFill>
+              <a:schemeClr val="bg1">
+                <a:alpha val="50000"/>
+              </a:schemeClr>
+            </a:solidFill>
+            <a:tailEnd type="none"/>
+          </a:ln>
+        </p:spPr>
+        <p:style>
+          <a:lnRef idx="2">
+            <a:schemeClr val="accent1">
+              <a:shade val="50000"/>
+            </a:schemeClr>
+          </a:lnRef>
+          <a:fillRef idx="1">
+            <a:schemeClr val="accent1"/>
+          </a:fillRef>
+          <a:effectRef idx="0">
+            <a:schemeClr val="accent1"/>
+          </a:effectRef>
+          <a:fontRef idx="minor">
+            <a:schemeClr val="lt1"/>
+          </a:fontRef>
+        </p:style>
+        <p:txBody>
+          <a:bodyPr rtlCol="0" anchor="ctr"/>
+          <a:lstStyle/>
+          <a:p>
+            <a:pPr algn="ctr"/>
+            <a:endParaRPr lang="ko-KR" altLang="en-US"/>
+          </a:p>
+        </p:txBody>
+      </p:sp>
+      <p:cxnSp>
+        <p:nvCxnSpPr>
+          <p:cNvPr id="16" name="직선 연결선 15">
+            <a:extLst>
+              <a:ext uri="{FF2B5EF4-FFF2-40B4-BE49-F238E27FC236}">
+                <a16:creationId xmlns="" xmlns:a16="http://schemas.microsoft.com/office/drawing/2014/main" id="{D8EA4A26-BB6D-4E38-A89A-5586AEEE4506}"/>
+              </a:ext>
+            </a:extLst>
+          </p:cNvPr>
+          <p:cNvCxnSpPr/>
+          <p:nvPr/>
+        </p:nvCxnSpPr>
+        <p:spPr>
+          <a:xfrm>
+            <a:off x="6547573" y="1463597"/>
+            <a:ext cx="985176" cy="0"/>
+          </a:xfrm>
+          <a:prstGeom prst="line">
+            <a:avLst/>
+          </a:prstGeom>
+          <a:noFill/>
+          <a:ln w="6350">
+            <a:solidFill>
+              <a:schemeClr val="bg1">
+                <a:alpha val="50000"/>
+              </a:schemeClr>
+            </a:solidFill>
+            <a:tailEnd type="none"/>
+          </a:ln>
+        </p:spPr>
+        <p:style>
+          <a:lnRef idx="2">
+            <a:schemeClr val="accent1">
+              <a:shade val="50000"/>
+            </a:schemeClr>
+          </a:lnRef>
+          <a:fillRef idx="1">
+            <a:schemeClr val="accent1"/>
+          </a:fillRef>
+          <a:effectRef idx="0">
+            <a:schemeClr val="accent1"/>
+          </a:effectRef>
+          <a:fontRef idx="minor">
+            <a:schemeClr val="lt1"/>
+          </a:fontRef>
+        </p:style>
+      </p:cxnSp>
+      <p:cxnSp>
+        <p:nvCxnSpPr>
+          <p:cNvPr id="25" name="직선 연결선 24">
+            <a:extLst>
+              <a:ext uri="{FF2B5EF4-FFF2-40B4-BE49-F238E27FC236}">
+                <a16:creationId xmlns="" xmlns:a16="http://schemas.microsoft.com/office/drawing/2014/main" id="{0CAB8C7E-B8F0-4C2C-86DE-AC83CFED739C}"/>
+              </a:ext>
+            </a:extLst>
+          </p:cNvPr>
+          <p:cNvCxnSpPr/>
+          <p:nvPr/>
+        </p:nvCxnSpPr>
+        <p:spPr>
+          <a:xfrm>
+            <a:off x="4627080" y="1463597"/>
+            <a:ext cx="985176" cy="0"/>
+          </a:xfrm>
+          <a:prstGeom prst="line">
+            <a:avLst/>
+          </a:prstGeom>
+          <a:noFill/>
+          <a:ln w="6350">
+            <a:solidFill>
+              <a:schemeClr val="bg1">
+                <a:alpha val="50000"/>
+              </a:schemeClr>
+            </a:solidFill>
+            <a:tailEnd type="none"/>
+          </a:ln>
+        </p:spPr>
+        <p:style>
+          <a:lnRef idx="2">
+            <a:schemeClr val="accent1">
+              <a:shade val="50000"/>
+            </a:schemeClr>
+          </a:lnRef>
+          <a:fillRef idx="1">
+            <a:schemeClr val="accent1"/>
+          </a:fillRef>
+          <a:effectRef idx="0">
+            <a:schemeClr val="accent1"/>
+          </a:effectRef>
+          <a:fontRef idx="minor">
+            <a:schemeClr val="lt1"/>
+          </a:fontRef>
+        </p:style>
+      </p:cxnSp>
+      <p:sp>
+        <p:nvSpPr>
+          <p:cNvPr id="18" name="원호 17">
+            <a:extLst>
+              <a:ext uri="{FF2B5EF4-FFF2-40B4-BE49-F238E27FC236}">
+                <a16:creationId xmlns="" xmlns:a16="http://schemas.microsoft.com/office/drawing/2014/main" id="{0B1FBBCF-5864-458E-A31F-6CB2C3734B9A}"/>
+              </a:ext>
+            </a:extLst>
+          </p:cNvPr>
+          <p:cNvSpPr/>
+          <p:nvPr/>
+        </p:nvSpPr>
+        <p:spPr>
+          <a:xfrm>
+            <a:off x="4518617" y="2099723"/>
+            <a:ext cx="3176382" cy="3176382"/>
+          </a:xfrm>
+          <a:prstGeom prst="arc">
+            <a:avLst>
+              <a:gd name="adj1" fmla="val 8180391"/>
+              <a:gd name="adj2" fmla="val 3912642"/>
+            </a:avLst>
+          </a:prstGeom>
+          <a:noFill/>
+          <a:ln w="6350">
+            <a:solidFill>
+              <a:schemeClr val="bg1">
+                <a:alpha val="50000"/>
+              </a:schemeClr>
+            </a:solidFill>
+            <a:headEnd type="oval"/>
+            <a:tailEnd type="oval"/>
+          </a:ln>
+        </p:spPr>
+        <p:style>
+          <a:lnRef idx="2">
+            <a:schemeClr val="accent1">
+              <a:shade val="50000"/>
+            </a:schemeClr>
+          </a:lnRef>
+          <a:fillRef idx="1">
+            <a:schemeClr val="accent1"/>
+          </a:fillRef>
+          <a:effectRef idx="0">
+            <a:schemeClr val="accent1"/>
+          </a:effectRef>
+          <a:fontRef idx="minor">
+            <a:schemeClr val="lt1"/>
+          </a:fontRef>
+        </p:style>
+        <p:txBody>
+          <a:bodyPr rtlCol="0" anchor="ctr"/>
+          <a:lstStyle/>
+          <a:p>
+            <a:pPr algn="ctr"/>
+            <a:endParaRPr lang="ko-KR" altLang="en-US"/>
+          </a:p>
+        </p:txBody>
+      </p:sp>
+      <p:cxnSp>
+        <p:nvCxnSpPr>
+          <p:cNvPr id="21" name="직선 연결선 20">
+            <a:extLst>
+              <a:ext uri="{FF2B5EF4-FFF2-40B4-BE49-F238E27FC236}">
+                <a16:creationId xmlns="" xmlns:a16="http://schemas.microsoft.com/office/drawing/2014/main" id="{B3978C01-3CA0-4F03-B4CA-CA3A74111372}"/>
+              </a:ext>
+            </a:extLst>
+          </p:cNvPr>
+          <p:cNvCxnSpPr>
+            <a:cxnSpLocks/>
+          </p:cNvCxnSpPr>
+          <p:nvPr/>
+        </p:nvCxnSpPr>
+        <p:spPr>
+          <a:xfrm>
+            <a:off x="7886701" y="3687913"/>
+            <a:ext cx="4083199" cy="0"/>
+          </a:xfrm>
+          <a:prstGeom prst="line">
+            <a:avLst/>
+          </a:prstGeom>
+          <a:noFill/>
+          <a:ln w="6350">
+            <a:solidFill>
+              <a:schemeClr val="bg1">
+                <a:alpha val="50000"/>
+              </a:schemeClr>
+            </a:solidFill>
+            <a:tailEnd type="oval"/>
+          </a:ln>
+        </p:spPr>
+        <p:style>
+          <a:lnRef idx="2">
+            <a:schemeClr val="accent1">
+              <a:shade val="50000"/>
+            </a:schemeClr>
+          </a:lnRef>
+          <a:fillRef idx="1">
+            <a:schemeClr val="accent1"/>
+          </a:fillRef>
+          <a:effectRef idx="0">
+            <a:schemeClr val="accent1"/>
+          </a:effectRef>
+          <a:fontRef idx="minor">
+            <a:schemeClr val="lt1"/>
+          </a:fontRef>
+        </p:style>
+      </p:cxnSp>
+      <p:cxnSp>
+        <p:nvCxnSpPr>
+          <p:cNvPr id="23" name="직선 연결선 22">
+            <a:extLst>
+              <a:ext uri="{FF2B5EF4-FFF2-40B4-BE49-F238E27FC236}">
+                <a16:creationId xmlns="" xmlns:a16="http://schemas.microsoft.com/office/drawing/2014/main" id="{93B7E75E-C769-496E-9350-E8621B2A288D}"/>
+              </a:ext>
+            </a:extLst>
+          </p:cNvPr>
+          <p:cNvCxnSpPr>
+            <a:cxnSpLocks/>
+          </p:cNvCxnSpPr>
+          <p:nvPr/>
+        </p:nvCxnSpPr>
+        <p:spPr>
+          <a:xfrm>
+            <a:off x="223546" y="3687913"/>
+            <a:ext cx="4103369" cy="0"/>
+          </a:xfrm>
+          <a:prstGeom prst="line">
+            <a:avLst/>
+          </a:prstGeom>
+          <a:noFill/>
+          <a:ln w="6350">
+            <a:solidFill>
+              <a:schemeClr val="bg1">
+                <a:alpha val="50000"/>
+              </a:schemeClr>
+            </a:solidFill>
+            <a:headEnd type="oval"/>
+            <a:tailEnd type="none"/>
+          </a:ln>
+        </p:spPr>
+        <p:style>
+          <a:lnRef idx="2">
+            <a:schemeClr val="accent1">
+              <a:shade val="50000"/>
+            </a:schemeClr>
+          </a:lnRef>
+          <a:fillRef idx="1">
+            <a:schemeClr val="accent1"/>
+          </a:fillRef>
+          <a:effectRef idx="0">
+            <a:schemeClr val="accent1"/>
+          </a:effectRef>
+          <a:fontRef idx="minor">
+            <a:schemeClr val="lt1"/>
+          </a:fontRef>
+        </p:style>
+      </p:cxnSp>
+      <p:sp>
+        <p:nvSpPr>
+          <p:cNvPr id="24" name="원호 23">
+            <a:extLst>
+              <a:ext uri="{FF2B5EF4-FFF2-40B4-BE49-F238E27FC236}">
+                <a16:creationId xmlns="" xmlns:a16="http://schemas.microsoft.com/office/drawing/2014/main" id="{1C474304-1B04-47F0-8BD7-7EF89C46DA83}"/>
+              </a:ext>
+            </a:extLst>
+          </p:cNvPr>
+          <p:cNvSpPr/>
+          <p:nvPr/>
+        </p:nvSpPr>
+        <p:spPr>
+          <a:xfrm>
+            <a:off x="4326915" y="1908021"/>
+            <a:ext cx="3559786" cy="3559786"/>
+          </a:xfrm>
+          <a:prstGeom prst="arc">
+            <a:avLst>
+              <a:gd name="adj1" fmla="val 9195260"/>
+              <a:gd name="adj2" fmla="val 7431069"/>
+            </a:avLst>
+          </a:prstGeom>
+          <a:noFill/>
+          <a:ln w="6350">
+            <a:solidFill>
+              <a:schemeClr val="bg1">
+                <a:alpha val="50000"/>
+              </a:schemeClr>
+            </a:solidFill>
+            <a:headEnd type="oval"/>
+            <a:tailEnd type="oval"/>
+          </a:ln>
+        </p:spPr>
+        <p:style>
+          <a:lnRef idx="2">
+            <a:schemeClr val="accent1">
+              <a:shade val="50000"/>
+            </a:schemeClr>
+          </a:lnRef>
+          <a:fillRef idx="1">
+            <a:schemeClr val="accent1"/>
+          </a:fillRef>
+          <a:effectRef idx="0">
+            <a:schemeClr val="accent1"/>
+          </a:effectRef>
+          <a:fontRef idx="minor">
+            <a:schemeClr val="lt1"/>
+          </a:fontRef>
+        </p:style>
+        <p:txBody>
+          <a:bodyPr rtlCol="0" anchor="ctr"/>
+          <a:lstStyle/>
+          <a:p>
+            <a:pPr algn="ctr"/>
+            <a:endParaRPr lang="ko-KR" altLang="en-US"/>
+          </a:p>
+        </p:txBody>
+      </p:sp>
+      <p:sp>
+        <p:nvSpPr>
+          <p:cNvPr id="28" name="텍스트 개체 틀 28">
+            <a:extLst>
+              <a:ext uri="{FF2B5EF4-FFF2-40B4-BE49-F238E27FC236}">
+                <a16:creationId xmlns="" xmlns:a16="http://schemas.microsoft.com/office/drawing/2014/main" id="{5DB47E97-B68E-44A9-9DEA-5B8C6AB98C99}"/>
+              </a:ext>
+            </a:extLst>
+          </p:cNvPr>
+          <p:cNvSpPr>
+            <a:spLocks noGrp="1"/>
+          </p:cNvSpPr>
+          <p:nvPr>
+            <p:ph type="body" sz="quarter" idx="13"/>
+          </p:nvPr>
+        </p:nvSpPr>
+        <p:spPr>
+          <a:xfrm>
+            <a:off x="279400" y="5160963"/>
+            <a:ext cx="928688" cy="1508125"/>
+          </a:xfrm>
+        </p:spPr>
+        <p:txBody>
+          <a:bodyPr/>
+          <a:lstStyle/>
+          <a:p>
+            <a:r>
+              <a:rPr lang="en-US" altLang="ko-KR" dirty="0"/>
+              <a:t>Explanation</a:t>
+            </a:r>
+          </a:p>
+          <a:p>
+            <a:r>
+              <a:rPr lang="en-US" altLang="ko-KR" dirty="0">
+                <a:solidFill>
+                  <a:schemeClr val="bg1">
+                    <a:alpha val="50000"/>
+                  </a:schemeClr>
+                </a:solidFill>
+              </a:rPr>
+              <a:t>Concept</a:t>
+            </a:r>
+          </a:p>
+          <a:p>
+            <a:r>
+              <a:rPr lang="en-US" altLang="ko-KR" dirty="0">
+                <a:solidFill>
+                  <a:schemeClr val="bg1">
+                    <a:alpha val="50000"/>
+                  </a:schemeClr>
+                </a:solidFill>
+              </a:rPr>
+              <a:t>Function</a:t>
+            </a:r>
+          </a:p>
+          <a:p>
+            <a:r>
+              <a:rPr lang="en-US" altLang="ko-KR" dirty="0">
+                <a:solidFill>
+                  <a:schemeClr val="bg1">
+                    <a:alpha val="50000"/>
+                  </a:schemeClr>
+                </a:solidFill>
+              </a:rPr>
+              <a:t>Practicality</a:t>
+            </a:r>
+          </a:p>
+          <a:p>
+            <a:r>
+              <a:rPr lang="en-US" altLang="ko-KR" dirty="0">
+                <a:solidFill>
+                  <a:schemeClr val="bg1">
+                    <a:alpha val="50000"/>
+                  </a:schemeClr>
+                </a:solidFill>
+              </a:rPr>
+              <a:t>Problem</a:t>
+            </a:r>
+            <a:endParaRPr lang="ko-KR" altLang="en-US" dirty="0">
+              <a:solidFill>
+                <a:schemeClr val="bg1">
+                  <a:alpha val="50000"/>
+                </a:schemeClr>
+              </a:solidFill>
+            </a:endParaRPr>
+          </a:p>
+        </p:txBody>
+      </p:sp>
+      <p:sp>
+        <p:nvSpPr>
+          <p:cNvPr id="26" name="타원 23">
+            <a:extLst>
+              <a:ext uri="{FF2B5EF4-FFF2-40B4-BE49-F238E27FC236}">
+                <a16:creationId xmlns="" xmlns:a16="http://schemas.microsoft.com/office/drawing/2014/main" id="{015AF492-935E-4469-A4B0-E0076A79857E}"/>
+              </a:ext>
+            </a:extLst>
+          </p:cNvPr>
+          <p:cNvSpPr/>
+          <p:nvPr/>
+        </p:nvSpPr>
+        <p:spPr>
+          <a:xfrm>
+            <a:off x="163288" y="5228454"/>
+            <a:ext cx="61471" cy="61471"/>
+          </a:xfrm>
+          <a:prstGeom prst="ellipse">
+            <a:avLst/>
+          </a:prstGeom>
+          <a:solidFill>
+            <a:schemeClr val="bg1"/>
+          </a:solidFill>
+          <a:ln>
+            <a:noFill/>
+          </a:ln>
+        </p:spPr>
+        <p:style>
+          <a:lnRef idx="2">
+            <a:schemeClr val="accent1">
+              <a:shade val="50000"/>
+            </a:schemeClr>
+          </a:lnRef>
+          <a:fillRef idx="1">
+            <a:schemeClr val="accent1"/>
+          </a:fillRef>
+          <a:effectRef idx="0">
+            <a:schemeClr val="accent1"/>
+          </a:effectRef>
+          <a:fontRef idx="minor">
+            <a:schemeClr val="lt1"/>
+          </a:fontRef>
+        </p:style>
+        <p:txBody>
+          <a:bodyPr rtlCol="0" anchor="ctr"/>
+          <a:lstStyle/>
+          <a:p>
+            <a:pPr algn="ctr"/>
+            <a:endParaRPr lang="ko-KR" altLang="en-US"/>
           </a:p>
         </p:txBody>
       </p:sp>
     </p:spTree>
     <p:extLst>
       <p:ext uri="{BB962C8B-B14F-4D97-AF65-F5344CB8AC3E}">
-        <p14:creationId xmlns:p14="http://schemas.microsoft.com/office/powerpoint/2010/main" val="89355596"/>
+        <p14:creationId xmlns:p14="http://schemas.microsoft.com/office/powerpoint/2010/main" val="1122198943"/>
       </p:ext>
     </p:extLst>
   </p:cSld>
@@ -8418,72 +6430,6 @@
       </p:grpSpPr>
       <p:sp>
         <p:nvSpPr>
-          <p:cNvPr id="2" name="타원 1">
-            <a:extLst>
-              <a:ext uri="{FF2B5EF4-FFF2-40B4-BE49-F238E27FC236}">
-                <a16:creationId xmlns="" xmlns:a16="http://schemas.microsoft.com/office/drawing/2014/main" id="{6BE440E7-6487-4265-82D2-0AB7ED081C45}"/>
-              </a:ext>
-            </a:extLst>
-          </p:cNvPr>
-          <p:cNvSpPr/>
-          <p:nvPr/>
-        </p:nvSpPr>
-        <p:spPr>
-          <a:xfrm>
-            <a:off x="4680868" y="2261974"/>
-            <a:ext cx="2851881" cy="2851881"/>
-          </a:xfrm>
-          <a:prstGeom prst="ellipse">
-            <a:avLst/>
-          </a:prstGeom>
-          <a:blipFill dpi="0" rotWithShape="1">
-            <a:blip r:embed="rId2">
-              <a:extLst>
-                <a:ext uri="{28A0092B-C50C-407E-A947-70E740481C1C}">
-                  <a14:useLocalDpi xmlns:a14="http://schemas.microsoft.com/office/drawing/2010/main" val="0"/>
-                </a:ext>
-              </a:extLst>
-            </a:blip>
-            <a:srcRect/>
-            <a:stretch>
-              <a:fillRect/>
-            </a:stretch>
-          </a:blipFill>
-          <a:ln w="3175">
-            <a:solidFill>
-              <a:schemeClr val="bg1">
-                <a:alpha val="50000"/>
-              </a:schemeClr>
-            </a:solidFill>
-          </a:ln>
-        </p:spPr>
-        <p:style>
-          <a:lnRef idx="2">
-            <a:schemeClr val="accent1">
-              <a:shade val="50000"/>
-            </a:schemeClr>
-          </a:lnRef>
-          <a:fillRef idx="1">
-            <a:schemeClr val="accent1"/>
-          </a:fillRef>
-          <a:effectRef idx="0">
-            <a:schemeClr val="accent1"/>
-          </a:effectRef>
-          <a:fontRef idx="minor">
-            <a:schemeClr val="lt1"/>
-          </a:fontRef>
-        </p:style>
-        <p:txBody>
-          <a:bodyPr rtlCol="0" anchor="ctr"/>
-          <a:lstStyle/>
-          <a:p>
-            <a:pPr algn="ctr"/>
-            <a:endParaRPr lang="ko-KR" altLang="en-US"/>
-          </a:p>
-        </p:txBody>
-      </p:sp>
-      <p:sp>
-        <p:nvSpPr>
           <p:cNvPr id="17" name="제목 16">
             <a:extLst>
               <a:ext uri="{FF2B5EF4-FFF2-40B4-BE49-F238E27FC236}">
@@ -8504,19 +6450,22 @@
           <a:lstStyle/>
           <a:p>
             <a:r>
-              <a:rPr lang="ko-KR" altLang="en-US" sz="2400" dirty="0" smtClean="0"/>
-              <a:t>아기 보호 드론</a:t>
-            </a:r>
-            <a:endParaRPr lang="ko-KR" altLang="en-US" sz="2400" dirty="0"/>
-          </a:p>
-        </p:txBody>
-      </p:sp>
-      <p:sp>
-        <p:nvSpPr>
-          <p:cNvPr id="4" name="내용 개체 틀 3">
-            <a:extLst>
-              <a:ext uri="{FF2B5EF4-FFF2-40B4-BE49-F238E27FC236}">
-                <a16:creationId xmlns="" xmlns:a16="http://schemas.microsoft.com/office/drawing/2014/main" id="{9388A597-371A-4172-9D6E-99E1B1C6323D}"/>
+              <a:rPr lang="en-US" altLang="ko-KR" dirty="0"/>
+              <a:t>1. </a:t>
+            </a:r>
+            <a:r>
+              <a:rPr lang="ko-KR" altLang="en-US" dirty="0"/>
+              <a:t>개요</a:t>
+            </a:r>
+          </a:p>
+        </p:txBody>
+      </p:sp>
+      <p:sp>
+        <p:nvSpPr>
+          <p:cNvPr id="18" name="내용 개체 틀 17">
+            <a:extLst>
+              <a:ext uri="{FF2B5EF4-FFF2-40B4-BE49-F238E27FC236}">
+                <a16:creationId xmlns="" xmlns:a16="http://schemas.microsoft.com/office/drawing/2014/main" id="{747C4837-194F-4C6A-AD95-AD165411AD23}"/>
               </a:ext>
             </a:extLst>
           </p:cNvPr>
@@ -8529,53 +6478,86 @@
         </p:nvSpPr>
         <p:spPr>
           <a:xfrm>
-            <a:off x="4214240" y="5551404"/>
-            <a:ext cx="3785136" cy="677598"/>
-          </a:xfrm>
-        </p:spPr>
-        <p:txBody>
-          <a:bodyPr/>
+            <a:off x="1535738" y="1507728"/>
+            <a:ext cx="10261054" cy="4407297"/>
+          </a:xfrm>
+        </p:spPr>
+        <p:txBody>
+          <a:bodyPr>
+            <a:noAutofit/>
+          </a:bodyPr>
           <a:lstStyle/>
           <a:p>
-            <a:pPr algn="ctr"/>
-            <a:r>
-              <a:rPr lang="en-US" altLang="ko-KR" dirty="0" smtClean="0"/>
-              <a:t>Dron</a:t>
-            </a:r>
-            <a:r>
-              <a:rPr lang="en-US" altLang="ko-KR" dirty="0" smtClean="0"/>
-              <a:t>e Dragonfly</a:t>
-            </a:r>
-            <a:endParaRPr lang="en-US" altLang="ko-KR" dirty="0"/>
-          </a:p>
-        </p:txBody>
-      </p:sp>
-      <p:sp>
-        <p:nvSpPr>
-          <p:cNvPr id="19" name="바닥글 개체 틀 18">
-            <a:extLst>
-              <a:ext uri="{FF2B5EF4-FFF2-40B4-BE49-F238E27FC236}">
-                <a16:creationId xmlns="" xmlns:a16="http://schemas.microsoft.com/office/drawing/2014/main" id="{F6FD5F82-18D2-4371-BA3E-8F0E8A742469}"/>
-              </a:ext>
-            </a:extLst>
-          </p:cNvPr>
-          <p:cNvSpPr>
-            <a:spLocks noGrp="1"/>
-          </p:cNvSpPr>
-          <p:nvPr>
-            <p:ph type="ftr" sz="quarter" idx="11"/>
-          </p:nvPr>
-        </p:nvSpPr>
-        <p:spPr/>
-        <p:txBody>
-          <a:bodyPr/>
-          <a:lstStyle/>
-          <a:p>
-            <a:r>
-              <a:rPr lang="en-US" dirty="0" smtClean="0"/>
-              <a:t>Idea 1</a:t>
-            </a:r>
-            <a:endParaRPr lang="en-US" dirty="0"/>
+            <a:r>
+              <a:rPr lang="en-US" altLang="ko-KR" sz="2800" dirty="0" smtClean="0"/>
+              <a:t> - </a:t>
+            </a:r>
+            <a:r>
+              <a:rPr lang="ko-KR" altLang="en-US" sz="2800" dirty="0" smtClean="0"/>
+              <a:t>영유아를 키우는 어머니들을 위해</a:t>
+            </a:r>
+            <a:r>
+              <a:rPr lang="en-US" altLang="ko-KR" sz="2800" dirty="0" smtClean="0"/>
+              <a:t>, </a:t>
+            </a:r>
+            <a:r>
+              <a:rPr lang="ko-KR" altLang="en-US" sz="2800" dirty="0" smtClean="0"/>
+              <a:t>맞벌이를 하는 경우는 아기를 어린이집이나</a:t>
+            </a:r>
+            <a:r>
+              <a:rPr lang="en-US" altLang="ko-KR" sz="2800" dirty="0" smtClean="0"/>
+              <a:t> </a:t>
+            </a:r>
+            <a:r>
+              <a:rPr lang="ko-KR" altLang="en-US" sz="2800" dirty="0" smtClean="0"/>
+              <a:t>부모님댁에 맡기지만</a:t>
+            </a:r>
+            <a:r>
+              <a:rPr lang="en-US" altLang="ko-KR" sz="2800" dirty="0" smtClean="0"/>
+              <a:t>, </a:t>
+            </a:r>
+            <a:r>
+              <a:rPr lang="ko-KR" altLang="en-US" sz="2800" dirty="0" smtClean="0"/>
+              <a:t>요리를 할 때</a:t>
+            </a:r>
+            <a:r>
+              <a:rPr lang="en-US" altLang="ko-KR" sz="2800" dirty="0" smtClean="0"/>
+              <a:t>, </a:t>
+            </a:r>
+            <a:r>
+              <a:rPr lang="ko-KR" altLang="en-US" sz="2800" dirty="0" smtClean="0"/>
+              <a:t>낮잠을 잘 때 등 잠시 한 눈을 판 사이에 아기는 위험해 질 수 있다</a:t>
+            </a:r>
+            <a:r>
+              <a:rPr lang="en-US" altLang="ko-KR" sz="2800" dirty="0" smtClean="0"/>
+              <a:t>.</a:t>
+            </a:r>
+          </a:p>
+          <a:p>
+            <a:endParaRPr lang="en-US" altLang="ko-KR" sz="2800" dirty="0" smtClean="0"/>
+          </a:p>
+          <a:p>
+            <a:r>
+              <a:rPr lang="en-US" altLang="ko-KR" sz="2800" dirty="0" smtClean="0"/>
+              <a:t> - </a:t>
+            </a:r>
+            <a:r>
+              <a:rPr lang="ko-KR" altLang="en-US" sz="2800" dirty="0" smtClean="0"/>
+              <a:t>따라서 잠시 동안 아기를 돌보고</a:t>
+            </a:r>
+            <a:r>
+              <a:rPr lang="en-US" altLang="ko-KR" sz="2800" dirty="0" smtClean="0"/>
+              <a:t>, </a:t>
+            </a:r>
+            <a:r>
+              <a:rPr lang="ko-KR" altLang="en-US" sz="2800" dirty="0" smtClean="0"/>
+              <a:t>수시로 지켜볼 수 있는 아기 모니터링 드론을 생각했다</a:t>
+            </a:r>
+            <a:r>
+              <a:rPr lang="en-US" altLang="ko-KR" sz="2800" dirty="0"/>
+              <a:t>.</a:t>
+            </a:r>
+            <a:endParaRPr lang="en-US" altLang="ko-KR" sz="2800" dirty="0" smtClean="0"/>
           </a:p>
         </p:txBody>
       </p:sp>
@@ -8605,382 +6587,16 @@
               <a:pPr/>
               <a:t>3</a:t>
             </a:fld>
-            <a:endParaRPr lang="en-US" altLang="en-US" dirty="0"/>
-          </a:p>
-        </p:txBody>
-      </p:sp>
-      <p:sp>
-        <p:nvSpPr>
-          <p:cNvPr id="22" name="다이아몬드 21">
-            <a:extLst>
-              <a:ext uri="{FF2B5EF4-FFF2-40B4-BE49-F238E27FC236}">
-                <a16:creationId xmlns="" xmlns:a16="http://schemas.microsoft.com/office/drawing/2014/main" id="{41F1084A-D4D4-47EB-8895-913353FE9A22}"/>
-              </a:ext>
-            </a:extLst>
-          </p:cNvPr>
-          <p:cNvSpPr/>
-          <p:nvPr/>
-        </p:nvSpPr>
-        <p:spPr>
-          <a:xfrm>
-            <a:off x="6049432" y="378037"/>
-            <a:ext cx="93134" cy="93134"/>
-          </a:xfrm>
-          <a:prstGeom prst="diamond">
-            <a:avLst/>
-          </a:prstGeom>
-          <a:noFill/>
-          <a:ln w="6350">
-            <a:solidFill>
-              <a:schemeClr val="bg1">
-                <a:alpha val="50000"/>
-              </a:schemeClr>
-            </a:solidFill>
-            <a:tailEnd type="none"/>
-          </a:ln>
-        </p:spPr>
-        <p:style>
-          <a:lnRef idx="2">
-            <a:schemeClr val="accent1">
-              <a:shade val="50000"/>
-            </a:schemeClr>
-          </a:lnRef>
-          <a:fillRef idx="1">
-            <a:schemeClr val="accent1"/>
-          </a:fillRef>
-          <a:effectRef idx="0">
-            <a:schemeClr val="accent1"/>
-          </a:effectRef>
-          <a:fontRef idx="minor">
-            <a:schemeClr val="lt1"/>
-          </a:fontRef>
-        </p:style>
-        <p:txBody>
-          <a:bodyPr rtlCol="0" anchor="ctr"/>
-          <a:lstStyle/>
-          <a:p>
-            <a:pPr algn="ctr"/>
-            <a:endParaRPr lang="ko-KR" altLang="en-US"/>
-          </a:p>
-        </p:txBody>
-      </p:sp>
-      <p:cxnSp>
-        <p:nvCxnSpPr>
-          <p:cNvPr id="16" name="직선 연결선 15">
-            <a:extLst>
-              <a:ext uri="{FF2B5EF4-FFF2-40B4-BE49-F238E27FC236}">
-                <a16:creationId xmlns="" xmlns:a16="http://schemas.microsoft.com/office/drawing/2014/main" id="{D8EA4A26-BB6D-4E38-A89A-5586AEEE4506}"/>
-              </a:ext>
-            </a:extLst>
-          </p:cNvPr>
-          <p:cNvCxnSpPr/>
-          <p:nvPr/>
-        </p:nvCxnSpPr>
-        <p:spPr>
-          <a:xfrm>
-            <a:off x="6547573" y="1463597"/>
-            <a:ext cx="985176" cy="0"/>
-          </a:xfrm>
-          <a:prstGeom prst="line">
-            <a:avLst/>
-          </a:prstGeom>
-          <a:noFill/>
-          <a:ln w="6350">
-            <a:solidFill>
-              <a:schemeClr val="bg1">
-                <a:alpha val="50000"/>
-              </a:schemeClr>
-            </a:solidFill>
-            <a:tailEnd type="none"/>
-          </a:ln>
-        </p:spPr>
-        <p:style>
-          <a:lnRef idx="2">
-            <a:schemeClr val="accent1">
-              <a:shade val="50000"/>
-            </a:schemeClr>
-          </a:lnRef>
-          <a:fillRef idx="1">
-            <a:schemeClr val="accent1"/>
-          </a:fillRef>
-          <a:effectRef idx="0">
-            <a:schemeClr val="accent1"/>
-          </a:effectRef>
-          <a:fontRef idx="minor">
-            <a:schemeClr val="lt1"/>
-          </a:fontRef>
-        </p:style>
-      </p:cxnSp>
-      <p:cxnSp>
-        <p:nvCxnSpPr>
-          <p:cNvPr id="25" name="직선 연결선 24">
-            <a:extLst>
-              <a:ext uri="{FF2B5EF4-FFF2-40B4-BE49-F238E27FC236}">
-                <a16:creationId xmlns="" xmlns:a16="http://schemas.microsoft.com/office/drawing/2014/main" id="{0CAB8C7E-B8F0-4C2C-86DE-AC83CFED739C}"/>
-              </a:ext>
-            </a:extLst>
-          </p:cNvPr>
-          <p:cNvCxnSpPr/>
-          <p:nvPr/>
-        </p:nvCxnSpPr>
-        <p:spPr>
-          <a:xfrm>
-            <a:off x="4627080" y="1463597"/>
-            <a:ext cx="985176" cy="0"/>
-          </a:xfrm>
-          <a:prstGeom prst="line">
-            <a:avLst/>
-          </a:prstGeom>
-          <a:noFill/>
-          <a:ln w="6350">
-            <a:solidFill>
-              <a:schemeClr val="bg1">
-                <a:alpha val="50000"/>
-              </a:schemeClr>
-            </a:solidFill>
-            <a:tailEnd type="none"/>
-          </a:ln>
-        </p:spPr>
-        <p:style>
-          <a:lnRef idx="2">
-            <a:schemeClr val="accent1">
-              <a:shade val="50000"/>
-            </a:schemeClr>
-          </a:lnRef>
-          <a:fillRef idx="1">
-            <a:schemeClr val="accent1"/>
-          </a:fillRef>
-          <a:effectRef idx="0">
-            <a:schemeClr val="accent1"/>
-          </a:effectRef>
-          <a:fontRef idx="minor">
-            <a:schemeClr val="lt1"/>
-          </a:fontRef>
-        </p:style>
-      </p:cxnSp>
-      <p:sp>
-        <p:nvSpPr>
-          <p:cNvPr id="18" name="원호 17">
-            <a:extLst>
-              <a:ext uri="{FF2B5EF4-FFF2-40B4-BE49-F238E27FC236}">
-                <a16:creationId xmlns="" xmlns:a16="http://schemas.microsoft.com/office/drawing/2014/main" id="{0B1FBBCF-5864-458E-A31F-6CB2C3734B9A}"/>
-              </a:ext>
-            </a:extLst>
-          </p:cNvPr>
-          <p:cNvSpPr/>
-          <p:nvPr/>
-        </p:nvSpPr>
-        <p:spPr>
-          <a:xfrm>
-            <a:off x="4518617" y="2099723"/>
-            <a:ext cx="3176382" cy="3176382"/>
-          </a:xfrm>
-          <a:prstGeom prst="arc">
-            <a:avLst>
-              <a:gd name="adj1" fmla="val 8180391"/>
-              <a:gd name="adj2" fmla="val 3912642"/>
-            </a:avLst>
-          </a:prstGeom>
-          <a:noFill/>
-          <a:ln w="6350">
-            <a:solidFill>
-              <a:schemeClr val="bg1">
-                <a:alpha val="50000"/>
-              </a:schemeClr>
-            </a:solidFill>
-            <a:headEnd type="oval"/>
-            <a:tailEnd type="oval"/>
-          </a:ln>
-        </p:spPr>
-        <p:style>
-          <a:lnRef idx="2">
-            <a:schemeClr val="accent1">
-              <a:shade val="50000"/>
-            </a:schemeClr>
-          </a:lnRef>
-          <a:fillRef idx="1">
-            <a:schemeClr val="accent1"/>
-          </a:fillRef>
-          <a:effectRef idx="0">
-            <a:schemeClr val="accent1"/>
-          </a:effectRef>
-          <a:fontRef idx="minor">
-            <a:schemeClr val="lt1"/>
-          </a:fontRef>
-        </p:style>
-        <p:txBody>
-          <a:bodyPr rtlCol="0" anchor="ctr"/>
-          <a:lstStyle/>
-          <a:p>
-            <a:pPr algn="ctr"/>
-            <a:endParaRPr lang="ko-KR" altLang="en-US"/>
-          </a:p>
-        </p:txBody>
-      </p:sp>
-      <p:cxnSp>
-        <p:nvCxnSpPr>
-          <p:cNvPr id="21" name="직선 연결선 20">
-            <a:extLst>
-              <a:ext uri="{FF2B5EF4-FFF2-40B4-BE49-F238E27FC236}">
-                <a16:creationId xmlns="" xmlns:a16="http://schemas.microsoft.com/office/drawing/2014/main" id="{B3978C01-3CA0-4F03-B4CA-CA3A74111372}"/>
-              </a:ext>
-            </a:extLst>
-          </p:cNvPr>
-          <p:cNvCxnSpPr>
-            <a:cxnSpLocks/>
-          </p:cNvCxnSpPr>
-          <p:nvPr/>
-        </p:nvCxnSpPr>
-        <p:spPr>
-          <a:xfrm>
-            <a:off x="7886701" y="3687913"/>
-            <a:ext cx="4083199" cy="0"/>
-          </a:xfrm>
-          <a:prstGeom prst="line">
-            <a:avLst/>
-          </a:prstGeom>
-          <a:noFill/>
-          <a:ln w="6350">
-            <a:solidFill>
-              <a:schemeClr val="bg1">
-                <a:alpha val="50000"/>
-              </a:schemeClr>
-            </a:solidFill>
-            <a:tailEnd type="oval"/>
-          </a:ln>
-        </p:spPr>
-        <p:style>
-          <a:lnRef idx="2">
-            <a:schemeClr val="accent1">
-              <a:shade val="50000"/>
-            </a:schemeClr>
-          </a:lnRef>
-          <a:fillRef idx="1">
-            <a:schemeClr val="accent1"/>
-          </a:fillRef>
-          <a:effectRef idx="0">
-            <a:schemeClr val="accent1"/>
-          </a:effectRef>
-          <a:fontRef idx="minor">
-            <a:schemeClr val="lt1"/>
-          </a:fontRef>
-        </p:style>
-      </p:cxnSp>
-      <p:cxnSp>
-        <p:nvCxnSpPr>
-          <p:cNvPr id="23" name="직선 연결선 22">
-            <a:extLst>
-              <a:ext uri="{FF2B5EF4-FFF2-40B4-BE49-F238E27FC236}">
-                <a16:creationId xmlns="" xmlns:a16="http://schemas.microsoft.com/office/drawing/2014/main" id="{93B7E75E-C769-496E-9350-E8621B2A288D}"/>
-              </a:ext>
-            </a:extLst>
-          </p:cNvPr>
-          <p:cNvCxnSpPr>
-            <a:cxnSpLocks/>
-          </p:cNvCxnSpPr>
-          <p:nvPr/>
-        </p:nvCxnSpPr>
-        <p:spPr>
-          <a:xfrm>
-            <a:off x="223546" y="3687913"/>
-            <a:ext cx="4103369" cy="0"/>
-          </a:xfrm>
-          <a:prstGeom prst="line">
-            <a:avLst/>
-          </a:prstGeom>
-          <a:noFill/>
-          <a:ln w="6350">
-            <a:solidFill>
-              <a:schemeClr val="bg1">
-                <a:alpha val="50000"/>
-              </a:schemeClr>
-            </a:solidFill>
-            <a:headEnd type="oval"/>
-            <a:tailEnd type="none"/>
-          </a:ln>
-        </p:spPr>
-        <p:style>
-          <a:lnRef idx="2">
-            <a:schemeClr val="accent1">
-              <a:shade val="50000"/>
-            </a:schemeClr>
-          </a:lnRef>
-          <a:fillRef idx="1">
-            <a:schemeClr val="accent1"/>
-          </a:fillRef>
-          <a:effectRef idx="0">
-            <a:schemeClr val="accent1"/>
-          </a:effectRef>
-          <a:fontRef idx="minor">
-            <a:schemeClr val="lt1"/>
-          </a:fontRef>
-        </p:style>
-      </p:cxnSp>
-      <p:sp>
-        <p:nvSpPr>
-          <p:cNvPr id="24" name="원호 23">
-            <a:extLst>
-              <a:ext uri="{FF2B5EF4-FFF2-40B4-BE49-F238E27FC236}">
-                <a16:creationId xmlns="" xmlns:a16="http://schemas.microsoft.com/office/drawing/2014/main" id="{1C474304-1B04-47F0-8BD7-7EF89C46DA83}"/>
-              </a:ext>
-            </a:extLst>
-          </p:cNvPr>
-          <p:cNvSpPr/>
-          <p:nvPr/>
-        </p:nvSpPr>
-        <p:spPr>
-          <a:xfrm>
-            <a:off x="4326915" y="1908021"/>
-            <a:ext cx="3559786" cy="3559786"/>
-          </a:xfrm>
-          <a:prstGeom prst="arc">
-            <a:avLst>
-              <a:gd name="adj1" fmla="val 9195260"/>
-              <a:gd name="adj2" fmla="val 7431069"/>
-            </a:avLst>
-          </a:prstGeom>
-          <a:noFill/>
-          <a:ln w="6350">
-            <a:solidFill>
-              <a:schemeClr val="bg1">
-                <a:alpha val="50000"/>
-              </a:schemeClr>
-            </a:solidFill>
-            <a:headEnd type="oval"/>
-            <a:tailEnd type="oval"/>
-          </a:ln>
-        </p:spPr>
-        <p:style>
-          <a:lnRef idx="2">
-            <a:schemeClr val="accent1">
-              <a:shade val="50000"/>
-            </a:schemeClr>
-          </a:lnRef>
-          <a:fillRef idx="1">
-            <a:schemeClr val="accent1"/>
-          </a:fillRef>
-          <a:effectRef idx="0">
-            <a:schemeClr val="accent1"/>
-          </a:effectRef>
-          <a:fontRef idx="minor">
-            <a:schemeClr val="lt1"/>
-          </a:fontRef>
-        </p:style>
-        <p:txBody>
-          <a:bodyPr rtlCol="0" anchor="ctr"/>
-          <a:lstStyle/>
-          <a:p>
-            <a:pPr algn="ctr"/>
-            <a:endParaRPr lang="ko-KR" altLang="en-US"/>
-          </a:p>
-        </p:txBody>
-      </p:sp>
-      <p:sp>
-        <p:nvSpPr>
-          <p:cNvPr id="28" name="텍스트 개체 틀 28">
-            <a:extLst>
-              <a:ext uri="{FF2B5EF4-FFF2-40B4-BE49-F238E27FC236}">
-                <a16:creationId xmlns="" xmlns:a16="http://schemas.microsoft.com/office/drawing/2014/main" id="{5DB47E97-B68E-44A9-9DEA-5B8C6AB98C99}"/>
+            <a:endParaRPr lang="en-US" dirty="0"/>
+          </a:p>
+        </p:txBody>
+      </p:sp>
+      <p:sp>
+        <p:nvSpPr>
+          <p:cNvPr id="22" name="텍스트 개체 틀 21">
+            <a:extLst>
+              <a:ext uri="{FF2B5EF4-FFF2-40B4-BE49-F238E27FC236}">
+                <a16:creationId xmlns="" xmlns:a16="http://schemas.microsoft.com/office/drawing/2014/main" id="{39A03912-2C30-4A1E-A949-CCA2FA1B86AF}"/>
               </a:ext>
             </a:extLst>
           </p:cNvPr>
@@ -8988,84 +6604,32 @@
             <a:spLocks noGrp="1"/>
           </p:cNvSpPr>
           <p:nvPr>
-            <p:ph type="body" sz="quarter" idx="13"/>
+            <p:ph type="body" sz="quarter" idx="14"/>
           </p:nvPr>
         </p:nvSpPr>
         <p:spPr>
           <a:xfrm>
-            <a:off x="279400" y="5160963"/>
-            <a:ext cx="928688" cy="1508125"/>
-          </a:xfrm>
+            <a:off x="0" y="188912"/>
+            <a:ext cx="1208087" cy="1384539"/>
+          </a:xfrm>
+          <a:prstGeom prst="roundRect">
+            <a:avLst>
+              <a:gd name="adj" fmla="val 0"/>
+            </a:avLst>
+          </a:prstGeom>
         </p:spPr>
         <p:txBody>
           <a:bodyPr/>
           <a:lstStyle/>
           <a:p>
-            <a:r>
-              <a:rPr lang="en-US" altLang="ko-KR" dirty="0"/>
-              <a:t>Explanation</a:t>
-            </a:r>
-          </a:p>
-          <a:p>
-            <a:r>
-              <a:rPr lang="en-US" altLang="ko-KR" dirty="0">
-                <a:solidFill>
-                  <a:schemeClr val="bg1">
-                    <a:alpha val="50000"/>
-                  </a:schemeClr>
-                </a:solidFill>
-              </a:rPr>
-              <a:t>Concept</a:t>
-            </a:r>
-          </a:p>
-          <a:p>
-            <a:r>
-              <a:rPr lang="en-US" altLang="ko-KR" dirty="0">
-                <a:solidFill>
-                  <a:schemeClr val="bg1">
-                    <a:alpha val="50000"/>
-                  </a:schemeClr>
-                </a:solidFill>
-              </a:rPr>
-              <a:t>Function</a:t>
-            </a:r>
-          </a:p>
-          <a:p>
-            <a:r>
-              <a:rPr lang="en-US" altLang="ko-KR" dirty="0">
-                <a:solidFill>
-                  <a:schemeClr val="bg1">
-                    <a:alpha val="50000"/>
-                  </a:schemeClr>
-                </a:solidFill>
-              </a:rPr>
-              <a:t>Practicality</a:t>
-            </a:r>
-          </a:p>
-          <a:p>
-            <a:r>
-              <a:rPr lang="en-US" altLang="ko-KR" dirty="0">
-                <a:solidFill>
-                  <a:schemeClr val="bg1">
-                    <a:alpha val="50000"/>
-                  </a:schemeClr>
-                </a:solidFill>
-              </a:rPr>
-              <a:t>Problem</a:t>
-            </a:r>
-            <a:endParaRPr lang="ko-KR" altLang="en-US" dirty="0">
-              <a:solidFill>
-                <a:schemeClr val="bg1">
-                  <a:alpha val="50000"/>
-                </a:schemeClr>
-              </a:solidFill>
-            </a:endParaRPr>
-          </a:p>
-        </p:txBody>
-      </p:sp>
-      <p:sp>
-        <p:nvSpPr>
-          <p:cNvPr id="26" name="타원 23">
+            <a:pPr algn="dist"/>
+            <a:endParaRPr lang="en-US" altLang="ko-KR" sz="900" dirty="0"/>
+          </a:p>
+        </p:txBody>
+      </p:sp>
+      <p:sp>
+        <p:nvSpPr>
+          <p:cNvPr id="24" name="타원 23">
             <a:extLst>
               <a:ext uri="{FF2B5EF4-FFF2-40B4-BE49-F238E27FC236}">
                 <a16:creationId xmlns="" xmlns:a16="http://schemas.microsoft.com/office/drawing/2014/main" id="{015AF492-935E-4469-A4B0-E0076A79857E}"/>
@@ -9077,7 +6641,7 @@
         </p:nvSpPr>
         <p:spPr>
           <a:xfrm>
-            <a:off x="163288" y="5228454"/>
+            <a:off x="163288" y="5555034"/>
             <a:ext cx="61471" cy="61471"/>
           </a:xfrm>
           <a:prstGeom prst="ellipse">
@@ -9115,10 +6679,141 @@
           </a:p>
         </p:txBody>
       </p:sp>
+      <p:cxnSp>
+        <p:nvCxnSpPr>
+          <p:cNvPr id="16" name="직선 연결선 15">
+            <a:extLst>
+              <a:ext uri="{FF2B5EF4-FFF2-40B4-BE49-F238E27FC236}">
+                <a16:creationId xmlns="" xmlns:a16="http://schemas.microsoft.com/office/drawing/2014/main" id="{556817DD-8257-448B-A648-6DCF78476E78}"/>
+              </a:ext>
+            </a:extLst>
+          </p:cNvPr>
+          <p:cNvCxnSpPr>
+            <a:cxnSpLocks/>
+          </p:cNvCxnSpPr>
+          <p:nvPr/>
+        </p:nvCxnSpPr>
+        <p:spPr>
+          <a:xfrm flipV="1">
+            <a:off x="523409" y="1839790"/>
+            <a:ext cx="161268" cy="161269"/>
+          </a:xfrm>
+          <a:prstGeom prst="line">
+            <a:avLst/>
+          </a:prstGeom>
+          <a:ln>
+            <a:solidFill>
+              <a:schemeClr val="bg1">
+                <a:alpha val="75000"/>
+              </a:schemeClr>
+            </a:solidFill>
+          </a:ln>
+        </p:spPr>
+        <p:style>
+          <a:lnRef idx="1">
+            <a:schemeClr val="accent1"/>
+          </a:lnRef>
+          <a:fillRef idx="0">
+            <a:schemeClr val="accent1"/>
+          </a:fillRef>
+          <a:effectRef idx="0">
+            <a:schemeClr val="accent1"/>
+          </a:effectRef>
+          <a:fontRef idx="minor">
+            <a:schemeClr val="tx1"/>
+          </a:fontRef>
+        </p:style>
+      </p:cxnSp>
+      <p:sp>
+        <p:nvSpPr>
+          <p:cNvPr id="21" name="텍스트 개체 틀 28">
+            <a:extLst>
+              <a:ext uri="{FF2B5EF4-FFF2-40B4-BE49-F238E27FC236}">
+                <a16:creationId xmlns="" xmlns:a16="http://schemas.microsoft.com/office/drawing/2014/main" id="{5DB47E97-B68E-44A9-9DEA-5B8C6AB98C99}"/>
+              </a:ext>
+            </a:extLst>
+          </p:cNvPr>
+          <p:cNvSpPr>
+            <a:spLocks noGrp="1"/>
+          </p:cNvSpPr>
+          <p:nvPr>
+            <p:ph type="body" sz="quarter" idx="13"/>
+          </p:nvPr>
+        </p:nvSpPr>
+        <p:spPr>
+          <a:xfrm>
+            <a:off x="279400" y="5160963"/>
+            <a:ext cx="928688" cy="1508125"/>
+          </a:xfrm>
+        </p:spPr>
+        <p:txBody>
+          <a:bodyPr/>
+          <a:lstStyle/>
+          <a:p>
+            <a:r>
+              <a:rPr lang="en-US" altLang="ko-KR" dirty="0">
+                <a:solidFill>
+                  <a:srgbClr val="9BAEB5"/>
+                </a:solidFill>
+              </a:rPr>
+              <a:t>Explanation</a:t>
+            </a:r>
+          </a:p>
+          <a:p>
+            <a:r>
+              <a:rPr lang="en-US" altLang="ko-KR" dirty="0"/>
+              <a:t>Concept</a:t>
+            </a:r>
+          </a:p>
+          <a:p>
+            <a:r>
+              <a:rPr lang="en-US" altLang="ko-KR" dirty="0">
+                <a:solidFill>
+                  <a:schemeClr val="bg1">
+                    <a:alpha val="50000"/>
+                  </a:schemeClr>
+                </a:solidFill>
+              </a:rPr>
+              <a:t>Function</a:t>
+            </a:r>
+          </a:p>
+          <a:p>
+            <a:r>
+              <a:rPr lang="en-US" altLang="ko-KR" dirty="0">
+                <a:solidFill>
+                  <a:schemeClr val="bg1">
+                    <a:alpha val="50000"/>
+                  </a:schemeClr>
+                </a:solidFill>
+              </a:rPr>
+              <a:t>Practicality</a:t>
+            </a:r>
+          </a:p>
+          <a:p>
+            <a:r>
+              <a:rPr lang="en-US" altLang="ko-KR" dirty="0">
+                <a:solidFill>
+                  <a:schemeClr val="bg1">
+                    <a:alpha val="50000"/>
+                  </a:schemeClr>
+                </a:solidFill>
+              </a:rPr>
+              <a:t>Problem</a:t>
+            </a:r>
+            <a:endParaRPr lang="ko-KR" altLang="en-US" dirty="0">
+              <a:solidFill>
+                <a:schemeClr val="bg1">
+                  <a:alpha val="50000"/>
+                </a:schemeClr>
+              </a:solidFill>
+            </a:endParaRPr>
+          </a:p>
+        </p:txBody>
+      </p:sp>
     </p:spTree>
     <p:extLst>
       <p:ext uri="{BB962C8B-B14F-4D97-AF65-F5344CB8AC3E}">
-        <p14:creationId xmlns:p14="http://schemas.microsoft.com/office/powerpoint/2010/main" val="1122198943"/>
+        <p14:creationId xmlns:p14="http://schemas.microsoft.com/office/powerpoint/2010/main" val="866393400"/>
       </p:ext>
     </p:extLst>
   </p:cSld>
@@ -9167,12 +6862,16 @@
           <a:lstStyle/>
           <a:p>
             <a:r>
-              <a:rPr lang="en-US" altLang="ko-KR" dirty="0"/>
-              <a:t>1. </a:t>
+              <a:rPr lang="en-US" altLang="ko-KR" dirty="0" smtClean="0"/>
+              <a:t>2. </a:t>
+            </a:r>
+            <a:r>
+              <a:rPr lang="ko-KR" altLang="en-US" dirty="0" smtClean="0"/>
+              <a:t>기</a:t>
             </a:r>
             <a:r>
               <a:rPr lang="ko-KR" altLang="en-US" dirty="0"/>
-              <a:t>개요</a:t>
+              <a:t>능</a:t>
             </a:r>
           </a:p>
         </p:txBody>
@@ -9206,7 +6905,111 @@
           <a:lstStyle/>
           <a:p>
             <a:pPr lvl="0"/>
-            <a:endParaRPr lang="en-US" altLang="ko-KR" sz="2800" dirty="0"/>
+            <a:r>
+              <a:rPr lang="en-US" altLang="ko-KR" sz="2400" dirty="0" smtClean="0"/>
+              <a:t> - </a:t>
+            </a:r>
+            <a:r>
+              <a:rPr lang="ko-KR" altLang="en-US" sz="2400" dirty="0" smtClean="0"/>
+              <a:t>카메라가 달린 드론이 아기 머리 위에서 촬영을 하고</a:t>
+            </a:r>
+            <a:r>
+              <a:rPr lang="en-US" altLang="ko-KR" sz="2400" dirty="0" smtClean="0"/>
+              <a:t>, </a:t>
+            </a:r>
+            <a:r>
+              <a:rPr lang="ko-KR" altLang="en-US" sz="2400" dirty="0" smtClean="0"/>
+              <a:t>모션인식을 하여 계속 따라다니도록 한다</a:t>
+            </a:r>
+            <a:r>
+              <a:rPr lang="en-US" altLang="ko-KR" sz="2400" dirty="0" smtClean="0"/>
+              <a:t>.</a:t>
+            </a:r>
+          </a:p>
+          <a:p>
+            <a:pPr lvl="0"/>
+            <a:r>
+              <a:rPr lang="en-US" altLang="ko-KR" sz="2400" dirty="0"/>
+              <a:t> </a:t>
+            </a:r>
+            <a:r>
+              <a:rPr lang="en-US" altLang="ko-KR" sz="2400" dirty="0" smtClean="0"/>
+              <a:t>- </a:t>
+            </a:r>
+            <a:r>
+              <a:rPr lang="ko-KR" altLang="en-US" sz="2400" dirty="0" smtClean="0"/>
+              <a:t>아기가 위험한 베란다나 높은 곳에 올라갈려고 할시 보호자가 즉각적으로 대처할 수 있도록 보호자 어플로 영상을 실시간으로 보내준다</a:t>
+            </a:r>
+            <a:r>
+              <a:rPr lang="en-US" altLang="ko-KR" sz="2400" dirty="0" smtClean="0"/>
+              <a:t>.</a:t>
+            </a:r>
+          </a:p>
+          <a:p>
+            <a:pPr lvl="0"/>
+            <a:r>
+              <a:rPr lang="en-US" altLang="ko-KR" sz="2400" dirty="0"/>
+              <a:t> </a:t>
+            </a:r>
+            <a:r>
+              <a:rPr lang="en-US" altLang="ko-KR" sz="2400" dirty="0" smtClean="0"/>
+              <a:t>- </a:t>
+            </a:r>
+            <a:r>
+              <a:rPr lang="ko-KR" altLang="en-US" sz="2400" dirty="0" smtClean="0"/>
+              <a:t>어플에 보내지는 영상은 딥러닝을 통해 위험상황을 알려줄 수 있도록 설계하고 그러한 상황이 발생 시 화면을 빨갛게 만들고 위험 소리를 출력한다</a:t>
+            </a:r>
+            <a:r>
+              <a:rPr lang="en-US" altLang="ko-KR" sz="2400" dirty="0" smtClean="0"/>
+              <a:t>(</a:t>
+            </a:r>
+            <a:r>
+              <a:rPr lang="ko-KR" altLang="en-US" sz="2400" dirty="0" smtClean="0"/>
+              <a:t>아기가 장난감을 입에 물거나 위험한 물체를 만지려고 하는 등의 행위</a:t>
+            </a:r>
+            <a:r>
+              <a:rPr lang="en-US" altLang="ko-KR" sz="2400" dirty="0"/>
+              <a:t>)</a:t>
+            </a:r>
+            <a:r>
+              <a:rPr lang="en-US" altLang="ko-KR" sz="2400" dirty="0" smtClean="0"/>
+              <a:t>.</a:t>
+            </a:r>
+          </a:p>
+          <a:p>
+            <a:pPr lvl="0"/>
+            <a:r>
+              <a:rPr lang="en-US" altLang="ko-KR" sz="2400" dirty="0"/>
+              <a:t> </a:t>
+            </a:r>
+            <a:r>
+              <a:rPr lang="en-US" altLang="ko-KR" sz="2400" dirty="0" smtClean="0"/>
+              <a:t>- </a:t>
+            </a:r>
+            <a:r>
+              <a:rPr lang="ko-KR" altLang="en-US" sz="2400" dirty="0" smtClean="0"/>
+              <a:t>드론에 초음파센서를 부착하여 벽에 부딪히는 일이 없도록 한다</a:t>
+            </a:r>
+            <a:r>
+              <a:rPr lang="en-US" altLang="ko-KR" sz="2400" dirty="0" smtClean="0"/>
+              <a:t>.</a:t>
+            </a:r>
+          </a:p>
+          <a:p>
+            <a:pPr lvl="0"/>
+            <a:r>
+              <a:rPr lang="en-US" altLang="ko-KR" sz="2400" dirty="0" smtClean="0"/>
+              <a:t> - </a:t>
+            </a:r>
+            <a:r>
+              <a:rPr lang="ko-KR" altLang="en-US" sz="2400" dirty="0" smtClean="0"/>
+              <a:t>주인이 아기 근처에 있으면 자동으로 충전 위치에 오도록 설계한다</a:t>
+            </a:r>
+            <a:r>
+              <a:rPr lang="en-US" altLang="ko-KR" sz="2400" dirty="0" smtClean="0"/>
+              <a:t>.</a:t>
+            </a:r>
+            <a:endParaRPr lang="en-US" altLang="ko-KR" sz="2400" dirty="0"/>
           </a:p>
         </p:txBody>
       </p:sp>
@@ -9273,58 +7076,6 @@
           <a:p>
             <a:pPr algn="dist"/>
             <a:endParaRPr lang="en-US" altLang="ko-KR" sz="900" dirty="0"/>
-          </a:p>
-        </p:txBody>
-      </p:sp>
-      <p:sp>
-        <p:nvSpPr>
-          <p:cNvPr id="24" name="타원 23">
-            <a:extLst>
-              <a:ext uri="{FF2B5EF4-FFF2-40B4-BE49-F238E27FC236}">
-                <a16:creationId xmlns="" xmlns:a16="http://schemas.microsoft.com/office/drawing/2014/main" id="{015AF492-935E-4469-A4B0-E0076A79857E}"/>
-              </a:ext>
-            </a:extLst>
-          </p:cNvPr>
-          <p:cNvSpPr/>
-          <p:nvPr/>
-        </p:nvSpPr>
-        <p:spPr>
-          <a:xfrm>
-            <a:off x="163288" y="5555034"/>
-            <a:ext cx="61471" cy="61471"/>
-          </a:xfrm>
-          <a:prstGeom prst="ellipse">
-            <a:avLst/>
-          </a:prstGeom>
-          <a:solidFill>
-            <a:schemeClr val="bg1"/>
-          </a:solidFill>
-          <a:ln>
-            <a:noFill/>
-          </a:ln>
-        </p:spPr>
-        <p:style>
-          <a:lnRef idx="2">
-            <a:schemeClr val="accent1">
-              <a:shade val="50000"/>
-            </a:schemeClr>
-          </a:lnRef>
-          <a:fillRef idx="1">
-            <a:schemeClr val="accent1"/>
-          </a:fillRef>
-          <a:effectRef idx="0">
-            <a:schemeClr val="accent1"/>
-          </a:effectRef>
-          <a:fontRef idx="minor">
-            <a:schemeClr val="lt1"/>
-          </a:fontRef>
-        </p:style>
-        <p:txBody>
-          <a:bodyPr rtlCol="0" anchor="ctr"/>
-          <a:lstStyle/>
-          <a:p>
-            <a:pPr algn="ctr"/>
-            <a:endParaRPr lang="ko-KR" altLang="en-US"/>
           </a:p>
         </p:txBody>
       </p:sp>
@@ -9410,12 +7161,6 @@
           </a:p>
           <a:p>
             <a:r>
-              <a:rPr lang="en-US" altLang="ko-KR" dirty="0"/>
-              <a:t>Concept</a:t>
-            </a:r>
-          </a:p>
-          <a:p>
-            <a:r>
               <a:rPr lang="en-US" altLang="ko-KR" dirty="0">
                 <a:solidFill>
                   <a:schemeClr val="bg1">
@@ -9423,12 +7168,19 @@
                   </a:schemeClr>
                 </a:solidFill>
               </a:rPr>
+              <a:t>Concept</a:t>
+            </a:r>
+          </a:p>
+          <a:p>
+            <a:r>
+              <a:rPr lang="en-US" altLang="ko-KR" dirty="0" smtClean="0"/>
               <a:t>Function</a:t>
             </a:r>
-          </a:p>
-          <a:p>
-            <a:r>
-              <a:rPr lang="en-US" altLang="ko-KR" dirty="0">
+            <a:endParaRPr lang="en-US" altLang="ko-KR" dirty="0"/>
+          </a:p>
+          <a:p>
+            <a:r>
+              <a:rPr lang="en-US" altLang="ko-KR" dirty="0" smtClean="0">
                 <a:solidFill>
                   <a:schemeClr val="bg1">
                     <a:alpha val="50000"/>
@@ -9437,6 +7189,13 @@
               </a:rPr>
               <a:t>Practicality</a:t>
             </a:r>
+            <a:endParaRPr lang="en-US" altLang="ko-KR" dirty="0">
+              <a:solidFill>
+                <a:schemeClr val="bg1">
+                  <a:alpha val="50000"/>
+                </a:schemeClr>
+              </a:solidFill>
+            </a:endParaRPr>
           </a:p>
           <a:p>
             <a:r>
@@ -9459,10 +7218,62 @@
           </a:p>
         </p:txBody>
       </p:sp>
+      <p:sp>
+        <p:nvSpPr>
+          <p:cNvPr id="9" name="타원 25">
+            <a:extLst>
+              <a:ext uri="{FF2B5EF4-FFF2-40B4-BE49-F238E27FC236}">
+                <a16:creationId xmlns:a16="http://schemas.microsoft.com/office/drawing/2014/main" xmlns="" id="{70C1FAEF-62E2-40AA-B0AA-CBBD3346A291}"/>
+              </a:ext>
+            </a:extLst>
+          </p:cNvPr>
+          <p:cNvSpPr/>
+          <p:nvPr/>
+        </p:nvSpPr>
+        <p:spPr>
+          <a:xfrm>
+            <a:off x="160990" y="5882611"/>
+            <a:ext cx="61471" cy="61471"/>
+          </a:xfrm>
+          <a:prstGeom prst="ellipse">
+            <a:avLst/>
+          </a:prstGeom>
+          <a:solidFill>
+            <a:schemeClr val="bg1"/>
+          </a:solidFill>
+          <a:ln>
+            <a:noFill/>
+          </a:ln>
+        </p:spPr>
+        <p:style>
+          <a:lnRef idx="2">
+            <a:schemeClr val="accent1">
+              <a:shade val="50000"/>
+            </a:schemeClr>
+          </a:lnRef>
+          <a:fillRef idx="1">
+            <a:schemeClr val="accent1"/>
+          </a:fillRef>
+          <a:effectRef idx="0">
+            <a:schemeClr val="accent1"/>
+          </a:effectRef>
+          <a:fontRef idx="minor">
+            <a:schemeClr val="lt1"/>
+          </a:fontRef>
+        </p:style>
+        <p:txBody>
+          <a:bodyPr rtlCol="0" anchor="ctr"/>
+          <a:lstStyle/>
+          <a:p>
+            <a:pPr algn="ctr"/>
+            <a:endParaRPr lang="ko-KR" altLang="en-US"/>
+          </a:p>
+        </p:txBody>
+      </p:sp>
     </p:spTree>
     <p:extLst>
       <p:ext uri="{BB962C8B-B14F-4D97-AF65-F5344CB8AC3E}">
-        <p14:creationId xmlns:p14="http://schemas.microsoft.com/office/powerpoint/2010/main" val="866393400"/>
+        <p14:creationId xmlns:p14="http://schemas.microsoft.com/office/powerpoint/2010/main" val="43309024"/>
       </p:ext>
     </p:extLst>
   </p:cSld>
@@ -9512,15 +7323,11 @@
           <a:p>
             <a:r>
               <a:rPr lang="en-US" altLang="ko-KR" dirty="0" smtClean="0"/>
-              <a:t>2. </a:t>
+              <a:t>3. </a:t>
             </a:r>
             <a:r>
               <a:rPr lang="ko-KR" altLang="en-US" dirty="0" smtClean="0"/>
-              <a:t>기</a:t>
-            </a:r>
-            <a:r>
-              <a:rPr lang="ko-KR" altLang="en-US" dirty="0"/>
-              <a:t>능</a:t>
+              <a:t>추가 기능</a:t>
             </a:r>
             <a:endParaRPr lang="ko-KR" altLang="en-US" dirty="0"/>
           </a:p>
@@ -9544,8 +7351,8 @@
         </p:nvSpPr>
         <p:spPr>
           <a:xfrm>
-            <a:off x="1535738" y="1507728"/>
-            <a:ext cx="10261054" cy="4407297"/>
+            <a:off x="1508634" y="1920425"/>
+            <a:ext cx="10175170" cy="4058536"/>
           </a:xfrm>
         </p:spPr>
         <p:txBody>
@@ -9554,7 +7361,78 @@
           </a:bodyPr>
           <a:lstStyle/>
           <a:p>
-            <a:pPr lvl="0"/>
+            <a:r>
+              <a:rPr lang="en-US" altLang="ko-KR" sz="2800" dirty="0" smtClean="0"/>
+              <a:t> - </a:t>
+            </a:r>
+            <a:r>
+              <a:rPr lang="ko-KR" altLang="en-US" sz="2800" dirty="0" smtClean="0"/>
+              <a:t>아기는 원하는 것이 있으면 울음을 먼저 터트리는데 그 우는 아기의 표정에도 원하는 것 마다의 미세한 차이가 있는데</a:t>
+            </a:r>
+            <a:r>
+              <a:rPr lang="en-US" altLang="ko-KR" sz="2800" dirty="0" smtClean="0"/>
+              <a:t>,</a:t>
+            </a:r>
+            <a:r>
+              <a:rPr lang="ko-KR" altLang="en-US" sz="2800" dirty="0" smtClean="0"/>
+              <a:t> </a:t>
+            </a:r>
+            <a:r>
+              <a:rPr lang="en-US" altLang="ko-KR" sz="2800" dirty="0" smtClean="0"/>
+              <a:t>AWS recognition </a:t>
+            </a:r>
+            <a:r>
+              <a:rPr lang="ko-KR" altLang="en-US" sz="2800" dirty="0" smtClean="0"/>
+              <a:t>기술을 사용하여 알아내서</a:t>
+            </a:r>
+            <a:r>
+              <a:rPr lang="en-US" altLang="ko-KR" sz="2800" dirty="0" smtClean="0"/>
+              <a:t> </a:t>
+            </a:r>
+            <a:r>
+              <a:rPr lang="ko-KR" altLang="en-US" sz="2800" dirty="0" smtClean="0"/>
+              <a:t>자동으로 그 아이가 무엇을 원하는지 판별할 수 있도록 한다</a:t>
+            </a:r>
+            <a:r>
+              <a:rPr lang="en-US" altLang="ko-KR" sz="2800" dirty="0" smtClean="0"/>
+              <a:t>(</a:t>
+            </a:r>
+            <a:r>
+              <a:rPr lang="ko-KR" altLang="en-US" sz="2800" dirty="0" smtClean="0"/>
+              <a:t>배고픔</a:t>
+            </a:r>
+            <a:r>
+              <a:rPr lang="en-US" altLang="ko-KR" sz="2800" dirty="0" smtClean="0"/>
+              <a:t>, </a:t>
+            </a:r>
+            <a:r>
+              <a:rPr lang="ko-KR" altLang="en-US" sz="2800" dirty="0" smtClean="0"/>
+              <a:t>졸림</a:t>
+            </a:r>
+            <a:r>
+              <a:rPr lang="en-US" altLang="ko-KR" sz="2800" dirty="0" smtClean="0"/>
+              <a:t>, </a:t>
+            </a:r>
+            <a:r>
+              <a:rPr lang="ko-KR" altLang="en-US" sz="2800" dirty="0" smtClean="0"/>
+              <a:t>화장실가고 싶을 때</a:t>
+            </a:r>
+            <a:r>
+              <a:rPr lang="en-US" altLang="ko-KR" sz="2800" dirty="0"/>
+              <a:t> </a:t>
+            </a:r>
+            <a:r>
+              <a:rPr lang="ko-KR" altLang="en-US" sz="2800" dirty="0" smtClean="0"/>
+              <a:t>등</a:t>
+            </a:r>
+            <a:r>
+              <a:rPr lang="en-US" altLang="ko-KR" sz="2800" dirty="0" smtClean="0"/>
+              <a:t>)</a:t>
+            </a:r>
+            <a:r>
+              <a:rPr lang="en-US" altLang="ko-KR" sz="2800" dirty="0" smtClean="0"/>
+              <a:t>.</a:t>
+            </a:r>
             <a:endParaRPr lang="en-US" altLang="ko-KR" sz="2800" dirty="0"/>
           </a:p>
         </p:txBody>
@@ -9622,6 +7500,58 @@
           <a:p>
             <a:pPr algn="dist"/>
             <a:endParaRPr lang="en-US" altLang="ko-KR" sz="900" dirty="0"/>
+          </a:p>
+        </p:txBody>
+      </p:sp>
+      <p:sp>
+        <p:nvSpPr>
+          <p:cNvPr id="24" name="타원 23">
+            <a:extLst>
+              <a:ext uri="{FF2B5EF4-FFF2-40B4-BE49-F238E27FC236}">
+                <a16:creationId xmlns="" xmlns:a16="http://schemas.microsoft.com/office/drawing/2014/main" id="{015AF492-935E-4469-A4B0-E0076A79857E}"/>
+              </a:ext>
+            </a:extLst>
+          </p:cNvPr>
+          <p:cNvSpPr/>
+          <p:nvPr/>
+        </p:nvSpPr>
+        <p:spPr>
+          <a:xfrm>
+            <a:off x="160398" y="6215917"/>
+            <a:ext cx="61471" cy="61471"/>
+          </a:xfrm>
+          <a:prstGeom prst="ellipse">
+            <a:avLst/>
+          </a:prstGeom>
+          <a:solidFill>
+            <a:schemeClr val="bg1"/>
+          </a:solidFill>
+          <a:ln>
+            <a:noFill/>
+          </a:ln>
+        </p:spPr>
+        <p:style>
+          <a:lnRef idx="2">
+            <a:schemeClr val="accent1">
+              <a:shade val="50000"/>
+            </a:schemeClr>
+          </a:lnRef>
+          <a:fillRef idx="1">
+            <a:schemeClr val="accent1"/>
+          </a:fillRef>
+          <a:effectRef idx="0">
+            <a:schemeClr val="accent1"/>
+          </a:effectRef>
+          <a:fontRef idx="minor">
+            <a:schemeClr val="lt1"/>
+          </a:fontRef>
+        </p:style>
+        <p:txBody>
+          <a:bodyPr rtlCol="0" anchor="ctr"/>
+          <a:lstStyle/>
+          <a:p>
+            <a:pPr algn="ctr"/>
+            <a:endParaRPr lang="ko-KR" altLang="en-US"/>
           </a:p>
         </p:txBody>
       </p:sp>
@@ -9709,9 +7639,7 @@
             <a:r>
               <a:rPr lang="en-US" altLang="ko-KR" dirty="0">
                 <a:solidFill>
-                  <a:schemeClr val="bg1">
-                    <a:alpha val="50000"/>
-                  </a:schemeClr>
+                  <a:srgbClr val="9BAEB5"/>
                 </a:solidFill>
               </a:rPr>
               <a:t>Concept</a:t>
@@ -9719,29 +7647,21 @@
           </a:p>
           <a:p>
             <a:r>
-              <a:rPr lang="en-US" altLang="ko-KR" dirty="0" smtClean="0"/>
-              <a:t>Function</a:t>
-            </a:r>
-            <a:endParaRPr lang="en-US" altLang="ko-KR" dirty="0"/>
-          </a:p>
-          <a:p>
-            <a:r>
-              <a:rPr lang="en-US" altLang="ko-KR" dirty="0" smtClean="0">
+              <a:rPr lang="en-US" altLang="ko-KR" dirty="0">
                 <a:solidFill>
                   <a:schemeClr val="bg1">
                     <a:alpha val="50000"/>
                   </a:schemeClr>
                 </a:solidFill>
               </a:rPr>
+              <a:t>Function</a:t>
+            </a:r>
+          </a:p>
+          <a:p>
+            <a:r>
+              <a:rPr lang="en-US" altLang="ko-KR" dirty="0"/>
               <a:t>Practicality</a:t>
             </a:r>
-            <a:endParaRPr lang="en-US" altLang="ko-KR" dirty="0">
-              <a:solidFill>
-                <a:schemeClr val="bg1">
-                  <a:alpha val="50000"/>
-                </a:schemeClr>
-              </a:solidFill>
-            </a:endParaRPr>
           </a:p>
           <a:p>
             <a:r>
@@ -9764,62 +7684,10 @@
           </a:p>
         </p:txBody>
       </p:sp>
-      <p:sp>
-        <p:nvSpPr>
-          <p:cNvPr id="9" name="타원 25">
-            <a:extLst>
-              <a:ext uri="{FF2B5EF4-FFF2-40B4-BE49-F238E27FC236}">
-                <a16:creationId xmlns:a16="http://schemas.microsoft.com/office/drawing/2014/main" xmlns="" id="{70C1FAEF-62E2-40AA-B0AA-CBBD3346A291}"/>
-              </a:ext>
-            </a:extLst>
-          </p:cNvPr>
-          <p:cNvSpPr/>
-          <p:nvPr/>
-        </p:nvSpPr>
-        <p:spPr>
-          <a:xfrm>
-            <a:off x="160990" y="5882611"/>
-            <a:ext cx="61471" cy="61471"/>
-          </a:xfrm>
-          <a:prstGeom prst="ellipse">
-            <a:avLst/>
-          </a:prstGeom>
-          <a:solidFill>
-            <a:schemeClr val="bg1"/>
-          </a:solidFill>
-          <a:ln>
-            <a:noFill/>
-          </a:ln>
-        </p:spPr>
-        <p:style>
-          <a:lnRef idx="2">
-            <a:schemeClr val="accent1">
-              <a:shade val="50000"/>
-            </a:schemeClr>
-          </a:lnRef>
-          <a:fillRef idx="1">
-            <a:schemeClr val="accent1"/>
-          </a:fillRef>
-          <a:effectRef idx="0">
-            <a:schemeClr val="accent1"/>
-          </a:effectRef>
-          <a:fontRef idx="minor">
-            <a:schemeClr val="lt1"/>
-          </a:fontRef>
-        </p:style>
-        <p:txBody>
-          <a:bodyPr rtlCol="0" anchor="ctr"/>
-          <a:lstStyle/>
-          <a:p>
-            <a:pPr algn="ctr"/>
-            <a:endParaRPr lang="ko-KR" altLang="en-US"/>
-          </a:p>
-        </p:txBody>
-      </p:sp>
     </p:spTree>
     <p:extLst>
       <p:ext uri="{BB962C8B-B14F-4D97-AF65-F5344CB8AC3E}">
-        <p14:creationId xmlns:p14="http://schemas.microsoft.com/office/powerpoint/2010/main" val="43309024"/>
+        <p14:creationId xmlns:p14="http://schemas.microsoft.com/office/powerpoint/2010/main" val="221934451"/>
       </p:ext>
     </p:extLst>
   </p:cSld>
@@ -9848,10 +7716,10 @@
       </p:grpSpPr>
       <p:sp>
         <p:nvSpPr>
-          <p:cNvPr id="17" name="제목 16">
-            <a:extLst>
-              <a:ext uri="{FF2B5EF4-FFF2-40B4-BE49-F238E27FC236}">
-                <a16:creationId xmlns="" xmlns:a16="http://schemas.microsoft.com/office/drawing/2014/main" id="{538766AC-5FB7-41CD-BE08-06DE8DBE4BB2}"/>
+          <p:cNvPr id="2" name="제목 1">
+            <a:extLst>
+              <a:ext uri="{FF2B5EF4-FFF2-40B4-BE49-F238E27FC236}">
+                <a16:creationId xmlns="" xmlns:a16="http://schemas.microsoft.com/office/drawing/2014/main" id="{63A6C305-6C30-4A73-B61F-DC835FDB8FF7}"/>
               </a:ext>
             </a:extLst>
           </p:cNvPr>
@@ -9859,32 +7727,41 @@
             <a:spLocks noGrp="1"/>
           </p:cNvSpPr>
           <p:nvPr>
-            <p:ph type="title"/>
+            <p:ph type="ctrTitle"/>
           </p:nvPr>
         </p:nvSpPr>
-        <p:spPr/>
-        <p:txBody>
-          <a:bodyPr/>
+        <p:spPr>
+          <a:xfrm>
+            <a:off x="770015" y="2908296"/>
+            <a:ext cx="3241976" cy="390136"/>
+          </a:xfrm>
+        </p:spPr>
+        <p:txBody>
+          <a:bodyPr lIns="0" tIns="0" rIns="0" bIns="0"/>
           <a:lstStyle/>
           <a:p>
             <a:r>
-              <a:rPr lang="en-US" altLang="ko-KR" dirty="0" smtClean="0"/>
-              <a:t>3. </a:t>
-            </a:r>
-            <a:r>
-              <a:rPr lang="ko-KR" altLang="en-US" dirty="0" smtClean="0"/>
-              <a:t>차별화</a:t>
-            </a:r>
-            <a:endParaRPr lang="ko-KR" altLang="en-US" dirty="0"/>
-          </a:p>
-        </p:txBody>
-      </p:sp>
-      <p:sp>
-        <p:nvSpPr>
-          <p:cNvPr id="18" name="내용 개체 틀 17">
-            <a:extLst>
-              <a:ext uri="{FF2B5EF4-FFF2-40B4-BE49-F238E27FC236}">
-                <a16:creationId xmlns="" xmlns:a16="http://schemas.microsoft.com/office/drawing/2014/main" id="{747C4837-194F-4C6A-AD95-AD165411AD23}"/>
+              <a:rPr lang="ko-KR" altLang="en-US" sz="2800" dirty="0" smtClean="0"/>
+              <a:t>기타</a:t>
+            </a:r>
+            <a:r>
+              <a:rPr lang="en-US" altLang="ko-KR" sz="2800" dirty="0"/>
+              <a:t> </a:t>
+            </a:r>
+            <a:r>
+              <a:rPr lang="ko-KR" altLang="en-US" sz="2800" dirty="0" smtClean="0"/>
+              <a:t>아이디어</a:t>
+            </a:r>
+            <a:endParaRPr lang="ko-KR" altLang="en-US" sz="2800" dirty="0"/>
+          </a:p>
+        </p:txBody>
+      </p:sp>
+      <p:sp>
+        <p:nvSpPr>
+          <p:cNvPr id="3" name="부제목 2">
+            <a:extLst>
+              <a:ext uri="{FF2B5EF4-FFF2-40B4-BE49-F238E27FC236}">
+                <a16:creationId xmlns="" xmlns:a16="http://schemas.microsoft.com/office/drawing/2014/main" id="{88B17BA9-3E6A-4137-B005-5AE4286F405D}"/>
               </a:ext>
             </a:extLst>
           </p:cNvPr>
@@ -9892,362 +7769,59 @@
             <a:spLocks noGrp="1"/>
           </p:cNvSpPr>
           <p:nvPr>
-            <p:ph idx="1"/>
+            <p:ph type="subTitle" idx="1"/>
           </p:nvPr>
         </p:nvSpPr>
         <p:spPr>
           <a:xfrm>
-            <a:off x="1508634" y="3965659"/>
-            <a:ext cx="10175170" cy="2013301"/>
-          </a:xfrm>
-        </p:spPr>
-        <p:txBody>
-          <a:bodyPr>
-            <a:noAutofit/>
-          </a:bodyPr>
-          <a:lstStyle/>
-          <a:p>
-            <a:endParaRPr lang="en-US" altLang="ko-KR" sz="1600" dirty="0"/>
-          </a:p>
-        </p:txBody>
-      </p:sp>
-      <p:sp>
-        <p:nvSpPr>
-          <p:cNvPr id="20" name="슬라이드 번호 개체 틀 19">
-            <a:extLst>
-              <a:ext uri="{FF2B5EF4-FFF2-40B4-BE49-F238E27FC236}">
-                <a16:creationId xmlns="" xmlns:a16="http://schemas.microsoft.com/office/drawing/2014/main" id="{5D10BEF8-C3D2-456C-86E5-CDB9D8098737}"/>
-              </a:ext>
-            </a:extLst>
-          </p:cNvPr>
-          <p:cNvSpPr>
-            <a:spLocks noGrp="1"/>
-          </p:cNvSpPr>
-          <p:nvPr>
-            <p:ph type="sldNum" sz="quarter" idx="12"/>
-          </p:nvPr>
-        </p:nvSpPr>
-        <p:spPr/>
+            <a:off x="9897533" y="1853793"/>
+            <a:ext cx="2294466" cy="3150414"/>
+          </a:xfrm>
+        </p:spPr>
         <p:txBody>
           <a:bodyPr/>
           <a:lstStyle/>
           <a:p>
-            <a:fld id="{143BF621-4FC3-44DB-97C1-2906C2BBA181}" type="slidenum">
-              <a:rPr lang="en-US" altLang="ko-KR" smtClean="0"/>
-              <a:pPr/>
-              <a:t>6</a:t>
-            </a:fld>
-            <a:endParaRPr lang="en-US" dirty="0"/>
-          </a:p>
-        </p:txBody>
-      </p:sp>
-      <p:sp>
-        <p:nvSpPr>
-          <p:cNvPr id="22" name="텍스트 개체 틀 21">
-            <a:extLst>
-              <a:ext uri="{FF2B5EF4-FFF2-40B4-BE49-F238E27FC236}">
-                <a16:creationId xmlns="" xmlns:a16="http://schemas.microsoft.com/office/drawing/2014/main" id="{39A03912-2C30-4A1E-A949-CCA2FA1B86AF}"/>
-              </a:ext>
-            </a:extLst>
-          </p:cNvPr>
-          <p:cNvSpPr>
-            <a:spLocks noGrp="1"/>
-          </p:cNvSpPr>
-          <p:nvPr>
-            <p:ph type="body" sz="quarter" idx="14"/>
-          </p:nvPr>
-        </p:nvSpPr>
-        <p:spPr>
-          <a:xfrm>
-            <a:off x="0" y="188912"/>
-            <a:ext cx="1208087" cy="1384539"/>
-          </a:xfrm>
-          <a:prstGeom prst="roundRect">
-            <a:avLst>
-              <a:gd name="adj" fmla="val 0"/>
-            </a:avLst>
-          </a:prstGeom>
-        </p:spPr>
-        <p:txBody>
-          <a:bodyPr/>
-          <a:lstStyle/>
-          <a:p>
-            <a:pPr algn="dist"/>
-            <a:endParaRPr lang="en-US" altLang="ko-KR" sz="900" dirty="0"/>
-          </a:p>
-        </p:txBody>
-      </p:sp>
-      <p:sp>
-        <p:nvSpPr>
-          <p:cNvPr id="24" name="타원 23">
-            <a:extLst>
-              <a:ext uri="{FF2B5EF4-FFF2-40B4-BE49-F238E27FC236}">
-                <a16:creationId xmlns="" xmlns:a16="http://schemas.microsoft.com/office/drawing/2014/main" id="{015AF492-935E-4469-A4B0-E0076A79857E}"/>
-              </a:ext>
-            </a:extLst>
-          </p:cNvPr>
-          <p:cNvSpPr/>
-          <p:nvPr/>
-        </p:nvSpPr>
-        <p:spPr>
-          <a:xfrm>
-            <a:off x="160398" y="6215917"/>
-            <a:ext cx="61471" cy="61471"/>
-          </a:xfrm>
-          <a:prstGeom prst="ellipse">
-            <a:avLst/>
-          </a:prstGeom>
-          <a:solidFill>
-            <a:schemeClr val="bg1"/>
-          </a:solidFill>
-          <a:ln>
-            <a:noFill/>
-          </a:ln>
-        </p:spPr>
-        <p:style>
-          <a:lnRef idx="2">
-            <a:schemeClr val="accent1">
-              <a:shade val="50000"/>
-            </a:schemeClr>
-          </a:lnRef>
-          <a:fillRef idx="1">
-            <a:schemeClr val="accent1"/>
-          </a:fillRef>
-          <a:effectRef idx="0">
-            <a:schemeClr val="accent1"/>
-          </a:effectRef>
-          <a:fontRef idx="minor">
-            <a:schemeClr val="lt1"/>
-          </a:fontRef>
-        </p:style>
-        <p:txBody>
-          <a:bodyPr rtlCol="0" anchor="ctr"/>
-          <a:lstStyle/>
-          <a:p>
-            <a:pPr algn="ctr"/>
-            <a:endParaRPr lang="ko-KR" altLang="en-US"/>
-          </a:p>
-        </p:txBody>
-      </p:sp>
-      <p:cxnSp>
-        <p:nvCxnSpPr>
-          <p:cNvPr id="14" name="직선 연결선 13">
-            <a:extLst>
-              <a:ext uri="{FF2B5EF4-FFF2-40B4-BE49-F238E27FC236}">
-                <a16:creationId xmlns="" xmlns:a16="http://schemas.microsoft.com/office/drawing/2014/main" id="{69805DCA-C68E-4C6E-AEE9-DB7D64C05E59}"/>
-              </a:ext>
-            </a:extLst>
-          </p:cNvPr>
-          <p:cNvCxnSpPr/>
-          <p:nvPr/>
-        </p:nvCxnSpPr>
-        <p:spPr>
-          <a:xfrm>
-            <a:off x="1586069" y="5978961"/>
-            <a:ext cx="9957409" cy="0"/>
-          </a:xfrm>
-          <a:prstGeom prst="line">
-            <a:avLst/>
-          </a:prstGeom>
-          <a:ln>
-            <a:solidFill>
-              <a:schemeClr val="bg1">
-                <a:alpha val="75000"/>
-              </a:schemeClr>
-            </a:solidFill>
-          </a:ln>
-        </p:spPr>
-        <p:style>
-          <a:lnRef idx="1">
-            <a:schemeClr val="accent1"/>
-          </a:lnRef>
-          <a:fillRef idx="0">
-            <a:schemeClr val="accent1"/>
-          </a:fillRef>
-          <a:effectRef idx="0">
-            <a:schemeClr val="accent1"/>
-          </a:effectRef>
-          <a:fontRef idx="minor">
-            <a:schemeClr val="tx1"/>
-          </a:fontRef>
-        </p:style>
-      </p:cxnSp>
-      <p:cxnSp>
-        <p:nvCxnSpPr>
-          <p:cNvPr id="16" name="직선 연결선 15">
-            <a:extLst>
-              <a:ext uri="{FF2B5EF4-FFF2-40B4-BE49-F238E27FC236}">
-                <a16:creationId xmlns="" xmlns:a16="http://schemas.microsoft.com/office/drawing/2014/main" id="{556817DD-8257-448B-A648-6DCF78476E78}"/>
-              </a:ext>
-            </a:extLst>
-          </p:cNvPr>
-          <p:cNvCxnSpPr>
-            <a:cxnSpLocks/>
-          </p:cNvCxnSpPr>
-          <p:nvPr/>
-        </p:nvCxnSpPr>
-        <p:spPr>
-          <a:xfrm flipV="1">
-            <a:off x="523409" y="1839790"/>
-            <a:ext cx="161268" cy="161269"/>
-          </a:xfrm>
-          <a:prstGeom prst="line">
-            <a:avLst/>
-          </a:prstGeom>
-          <a:ln>
-            <a:solidFill>
-              <a:schemeClr val="bg1">
-                <a:alpha val="75000"/>
-              </a:schemeClr>
-            </a:solidFill>
-          </a:ln>
-        </p:spPr>
-        <p:style>
-          <a:lnRef idx="1">
-            <a:schemeClr val="accent1"/>
-          </a:lnRef>
-          <a:fillRef idx="0">
-            <a:schemeClr val="accent1"/>
-          </a:fillRef>
-          <a:effectRef idx="0">
-            <a:schemeClr val="accent1"/>
-          </a:effectRef>
-          <a:fontRef idx="minor">
-            <a:schemeClr val="tx1"/>
-          </a:fontRef>
-        </p:style>
-      </p:cxnSp>
-      <p:sp>
-        <p:nvSpPr>
-          <p:cNvPr id="21" name="텍스트 개체 틀 28">
-            <a:extLst>
-              <a:ext uri="{FF2B5EF4-FFF2-40B4-BE49-F238E27FC236}">
-                <a16:creationId xmlns="" xmlns:a16="http://schemas.microsoft.com/office/drawing/2014/main" id="{5DB47E97-B68E-44A9-9DEA-5B8C6AB98C99}"/>
-              </a:ext>
-            </a:extLst>
-          </p:cNvPr>
-          <p:cNvSpPr>
-            <a:spLocks noGrp="1"/>
-          </p:cNvSpPr>
-          <p:nvPr>
-            <p:ph type="body" sz="quarter" idx="13"/>
-          </p:nvPr>
-        </p:nvSpPr>
-        <p:spPr>
-          <a:xfrm>
-            <a:off x="279400" y="5160963"/>
-            <a:ext cx="928688" cy="1508125"/>
-          </a:xfrm>
-        </p:spPr>
-        <p:txBody>
-          <a:bodyPr/>
-          <a:lstStyle/>
-          <a:p>
-            <a:r>
-              <a:rPr lang="en-US" altLang="ko-KR" dirty="0">
-                <a:solidFill>
-                  <a:srgbClr val="9BAEB5"/>
-                </a:solidFill>
-              </a:rPr>
-              <a:t>Explanation</a:t>
-            </a:r>
-          </a:p>
-          <a:p>
-            <a:r>
-              <a:rPr lang="en-US" altLang="ko-KR" dirty="0">
-                <a:solidFill>
-                  <a:srgbClr val="9BAEB5"/>
-                </a:solidFill>
-              </a:rPr>
-              <a:t>Concept</a:t>
-            </a:r>
-          </a:p>
-          <a:p>
-            <a:r>
-              <a:rPr lang="en-US" altLang="ko-KR" dirty="0">
-                <a:solidFill>
-                  <a:schemeClr val="bg1">
-                    <a:alpha val="50000"/>
-                  </a:schemeClr>
-                </a:solidFill>
-              </a:rPr>
-              <a:t>Function</a:t>
-            </a:r>
-          </a:p>
-          <a:p>
-            <a:r>
-              <a:rPr lang="en-US" altLang="ko-KR" dirty="0"/>
-              <a:t>Practicality</a:t>
-            </a:r>
-          </a:p>
-          <a:p>
-            <a:r>
-              <a:rPr lang="en-US" altLang="ko-KR" dirty="0">
-                <a:solidFill>
-                  <a:schemeClr val="bg1">
-                    <a:alpha val="50000"/>
-                  </a:schemeClr>
-                </a:solidFill>
-              </a:rPr>
-              <a:t>Problem</a:t>
-            </a:r>
-            <a:endParaRPr lang="ko-KR" altLang="en-US" dirty="0">
-              <a:solidFill>
-                <a:schemeClr val="bg1">
-                  <a:alpha val="50000"/>
-                </a:schemeClr>
-              </a:solidFill>
-            </a:endParaRPr>
-          </a:p>
-        </p:txBody>
-      </p:sp>
-      <p:cxnSp>
-        <p:nvCxnSpPr>
-          <p:cNvPr id="15" name="직선 연결선 2">
-            <a:extLst>
-              <a:ext uri="{FF2B5EF4-FFF2-40B4-BE49-F238E27FC236}">
-                <a16:creationId xmlns="" xmlns:a16="http://schemas.microsoft.com/office/drawing/2014/main" id="{707CDC34-5628-471C-810B-8CFF1C9EBB9D}"/>
-              </a:ext>
-            </a:extLst>
-          </p:cNvPr>
-          <p:cNvCxnSpPr/>
-          <p:nvPr/>
-        </p:nvCxnSpPr>
-        <p:spPr>
-          <a:xfrm>
-            <a:off x="1586067" y="3948276"/>
-            <a:ext cx="9957409" cy="0"/>
-          </a:xfrm>
-          <a:prstGeom prst="line">
-            <a:avLst/>
-          </a:prstGeom>
-          <a:ln>
-            <a:solidFill>
-              <a:schemeClr val="bg1">
-                <a:alpha val="75000"/>
-              </a:schemeClr>
-            </a:solidFill>
-          </a:ln>
-        </p:spPr>
-        <p:style>
-          <a:lnRef idx="1">
-            <a:schemeClr val="accent1"/>
-          </a:lnRef>
-          <a:fillRef idx="0">
-            <a:schemeClr val="accent1"/>
-          </a:fillRef>
-          <a:effectRef idx="0">
-            <a:schemeClr val="accent1"/>
-          </a:effectRef>
-          <a:fontRef idx="minor">
-            <a:schemeClr val="tx1"/>
-          </a:fontRef>
-        </p:style>
-      </p:cxnSp>
+            <a:r>
+              <a:rPr lang="ko-KR" altLang="en-US" dirty="0" smtClean="0"/>
+              <a:t>재고 관리 시스템</a:t>
+            </a:r>
+            <a:endParaRPr lang="en-US" altLang="ko-KR" dirty="0" smtClean="0"/>
+          </a:p>
+          <a:p>
+            <a:r>
+              <a:rPr lang="ko-KR" altLang="en-US" dirty="0" smtClean="0"/>
+              <a:t>창고 정리 로봇</a:t>
+            </a:r>
+            <a:endParaRPr lang="en-US" altLang="ko-KR" dirty="0" smtClean="0"/>
+          </a:p>
+          <a:p>
+            <a:r>
+              <a:rPr lang="ko-KR" altLang="en-US" dirty="0" smtClean="0"/>
+              <a:t>얼굴 인식을 통한 고객 맞춤 서비스</a:t>
+            </a:r>
+            <a:endParaRPr lang="en-US" altLang="ko-KR" dirty="0" smtClean="0"/>
+          </a:p>
+          <a:p>
+            <a:r>
+              <a:rPr lang="ko-KR" altLang="en-US" dirty="0" smtClean="0"/>
+              <a:t>얼굴 표정을 통한 심리 상태 확인</a:t>
+            </a:r>
+            <a:endParaRPr lang="en-US" altLang="ko-KR" dirty="0" smtClean="0"/>
+          </a:p>
+          <a:p>
+            <a:r>
+              <a:rPr lang="ko-KR" altLang="en-US" dirty="0" smtClean="0"/>
+              <a:t>온도 조절 신발</a:t>
+            </a:r>
+            <a:endParaRPr lang="en-US" altLang="ko-KR" dirty="0" smtClean="0"/>
+          </a:p>
+        </p:txBody>
+      </p:sp>
     </p:spTree>
     <p:extLst>
       <p:ext uri="{BB962C8B-B14F-4D97-AF65-F5344CB8AC3E}">
-        <p14:creationId xmlns:p14="http://schemas.microsoft.com/office/powerpoint/2010/main" val="221934451"/>
+        <p14:creationId xmlns:p14="http://schemas.microsoft.com/office/powerpoint/2010/main" val="4271453080"/>
       </p:ext>
     </p:extLst>
   </p:cSld>
@@ -10276,39 +7850,6 @@
       </p:grpSpPr>
       <p:sp>
         <p:nvSpPr>
-          <p:cNvPr id="17" name="제목 16">
-            <a:extLst>
-              <a:ext uri="{FF2B5EF4-FFF2-40B4-BE49-F238E27FC236}">
-                <a16:creationId xmlns="" xmlns:a16="http://schemas.microsoft.com/office/drawing/2014/main" id="{538766AC-5FB7-41CD-BE08-06DE8DBE4BB2}"/>
-              </a:ext>
-            </a:extLst>
-          </p:cNvPr>
-          <p:cNvSpPr>
-            <a:spLocks noGrp="1"/>
-          </p:cNvSpPr>
-          <p:nvPr>
-            <p:ph type="title"/>
-          </p:nvPr>
-        </p:nvSpPr>
-        <p:spPr/>
-        <p:txBody>
-          <a:bodyPr/>
-          <a:lstStyle/>
-          <a:p>
-            <a:r>
-              <a:rPr lang="en-US" altLang="ko-KR" dirty="0" smtClean="0"/>
-              <a:t>4. </a:t>
-            </a:r>
-            <a:r>
-              <a:rPr lang="ko-KR" altLang="en-US" dirty="0" smtClean="0"/>
-              <a:t>문제점</a:t>
-            </a:r>
-            <a:endParaRPr lang="ko-KR" altLang="en-US" dirty="0"/>
-          </a:p>
-        </p:txBody>
-      </p:sp>
-      <p:sp>
-        <p:nvSpPr>
           <p:cNvPr id="18" name="내용 개체 틀 17">
             <a:extLst>
               <a:ext uri="{FF2B5EF4-FFF2-40B4-BE49-F238E27FC236}">
@@ -10325,8 +7866,8 @@
         </p:nvSpPr>
         <p:spPr>
           <a:xfrm>
-            <a:off x="1508634" y="3965659"/>
-            <a:ext cx="10175170" cy="2013301"/>
+            <a:off x="1535738" y="1507728"/>
+            <a:ext cx="10261054" cy="4407297"/>
           </a:xfrm>
         </p:spPr>
         <p:txBody>
@@ -10335,7 +7876,98 @@
           </a:bodyPr>
           <a:lstStyle/>
           <a:p>
-            <a:endParaRPr lang="en-US" altLang="ko-KR" sz="1600" dirty="0"/>
+            <a:r>
+              <a:rPr lang="ko-KR" altLang="en-US" sz="2800" dirty="0" smtClean="0"/>
+              <a:t> </a:t>
+            </a:r>
+            <a:r>
+              <a:rPr lang="en-US" altLang="ko-KR" sz="2800" dirty="0" smtClean="0"/>
+              <a:t>- </a:t>
+            </a:r>
+            <a:r>
+              <a:rPr lang="ko-KR" altLang="en-US" sz="2800" dirty="0" smtClean="0"/>
+              <a:t>음식점 </a:t>
+            </a:r>
+            <a:r>
+              <a:rPr lang="ko-KR" altLang="en-US" sz="2800" dirty="0"/>
+              <a:t>백화점 창고 등 주기적으로 물품이 들어오면 일일이 수량체크 뿐만 아니라 오래된 물품은 재고 조사를 하여야 한다</a:t>
+            </a:r>
+            <a:r>
+              <a:rPr lang="en-US" altLang="ko-KR" sz="2800" dirty="0"/>
+              <a:t>.</a:t>
+            </a:r>
+          </a:p>
+          <a:p>
+            <a:r>
+              <a:rPr lang="ko-KR" altLang="en-US" sz="2800" dirty="0" smtClean="0"/>
+              <a:t> </a:t>
+            </a:r>
+            <a:r>
+              <a:rPr lang="en-US" altLang="ko-KR" sz="2800" dirty="0" smtClean="0"/>
+              <a:t>- </a:t>
+            </a:r>
+            <a:r>
+              <a:rPr lang="ko-KR" altLang="en-US" sz="2800" dirty="0" smtClean="0"/>
+              <a:t>구현 </a:t>
+            </a:r>
+            <a:r>
+              <a:rPr lang="ko-KR" altLang="en-US" sz="2800" dirty="0"/>
+              <a:t>방식은 아마존고 마켓의 방식이나 다른 방식으로 구현을 합니다</a:t>
+            </a:r>
+            <a:r>
+              <a:rPr lang="en-US" altLang="ko-KR" sz="2800" dirty="0"/>
+              <a:t>.</a:t>
+            </a:r>
+          </a:p>
+          <a:p>
+            <a:r>
+              <a:rPr lang="ko-KR" altLang="en-US" sz="2800" dirty="0" smtClean="0"/>
+              <a:t> </a:t>
+            </a:r>
+            <a:r>
+              <a:rPr lang="en-US" altLang="ko-KR" sz="2800" dirty="0" smtClean="0"/>
+              <a:t>- </a:t>
+            </a:r>
+            <a:r>
+              <a:rPr lang="ko-KR" altLang="en-US" sz="2800" dirty="0" smtClean="0"/>
+              <a:t>물품이 </a:t>
+            </a:r>
+            <a:r>
+              <a:rPr lang="ko-KR" altLang="en-US" sz="2800" dirty="0"/>
+              <a:t>들어오면 자동 빼지고 기본적으로 설정해둔 수량에 맞추어 주문이 </a:t>
+            </a:r>
+            <a:r>
+              <a:rPr lang="ko-KR" altLang="en-US" sz="2800" dirty="0" smtClean="0"/>
+              <a:t>가능합니다</a:t>
+            </a:r>
+            <a:r>
+              <a:rPr lang="en-US" altLang="ko-KR" sz="2800" dirty="0" smtClean="0"/>
+              <a:t>.</a:t>
+            </a:r>
+            <a:endParaRPr lang="en-US" altLang="ko-KR" sz="2800" dirty="0"/>
+          </a:p>
+          <a:p>
+            <a:r>
+              <a:rPr lang="ko-KR" altLang="en-US" sz="2800" dirty="0" smtClean="0"/>
+              <a:t> </a:t>
+            </a:r>
+            <a:r>
+              <a:rPr lang="en-US" altLang="ko-KR" sz="2800" dirty="0" smtClean="0"/>
+              <a:t>- </a:t>
+            </a:r>
+            <a:r>
+              <a:rPr lang="ko-KR" altLang="en-US" sz="2800" dirty="0" smtClean="0"/>
+              <a:t>유통기한이 </a:t>
+            </a:r>
+            <a:r>
+              <a:rPr lang="ko-KR" altLang="en-US" sz="2800" dirty="0"/>
+              <a:t>있는 제품 등은 알림을 통해 미리 알려주거나 지나면 폐기 하라고 알려줍니다</a:t>
+            </a:r>
+            <a:r>
+              <a:rPr lang="en-US" altLang="ko-KR" sz="2800" dirty="0"/>
+              <a:t>.</a:t>
+            </a:r>
+            <a:endParaRPr lang="en-US" altLang="ko-KR" sz="2800" dirty="0"/>
           </a:p>
         </p:txBody>
       </p:sp>
@@ -10407,20 +8039,22 @@
       </p:sp>
       <p:cxnSp>
         <p:nvCxnSpPr>
-          <p:cNvPr id="14" name="직선 연결선 13">
-            <a:extLst>
-              <a:ext uri="{FF2B5EF4-FFF2-40B4-BE49-F238E27FC236}">
-                <a16:creationId xmlns="" xmlns:a16="http://schemas.microsoft.com/office/drawing/2014/main" id="{69805DCA-C68E-4C6E-AEE9-DB7D64C05E59}"/>
-              </a:ext>
-            </a:extLst>
-          </p:cNvPr>
-          <p:cNvCxnSpPr/>
+          <p:cNvPr id="16" name="직선 연결선 15">
+            <a:extLst>
+              <a:ext uri="{FF2B5EF4-FFF2-40B4-BE49-F238E27FC236}">
+                <a16:creationId xmlns="" xmlns:a16="http://schemas.microsoft.com/office/drawing/2014/main" id="{556817DD-8257-448B-A648-6DCF78476E78}"/>
+              </a:ext>
+            </a:extLst>
+          </p:cNvPr>
+          <p:cNvCxnSpPr>
+            <a:cxnSpLocks/>
+          </p:cNvCxnSpPr>
           <p:nvPr/>
         </p:nvCxnSpPr>
         <p:spPr>
-          <a:xfrm>
-            <a:off x="1586069" y="5978961"/>
-            <a:ext cx="9957409" cy="0"/>
+          <a:xfrm flipV="1">
+            <a:off x="523409" y="1839790"/>
+            <a:ext cx="161268" cy="161269"/>
           </a:xfrm>
           <a:prstGeom prst="line">
             <a:avLst/>
@@ -10448,51 +8082,6 @@
           </a:fontRef>
         </p:style>
       </p:cxnSp>
-      <p:cxnSp>
-        <p:nvCxnSpPr>
-          <p:cNvPr id="16" name="직선 연결선 15">
-            <a:extLst>
-              <a:ext uri="{FF2B5EF4-FFF2-40B4-BE49-F238E27FC236}">
-                <a16:creationId xmlns="" xmlns:a16="http://schemas.microsoft.com/office/drawing/2014/main" id="{556817DD-8257-448B-A648-6DCF78476E78}"/>
-              </a:ext>
-            </a:extLst>
-          </p:cNvPr>
-          <p:cNvCxnSpPr>
-            <a:cxnSpLocks/>
-          </p:cNvCxnSpPr>
-          <p:nvPr/>
-        </p:nvCxnSpPr>
-        <p:spPr>
-          <a:xfrm flipV="1">
-            <a:off x="523409" y="1839790"/>
-            <a:ext cx="161268" cy="161269"/>
-          </a:xfrm>
-          <a:prstGeom prst="line">
-            <a:avLst/>
-          </a:prstGeom>
-          <a:ln>
-            <a:solidFill>
-              <a:schemeClr val="bg1">
-                <a:alpha val="75000"/>
-              </a:schemeClr>
-            </a:solidFill>
-          </a:ln>
-        </p:spPr>
-        <p:style>
-          <a:lnRef idx="1">
-            <a:schemeClr val="accent1"/>
-          </a:lnRef>
-          <a:fillRef idx="0">
-            <a:schemeClr val="accent1"/>
-          </a:fillRef>
-          <a:effectRef idx="0">
-            <a:schemeClr val="accent1"/>
-          </a:effectRef>
-          <a:fontRef idx="minor">
-            <a:schemeClr val="tx1"/>
-          </a:fontRef>
-        </p:style>
-      </p:cxnSp>
       <p:sp>
         <p:nvSpPr>
           <p:cNvPr id="21" name="텍스트 개체 틀 28">
@@ -10526,16 +8115,6 @@
                 </a:solidFill>
               </a:rPr>
               <a:t>Explanation</a:t>
-            </a:r>
-          </a:p>
-          <a:p>
-            <a:r>
-              <a:rPr lang="en-US" altLang="ko-KR" dirty="0">
-                <a:solidFill>
-                  <a:srgbClr val="9BAEB5"/>
-                </a:solidFill>
-              </a:rPr>
-              <a:t>Concept</a:t>
             </a:r>
           </a:p>
           <a:p>
@@ -10547,77 +8126,62 @@
                   </a:schemeClr>
                 </a:solidFill>
               </a:rPr>
+              <a:t>Concept</a:t>
+            </a:r>
+          </a:p>
+          <a:p>
+            <a:r>
+              <a:rPr lang="en-US" altLang="ko-KR" dirty="0" smtClean="0"/>
               <a:t>Function</a:t>
             </a:r>
-          </a:p>
-          <a:p>
-            <a:r>
-              <a:rPr lang="en-US" altLang="ko-KR" dirty="0">
+            <a:endParaRPr lang="en-US" altLang="ko-KR" dirty="0"/>
+          </a:p>
+          <a:p>
+            <a:r>
+              <a:rPr lang="en-US" altLang="ko-KR" dirty="0" smtClean="0">
                 <a:solidFill>
-                  <a:srgbClr val="9BAEB5"/>
+                  <a:schemeClr val="bg1">
+                    <a:alpha val="50000"/>
+                  </a:schemeClr>
                 </a:solidFill>
               </a:rPr>
               <a:t>Practicality</a:t>
             </a:r>
-          </a:p>
-          <a:p>
-            <a:r>
-              <a:rPr lang="en-US" altLang="ko-KR" dirty="0"/>
+            <a:endParaRPr lang="en-US" altLang="ko-KR" dirty="0">
+              <a:solidFill>
+                <a:schemeClr val="bg1">
+                  <a:alpha val="50000"/>
+                </a:schemeClr>
+              </a:solidFill>
+            </a:endParaRPr>
+          </a:p>
+          <a:p>
+            <a:r>
+              <a:rPr lang="en-US" altLang="ko-KR" dirty="0">
+                <a:solidFill>
+                  <a:schemeClr val="bg1">
+                    <a:alpha val="50000"/>
+                  </a:schemeClr>
+                </a:solidFill>
+              </a:rPr>
               <a:t>Problem</a:t>
             </a:r>
-            <a:endParaRPr lang="en-US" altLang="ko-KR" dirty="0"/>
-          </a:p>
-        </p:txBody>
-      </p:sp>
-      <p:cxnSp>
-        <p:nvCxnSpPr>
-          <p:cNvPr id="15" name="직선 연결선 2">
-            <a:extLst>
-              <a:ext uri="{FF2B5EF4-FFF2-40B4-BE49-F238E27FC236}">
-                <a16:creationId xmlns="" xmlns:a16="http://schemas.microsoft.com/office/drawing/2014/main" id="{707CDC34-5628-471C-810B-8CFF1C9EBB9D}"/>
-              </a:ext>
-            </a:extLst>
-          </p:cNvPr>
-          <p:cNvCxnSpPr/>
-          <p:nvPr/>
-        </p:nvCxnSpPr>
-        <p:spPr>
-          <a:xfrm>
-            <a:off x="1586067" y="3948276"/>
-            <a:ext cx="9957409" cy="0"/>
-          </a:xfrm>
-          <a:prstGeom prst="line">
-            <a:avLst/>
-          </a:prstGeom>
-          <a:ln>
-            <a:solidFill>
-              <a:schemeClr val="bg1">
-                <a:alpha val="75000"/>
-              </a:schemeClr>
-            </a:solidFill>
-          </a:ln>
-        </p:spPr>
-        <p:style>
-          <a:lnRef idx="1">
-            <a:schemeClr val="accent1"/>
-          </a:lnRef>
-          <a:fillRef idx="0">
-            <a:schemeClr val="accent1"/>
-          </a:fillRef>
-          <a:effectRef idx="0">
-            <a:schemeClr val="accent1"/>
-          </a:effectRef>
-          <a:fontRef idx="minor">
-            <a:schemeClr val="tx1"/>
-          </a:fontRef>
-        </p:style>
-      </p:cxnSp>
-      <p:sp>
-        <p:nvSpPr>
-          <p:cNvPr id="11" name="타원 23">
-            <a:extLst>
-              <a:ext uri="{FF2B5EF4-FFF2-40B4-BE49-F238E27FC236}">
-                <a16:creationId xmlns:a16="http://schemas.microsoft.com/office/drawing/2014/main" xmlns="" id="{015AF492-935E-4469-A4B0-E0076A79857E}"/>
+            <a:endParaRPr lang="ko-KR" altLang="en-US" dirty="0">
+              <a:solidFill>
+                <a:schemeClr val="bg1">
+                  <a:alpha val="50000"/>
+                </a:schemeClr>
+              </a:solidFill>
+            </a:endParaRPr>
+          </a:p>
+        </p:txBody>
+      </p:sp>
+      <p:sp>
+        <p:nvSpPr>
+          <p:cNvPr id="9" name="타원 25">
+            <a:extLst>
+              <a:ext uri="{FF2B5EF4-FFF2-40B4-BE49-F238E27FC236}">
+                <a16:creationId xmlns:a16="http://schemas.microsoft.com/office/drawing/2014/main" xmlns="" id="{70C1FAEF-62E2-40AA-B0AA-CBBD3346A291}"/>
               </a:ext>
             </a:extLst>
           </p:cNvPr>
@@ -10626,7 +8190,7 @@
         </p:nvSpPr>
         <p:spPr>
           <a:xfrm>
-            <a:off x="161889" y="6546435"/>
+            <a:off x="160990" y="5882611"/>
             <a:ext cx="61471" cy="61471"/>
           </a:xfrm>
           <a:prstGeom prst="ellipse">
@@ -10664,10 +8228,74 @@
           </a:p>
         </p:txBody>
       </p:sp>
+      <p:sp>
+        <p:nvSpPr>
+          <p:cNvPr id="11" name="제목 16">
+            <a:extLst>
+              <a:ext uri="{FF2B5EF4-FFF2-40B4-BE49-F238E27FC236}">
+                <a16:creationId xmlns="" xmlns:a16="http://schemas.microsoft.com/office/drawing/2014/main" id="{538766AC-5FB7-41CD-BE08-06DE8DBE4BB2}"/>
+              </a:ext>
+            </a:extLst>
+          </p:cNvPr>
+          <p:cNvSpPr txBox="1">
+            <a:spLocks/>
+          </p:cNvSpPr>
+          <p:nvPr/>
+        </p:nvSpPr>
+        <p:spPr>
+          <a:xfrm>
+            <a:off x="2245259" y="422820"/>
+            <a:ext cx="8881450" cy="511062"/>
+          </a:xfrm>
+          <a:prstGeom prst="rect">
+            <a:avLst/>
+          </a:prstGeom>
+        </p:spPr>
+        <p:txBody>
+          <a:bodyPr vert="horz" lIns="0" tIns="0" rIns="0" bIns="0" rtlCol="0" anchor="ctr">
+            <a:noAutofit/>
+          </a:bodyPr>
+          <a:lstStyle>
+            <a:lvl1pPr marL="0" indent="0" algn="l" defTabSz="914400" rtl="0" eaLnBrk="1" latinLnBrk="1" hangingPunct="1">
+              <a:lnSpc>
+                <a:spcPct val="125000"/>
+              </a:lnSpc>
+              <a:spcBef>
+                <a:spcPct val="0"/>
+              </a:spcBef>
+              <a:buFont typeface="Arial" panose="020B0604020202020204" pitchFamily="34" charset="0"/>
+              <a:buNone/>
+              <a:defRPr sz="3600" kern="1200">
+                <a:ln>
+                  <a:solidFill>
+                    <a:schemeClr val="accent1">
+                      <a:alpha val="0"/>
+                    </a:schemeClr>
+                  </a:solidFill>
+                </a:ln>
+                <a:solidFill>
+                  <a:schemeClr val="bg1"/>
+                </a:solidFill>
+                <a:latin typeface="+mj-lt"/>
+                <a:ea typeface="+mj-ea"/>
+                <a:cs typeface="+mj-cs"/>
+              </a:defRPr>
+            </a:lvl1pPr>
+          </a:lstStyle>
+          <a:p>
+            <a:pPr algn="ctr"/>
+            <a:r>
+              <a:rPr lang="ko-KR" altLang="en-US" dirty="0" smtClean="0"/>
+              <a:t>재고 관리 시스템</a:t>
+            </a:r>
+            <a:endParaRPr lang="ko-KR" altLang="en-US" dirty="0"/>
+          </a:p>
+        </p:txBody>
+      </p:sp>
     </p:spTree>
     <p:extLst>
       <p:ext uri="{BB962C8B-B14F-4D97-AF65-F5344CB8AC3E}">
-        <p14:creationId xmlns:p14="http://schemas.microsoft.com/office/powerpoint/2010/main" val="1001420403"/>
+        <p14:creationId xmlns:p14="http://schemas.microsoft.com/office/powerpoint/2010/main" val="2285935812"/>
       </p:ext>
     </p:extLst>
   </p:cSld>
@@ -10696,89 +8324,10 @@
       </p:grpSpPr>
       <p:sp>
         <p:nvSpPr>
-          <p:cNvPr id="2" name="타원 1">
-            <a:extLst>
-              <a:ext uri="{FF2B5EF4-FFF2-40B4-BE49-F238E27FC236}">
-                <a16:creationId xmlns="" xmlns:a16="http://schemas.microsoft.com/office/drawing/2014/main" id="{6BE440E7-6487-4265-82D2-0AB7ED081C45}"/>
-              </a:ext>
-            </a:extLst>
-          </p:cNvPr>
-          <p:cNvSpPr/>
-          <p:nvPr/>
-        </p:nvSpPr>
-        <p:spPr>
-          <a:xfrm>
-            <a:off x="4680868" y="2261974"/>
-            <a:ext cx="2851881" cy="2851881"/>
-          </a:xfrm>
-          <a:prstGeom prst="ellipse">
-            <a:avLst/>
-          </a:prstGeom>
-          <a:noFill/>
-          <a:ln w="3175">
-            <a:solidFill>
-              <a:schemeClr val="bg1">
-                <a:alpha val="50000"/>
-              </a:schemeClr>
-            </a:solidFill>
-          </a:ln>
-        </p:spPr>
-        <p:style>
-          <a:lnRef idx="2">
-            <a:schemeClr val="accent1">
-              <a:shade val="50000"/>
-            </a:schemeClr>
-          </a:lnRef>
-          <a:fillRef idx="1">
-            <a:schemeClr val="accent1"/>
-          </a:fillRef>
-          <a:effectRef idx="0">
-            <a:schemeClr val="accent1"/>
-          </a:effectRef>
-          <a:fontRef idx="minor">
-            <a:schemeClr val="lt1"/>
-          </a:fontRef>
-        </p:style>
-        <p:txBody>
-          <a:bodyPr rtlCol="0" anchor="ctr"/>
-          <a:lstStyle/>
-          <a:p>
-            <a:pPr algn="ctr"/>
-            <a:endParaRPr lang="ko-KR" altLang="en-US"/>
-          </a:p>
-        </p:txBody>
-      </p:sp>
-      <p:sp>
-        <p:nvSpPr>
-          <p:cNvPr id="17" name="제목 16">
-            <a:extLst>
-              <a:ext uri="{FF2B5EF4-FFF2-40B4-BE49-F238E27FC236}">
-                <a16:creationId xmlns="" xmlns:a16="http://schemas.microsoft.com/office/drawing/2014/main" id="{538766AC-5FB7-41CD-BE08-06DE8DBE4BB2}"/>
-              </a:ext>
-            </a:extLst>
-          </p:cNvPr>
-          <p:cNvSpPr>
-            <a:spLocks noGrp="1"/>
-          </p:cNvSpPr>
-          <p:nvPr>
-            <p:ph type="title"/>
-          </p:nvPr>
-        </p:nvSpPr>
-        <p:spPr/>
-        <p:txBody>
-          <a:bodyPr/>
-          <a:lstStyle/>
-          <a:p>
-            <a:endParaRPr lang="ko-KR" altLang="en-US" sz="2400" dirty="0"/>
-          </a:p>
-        </p:txBody>
-      </p:sp>
-      <p:sp>
-        <p:nvSpPr>
-          <p:cNvPr id="4" name="내용 개체 틀 3">
-            <a:extLst>
-              <a:ext uri="{FF2B5EF4-FFF2-40B4-BE49-F238E27FC236}">
-                <a16:creationId xmlns="" xmlns:a16="http://schemas.microsoft.com/office/drawing/2014/main" id="{9388A597-371A-4172-9D6E-99E1B1C6323D}"/>
+          <p:cNvPr id="18" name="내용 개체 틀 17">
+            <a:extLst>
+              <a:ext uri="{FF2B5EF4-FFF2-40B4-BE49-F238E27FC236}">
+                <a16:creationId xmlns="" xmlns:a16="http://schemas.microsoft.com/office/drawing/2014/main" id="{747C4837-194F-4C6A-AD95-AD165411AD23}"/>
               </a:ext>
             </a:extLst>
           </p:cNvPr>
@@ -10791,49 +8340,83 @@
         </p:nvSpPr>
         <p:spPr>
           <a:xfrm>
-            <a:off x="4214240" y="5551404"/>
-            <a:ext cx="3785136" cy="677598"/>
-          </a:xfrm>
-        </p:spPr>
-        <p:txBody>
-          <a:bodyPr/>
+            <a:off x="1535738" y="1507728"/>
+            <a:ext cx="10261054" cy="4407297"/>
+          </a:xfrm>
+        </p:spPr>
+        <p:txBody>
+          <a:bodyPr>
+            <a:noAutofit/>
+          </a:bodyPr>
           <a:lstStyle/>
           <a:p>
-            <a:pPr algn="ctr"/>
-            <a:endParaRPr lang="en-US" altLang="ko-KR" dirty="0"/>
-          </a:p>
-        </p:txBody>
-      </p:sp>
-      <p:sp>
-        <p:nvSpPr>
-          <p:cNvPr id="19" name="바닥글 개체 틀 18">
-            <a:extLst>
-              <a:ext uri="{FF2B5EF4-FFF2-40B4-BE49-F238E27FC236}">
-                <a16:creationId xmlns="" xmlns:a16="http://schemas.microsoft.com/office/drawing/2014/main" id="{F6FD5F82-18D2-4371-BA3E-8F0E8A742469}"/>
-              </a:ext>
-            </a:extLst>
-          </p:cNvPr>
-          <p:cNvSpPr>
-            <a:spLocks noGrp="1"/>
-          </p:cNvSpPr>
-          <p:nvPr>
-            <p:ph type="ftr" sz="quarter" idx="11"/>
-          </p:nvPr>
-        </p:nvSpPr>
-        <p:spPr/>
-        <p:txBody>
-          <a:bodyPr/>
-          <a:lstStyle/>
-          <a:p>
-            <a:r>
-              <a:rPr lang="en-US" dirty="0" smtClean="0"/>
-              <a:t>Idea </a:t>
-            </a:r>
-            <a:r>
-              <a:rPr lang="en-US" dirty="0" smtClean="0"/>
-              <a:t>2</a:t>
-            </a:r>
-            <a:endParaRPr lang="en-US" dirty="0"/>
+            <a:r>
+              <a:rPr lang="ko-KR" altLang="en-US" sz="2800" dirty="0" smtClean="0"/>
+              <a:t> </a:t>
+            </a:r>
+            <a:r>
+              <a:rPr lang="en-US" altLang="ko-KR" sz="2800" dirty="0" smtClean="0"/>
+              <a:t>- </a:t>
+            </a:r>
+            <a:r>
+              <a:rPr lang="ko-KR" altLang="en-US" sz="2800" dirty="0" smtClean="0"/>
+              <a:t>창고에 </a:t>
+            </a:r>
+            <a:r>
+              <a:rPr lang="ko-KR" altLang="en-US" sz="2800" dirty="0"/>
+              <a:t>여러가지 물품이 쌓이고 새로운 물품이 들어오고 나감에 따라 창고를 정리하는 것은 많은 시간 과 비용이 들어 간다</a:t>
+            </a:r>
+            <a:r>
+              <a:rPr lang="en-US" altLang="ko-KR" sz="2800" dirty="0" smtClean="0"/>
+              <a:t>.</a:t>
+            </a:r>
+            <a:endParaRPr lang="en-US" altLang="ko-KR" sz="2800" dirty="0"/>
+          </a:p>
+          <a:p>
+            <a:r>
+              <a:rPr lang="ko-KR" altLang="en-US" sz="2800" dirty="0" smtClean="0"/>
+              <a:t> </a:t>
+            </a:r>
+            <a:r>
+              <a:rPr lang="en-US" altLang="ko-KR" sz="2800" dirty="0" smtClean="0"/>
+              <a:t>- </a:t>
+            </a:r>
+            <a:r>
+              <a:rPr lang="ko-KR" altLang="en-US" sz="2800" dirty="0" smtClean="0"/>
+              <a:t>이에 </a:t>
+            </a:r>
+            <a:r>
+              <a:rPr lang="ko-KR" altLang="en-US" sz="2800" dirty="0"/>
+              <a:t>따라 창고 선반 등 물품위치에 따라 주소를 부여하여 로봇이 자동으로 정리를 해줍니다</a:t>
+            </a:r>
+            <a:r>
+              <a:rPr lang="en-US" altLang="ko-KR" sz="2800" dirty="0" smtClean="0"/>
+              <a:t>.</a:t>
+            </a:r>
+            <a:endParaRPr lang="en-US" altLang="ko-KR" sz="2800" dirty="0"/>
+          </a:p>
+          <a:p>
+            <a:r>
+              <a:rPr lang="ko-KR" altLang="en-US" sz="2800" dirty="0" smtClean="0"/>
+              <a:t> </a:t>
+            </a:r>
+            <a:r>
+              <a:rPr lang="en-US" altLang="ko-KR" sz="2800" dirty="0" smtClean="0"/>
+              <a:t>- </a:t>
+            </a:r>
+            <a:r>
+              <a:rPr lang="ko-KR" altLang="en-US" sz="2800" dirty="0" smtClean="0"/>
+              <a:t>물품이 </a:t>
+            </a:r>
+            <a:r>
+              <a:rPr lang="ko-KR" altLang="en-US" sz="2800" dirty="0"/>
+              <a:t>찾을 경우 로봇을 통하여 보다 빠르게 찾을 수 있습니다</a:t>
+            </a:r>
+            <a:r>
+              <a:rPr lang="en-US" altLang="ko-KR" sz="2800" dirty="0" smtClean="0"/>
+              <a:t>.</a:t>
+            </a:r>
+            <a:endParaRPr lang="en-US" altLang="ko-KR" sz="2800" dirty="0"/>
           </a:p>
         </p:txBody>
       </p:sp>
@@ -10863,62 +8446,43 @@
               <a:pPr/>
               <a:t>8</a:t>
             </a:fld>
-            <a:endParaRPr lang="en-US" altLang="en-US" dirty="0"/>
-          </a:p>
-        </p:txBody>
-      </p:sp>
-      <p:sp>
-        <p:nvSpPr>
-          <p:cNvPr id="22" name="다이아몬드 21">
-            <a:extLst>
-              <a:ext uri="{FF2B5EF4-FFF2-40B4-BE49-F238E27FC236}">
-                <a16:creationId xmlns="" xmlns:a16="http://schemas.microsoft.com/office/drawing/2014/main" id="{41F1084A-D4D4-47EB-8895-913353FE9A22}"/>
-              </a:ext>
-            </a:extLst>
-          </p:cNvPr>
-          <p:cNvSpPr/>
-          <p:nvPr/>
-        </p:nvSpPr>
-        <p:spPr>
-          <a:xfrm>
-            <a:off x="6049432" y="378037"/>
-            <a:ext cx="93134" cy="93134"/>
-          </a:xfrm>
-          <a:prstGeom prst="diamond">
-            <a:avLst/>
+            <a:endParaRPr lang="en-US" dirty="0"/>
+          </a:p>
+        </p:txBody>
+      </p:sp>
+      <p:sp>
+        <p:nvSpPr>
+          <p:cNvPr id="22" name="텍스트 개체 틀 21">
+            <a:extLst>
+              <a:ext uri="{FF2B5EF4-FFF2-40B4-BE49-F238E27FC236}">
+                <a16:creationId xmlns="" xmlns:a16="http://schemas.microsoft.com/office/drawing/2014/main" id="{39A03912-2C30-4A1E-A949-CCA2FA1B86AF}"/>
+              </a:ext>
+            </a:extLst>
+          </p:cNvPr>
+          <p:cNvSpPr>
+            <a:spLocks noGrp="1"/>
+          </p:cNvSpPr>
+          <p:nvPr>
+            <p:ph type="body" sz="quarter" idx="14"/>
+          </p:nvPr>
+        </p:nvSpPr>
+        <p:spPr>
+          <a:xfrm>
+            <a:off x="0" y="188912"/>
+            <a:ext cx="1208087" cy="1384539"/>
+          </a:xfrm>
+          <a:prstGeom prst="roundRect">
+            <a:avLst>
+              <a:gd name="adj" fmla="val 0"/>
+            </a:avLst>
           </a:prstGeom>
-          <a:noFill/>
-          <a:ln w="6350">
-            <a:solidFill>
-              <a:schemeClr val="bg1">
-                <a:alpha val="50000"/>
-              </a:schemeClr>
-            </a:solidFill>
-            <a:tailEnd type="none"/>
-          </a:ln>
-        </p:spPr>
-        <p:style>
-          <a:lnRef idx="2">
-            <a:schemeClr val="accent1">
-              <a:shade val="50000"/>
-            </a:schemeClr>
-          </a:lnRef>
-          <a:fillRef idx="1">
-            <a:schemeClr val="accent1"/>
-          </a:fillRef>
-          <a:effectRef idx="0">
-            <a:schemeClr val="accent1"/>
-          </a:effectRef>
-          <a:fontRef idx="minor">
-            <a:schemeClr val="lt1"/>
-          </a:fontRef>
-        </p:style>
-        <p:txBody>
-          <a:bodyPr rtlCol="0" anchor="ctr"/>
+        </p:spPr>
+        <p:txBody>
+          <a:bodyPr/>
           <a:lstStyle/>
           <a:p>
-            <a:pPr algn="ctr"/>
-            <a:endParaRPr lang="ko-KR" altLang="en-US"/>
+            <a:pPr algn="dist"/>
+            <a:endParaRPr lang="en-US" altLang="ko-KR" sz="900" dirty="0"/>
           </a:p>
         </p:txBody>
       </p:sp>
@@ -10927,160 +8491,7 @@
           <p:cNvPr id="16" name="직선 연결선 15">
             <a:extLst>
               <a:ext uri="{FF2B5EF4-FFF2-40B4-BE49-F238E27FC236}">
-                <a16:creationId xmlns="" xmlns:a16="http://schemas.microsoft.com/office/drawing/2014/main" id="{D8EA4A26-BB6D-4E38-A89A-5586AEEE4506}"/>
-              </a:ext>
-            </a:extLst>
-          </p:cNvPr>
-          <p:cNvCxnSpPr/>
-          <p:nvPr/>
-        </p:nvCxnSpPr>
-        <p:spPr>
-          <a:xfrm>
-            <a:off x="6547573" y="1463597"/>
-            <a:ext cx="985176" cy="0"/>
-          </a:xfrm>
-          <a:prstGeom prst="line">
-            <a:avLst/>
-          </a:prstGeom>
-          <a:noFill/>
-          <a:ln w="6350">
-            <a:solidFill>
-              <a:schemeClr val="bg1">
-                <a:alpha val="50000"/>
-              </a:schemeClr>
-            </a:solidFill>
-            <a:tailEnd type="none"/>
-          </a:ln>
-        </p:spPr>
-        <p:style>
-          <a:lnRef idx="2">
-            <a:schemeClr val="accent1">
-              <a:shade val="50000"/>
-            </a:schemeClr>
-          </a:lnRef>
-          <a:fillRef idx="1">
-            <a:schemeClr val="accent1"/>
-          </a:fillRef>
-          <a:effectRef idx="0">
-            <a:schemeClr val="accent1"/>
-          </a:effectRef>
-          <a:fontRef idx="minor">
-            <a:schemeClr val="lt1"/>
-          </a:fontRef>
-        </p:style>
-      </p:cxnSp>
-      <p:cxnSp>
-        <p:nvCxnSpPr>
-          <p:cNvPr id="25" name="직선 연결선 24">
-            <a:extLst>
-              <a:ext uri="{FF2B5EF4-FFF2-40B4-BE49-F238E27FC236}">
-                <a16:creationId xmlns="" xmlns:a16="http://schemas.microsoft.com/office/drawing/2014/main" id="{0CAB8C7E-B8F0-4C2C-86DE-AC83CFED739C}"/>
-              </a:ext>
-            </a:extLst>
-          </p:cNvPr>
-          <p:cNvCxnSpPr/>
-          <p:nvPr/>
-        </p:nvCxnSpPr>
-        <p:spPr>
-          <a:xfrm>
-            <a:off x="4627080" y="1463597"/>
-            <a:ext cx="985176" cy="0"/>
-          </a:xfrm>
-          <a:prstGeom prst="line">
-            <a:avLst/>
-          </a:prstGeom>
-          <a:noFill/>
-          <a:ln w="6350">
-            <a:solidFill>
-              <a:schemeClr val="bg1">
-                <a:alpha val="50000"/>
-              </a:schemeClr>
-            </a:solidFill>
-            <a:tailEnd type="none"/>
-          </a:ln>
-        </p:spPr>
-        <p:style>
-          <a:lnRef idx="2">
-            <a:schemeClr val="accent1">
-              <a:shade val="50000"/>
-            </a:schemeClr>
-          </a:lnRef>
-          <a:fillRef idx="1">
-            <a:schemeClr val="accent1"/>
-          </a:fillRef>
-          <a:effectRef idx="0">
-            <a:schemeClr val="accent1"/>
-          </a:effectRef>
-          <a:fontRef idx="minor">
-            <a:schemeClr val="lt1"/>
-          </a:fontRef>
-        </p:style>
-      </p:cxnSp>
-      <p:sp>
-        <p:nvSpPr>
-          <p:cNvPr id="18" name="원호 17">
-            <a:extLst>
-              <a:ext uri="{FF2B5EF4-FFF2-40B4-BE49-F238E27FC236}">
-                <a16:creationId xmlns="" xmlns:a16="http://schemas.microsoft.com/office/drawing/2014/main" id="{0B1FBBCF-5864-458E-A31F-6CB2C3734B9A}"/>
-              </a:ext>
-            </a:extLst>
-          </p:cNvPr>
-          <p:cNvSpPr/>
-          <p:nvPr/>
-        </p:nvSpPr>
-        <p:spPr>
-          <a:xfrm>
-            <a:off x="4518617" y="2099723"/>
-            <a:ext cx="3176382" cy="3176382"/>
-          </a:xfrm>
-          <a:prstGeom prst="arc">
-            <a:avLst>
-              <a:gd name="adj1" fmla="val 8180391"/>
-              <a:gd name="adj2" fmla="val 3912642"/>
-            </a:avLst>
-          </a:prstGeom>
-          <a:noFill/>
-          <a:ln w="6350">
-            <a:solidFill>
-              <a:schemeClr val="bg1">
-                <a:alpha val="50000"/>
-              </a:schemeClr>
-            </a:solidFill>
-            <a:headEnd type="oval"/>
-            <a:tailEnd type="oval"/>
-          </a:ln>
-        </p:spPr>
-        <p:style>
-          <a:lnRef idx="2">
-            <a:schemeClr val="accent1">
-              <a:shade val="50000"/>
-            </a:schemeClr>
-          </a:lnRef>
-          <a:fillRef idx="1">
-            <a:schemeClr val="accent1"/>
-          </a:fillRef>
-          <a:effectRef idx="0">
-            <a:schemeClr val="accent1"/>
-          </a:effectRef>
-          <a:fontRef idx="minor">
-            <a:schemeClr val="lt1"/>
-          </a:fontRef>
-        </p:style>
-        <p:txBody>
-          <a:bodyPr rtlCol="0" anchor="ctr"/>
-          <a:lstStyle/>
-          <a:p>
-            <a:pPr algn="ctr"/>
-            <a:endParaRPr lang="ko-KR" altLang="en-US"/>
-          </a:p>
-        </p:txBody>
-      </p:sp>
-      <p:cxnSp>
-        <p:nvCxnSpPr>
-          <p:cNvPr id="21" name="직선 연결선 20">
-            <a:extLst>
-              <a:ext uri="{FF2B5EF4-FFF2-40B4-BE49-F238E27FC236}">
-                <a16:creationId xmlns="" xmlns:a16="http://schemas.microsoft.com/office/drawing/2014/main" id="{B3978C01-3CA0-4F03-B4CA-CA3A74111372}"/>
+                <a16:creationId xmlns="" xmlns:a16="http://schemas.microsoft.com/office/drawing/2014/main" id="{556817DD-8257-448B-A648-6DCF78476E78}"/>
               </a:ext>
             </a:extLst>
           </p:cNvPr>
@@ -11090,152 +8501,39 @@
           <p:nvPr/>
         </p:nvCxnSpPr>
         <p:spPr>
-          <a:xfrm>
-            <a:off x="7886701" y="3687913"/>
-            <a:ext cx="4083199" cy="0"/>
+          <a:xfrm flipV="1">
+            <a:off x="523409" y="1839790"/>
+            <a:ext cx="161268" cy="161269"/>
           </a:xfrm>
           <a:prstGeom prst="line">
             <a:avLst/>
           </a:prstGeom>
-          <a:noFill/>
-          <a:ln w="6350">
+          <a:ln>
             <a:solidFill>
               <a:schemeClr val="bg1">
-                <a:alpha val="50000"/>
+                <a:alpha val="75000"/>
               </a:schemeClr>
             </a:solidFill>
-            <a:tailEnd type="oval"/>
           </a:ln>
         </p:spPr>
         <p:style>
-          <a:lnRef idx="2">
-            <a:schemeClr val="accent1">
-              <a:shade val="50000"/>
-            </a:schemeClr>
+          <a:lnRef idx="1">
+            <a:schemeClr val="accent1"/>
           </a:lnRef>
-          <a:fillRef idx="1">
+          <a:fillRef idx="0">
             <a:schemeClr val="accent1"/>
           </a:fillRef>
           <a:effectRef idx="0">
             <a:schemeClr val="accent1"/>
           </a:effectRef>
           <a:fontRef idx="minor">
-            <a:schemeClr val="lt1"/>
+            <a:schemeClr val="tx1"/>
           </a:fontRef>
         </p:style>
       </p:cxnSp>
-      <p:cxnSp>
-        <p:nvCxnSpPr>
-          <p:cNvPr id="23" name="직선 연결선 22">
-            <a:extLst>
-              <a:ext uri="{FF2B5EF4-FFF2-40B4-BE49-F238E27FC236}">
-                <a16:creationId xmlns="" xmlns:a16="http://schemas.microsoft.com/office/drawing/2014/main" id="{93B7E75E-C769-496E-9350-E8621B2A288D}"/>
-              </a:ext>
-            </a:extLst>
-          </p:cNvPr>
-          <p:cNvCxnSpPr>
-            <a:cxnSpLocks/>
-          </p:cNvCxnSpPr>
-          <p:nvPr/>
-        </p:nvCxnSpPr>
-        <p:spPr>
-          <a:xfrm>
-            <a:off x="223546" y="3687913"/>
-            <a:ext cx="4103369" cy="0"/>
-          </a:xfrm>
-          <a:prstGeom prst="line">
-            <a:avLst/>
-          </a:prstGeom>
-          <a:noFill/>
-          <a:ln w="6350">
-            <a:solidFill>
-              <a:schemeClr val="bg1">
-                <a:alpha val="50000"/>
-              </a:schemeClr>
-            </a:solidFill>
-            <a:headEnd type="oval"/>
-            <a:tailEnd type="none"/>
-          </a:ln>
-        </p:spPr>
-        <p:style>
-          <a:lnRef idx="2">
-            <a:schemeClr val="accent1">
-              <a:shade val="50000"/>
-            </a:schemeClr>
-          </a:lnRef>
-          <a:fillRef idx="1">
-            <a:schemeClr val="accent1"/>
-          </a:fillRef>
-          <a:effectRef idx="0">
-            <a:schemeClr val="accent1"/>
-          </a:effectRef>
-          <a:fontRef idx="minor">
-            <a:schemeClr val="lt1"/>
-          </a:fontRef>
-        </p:style>
-      </p:cxnSp>
-      <p:sp>
-        <p:nvSpPr>
-          <p:cNvPr id="24" name="원호 23">
-            <a:extLst>
-              <a:ext uri="{FF2B5EF4-FFF2-40B4-BE49-F238E27FC236}">
-                <a16:creationId xmlns="" xmlns:a16="http://schemas.microsoft.com/office/drawing/2014/main" id="{1C474304-1B04-47F0-8BD7-7EF89C46DA83}"/>
-              </a:ext>
-            </a:extLst>
-          </p:cNvPr>
-          <p:cNvSpPr/>
-          <p:nvPr/>
-        </p:nvSpPr>
-        <p:spPr>
-          <a:xfrm>
-            <a:off x="4326915" y="1908021"/>
-            <a:ext cx="3559786" cy="3559786"/>
-          </a:xfrm>
-          <a:prstGeom prst="arc">
-            <a:avLst>
-              <a:gd name="adj1" fmla="val 9195260"/>
-              <a:gd name="adj2" fmla="val 7431069"/>
-            </a:avLst>
-          </a:prstGeom>
-          <a:noFill/>
-          <a:ln w="6350">
-            <a:solidFill>
-              <a:schemeClr val="bg1">
-                <a:alpha val="50000"/>
-              </a:schemeClr>
-            </a:solidFill>
-            <a:headEnd type="oval"/>
-            <a:tailEnd type="oval"/>
-          </a:ln>
-        </p:spPr>
-        <p:style>
-          <a:lnRef idx="2">
-            <a:schemeClr val="accent1">
-              <a:shade val="50000"/>
-            </a:schemeClr>
-          </a:lnRef>
-          <a:fillRef idx="1">
-            <a:schemeClr val="accent1"/>
-          </a:fillRef>
-          <a:effectRef idx="0">
-            <a:schemeClr val="accent1"/>
-          </a:effectRef>
-          <a:fontRef idx="minor">
-            <a:schemeClr val="lt1"/>
-          </a:fontRef>
-        </p:style>
-        <p:txBody>
-          <a:bodyPr rtlCol="0" anchor="ctr"/>
-          <a:lstStyle/>
-          <a:p>
-            <a:pPr algn="ctr"/>
-            <a:endParaRPr lang="ko-KR" altLang="en-US"/>
-          </a:p>
-        </p:txBody>
-      </p:sp>
-      <p:sp>
-        <p:nvSpPr>
-          <p:cNvPr id="28" name="텍스트 개체 틀 28">
+      <p:sp>
+        <p:nvSpPr>
+          <p:cNvPr id="21" name="텍스트 개체 틀 28">
             <a:extLst>
               <a:ext uri="{FF2B5EF4-FFF2-40B4-BE49-F238E27FC236}">
                 <a16:creationId xmlns="" xmlns:a16="http://schemas.microsoft.com/office/drawing/2014/main" id="{5DB47E97-B68E-44A9-9DEA-5B8C6AB98C99}"/>
@@ -11260,7 +8558,11 @@
           <a:lstStyle/>
           <a:p>
             <a:r>
-              <a:rPr lang="en-US" altLang="ko-KR" dirty="0"/>
+              <a:rPr lang="en-US" altLang="ko-KR" dirty="0">
+                <a:solidFill>
+                  <a:srgbClr val="9BAEB5"/>
+                </a:solidFill>
+              </a:rPr>
               <a:t>Explanation</a:t>
             </a:r>
           </a:p>
@@ -11278,19 +8580,14 @@
           </a:p>
           <a:p>
             <a:r>
-              <a:rPr lang="en-US" altLang="ko-KR" dirty="0">
-                <a:solidFill>
-                  <a:schemeClr val="bg1">
-                    <a:alpha val="50000"/>
-                  </a:schemeClr>
-                </a:solidFill>
-              </a:rPr>
+              <a:rPr lang="en-US" altLang="ko-KR" dirty="0" smtClean="0"/>
               <a:t>Function</a:t>
             </a:r>
-          </a:p>
-          <a:p>
-            <a:r>
-              <a:rPr lang="en-US" altLang="ko-KR" dirty="0">
+            <a:endParaRPr lang="en-US" altLang="ko-KR" dirty="0"/>
+          </a:p>
+          <a:p>
+            <a:r>
+              <a:rPr lang="en-US" altLang="ko-KR" dirty="0" smtClean="0">
                 <a:solidFill>
                   <a:schemeClr val="bg1">
                     <a:alpha val="50000"/>
@@ -11299,6 +8596,13 @@
               </a:rPr>
               <a:t>Practicality</a:t>
             </a:r>
+            <a:endParaRPr lang="en-US" altLang="ko-KR" dirty="0">
+              <a:solidFill>
+                <a:schemeClr val="bg1">
+                  <a:alpha val="50000"/>
+                </a:schemeClr>
+              </a:solidFill>
+            </a:endParaRPr>
           </a:p>
           <a:p>
             <a:r>
@@ -11323,10 +8627,10 @@
       </p:sp>
       <p:sp>
         <p:nvSpPr>
-          <p:cNvPr id="26" name="타원 23">
-            <a:extLst>
-              <a:ext uri="{FF2B5EF4-FFF2-40B4-BE49-F238E27FC236}">
-                <a16:creationId xmlns="" xmlns:a16="http://schemas.microsoft.com/office/drawing/2014/main" id="{015AF492-935E-4469-A4B0-E0076A79857E}"/>
+          <p:cNvPr id="9" name="타원 25">
+            <a:extLst>
+              <a:ext uri="{FF2B5EF4-FFF2-40B4-BE49-F238E27FC236}">
+                <a16:creationId xmlns:a16="http://schemas.microsoft.com/office/drawing/2014/main" xmlns="" id="{70C1FAEF-62E2-40AA-B0AA-CBBD3346A291}"/>
               </a:ext>
             </a:extLst>
           </p:cNvPr>
@@ -11335,7 +8639,7 @@
         </p:nvSpPr>
         <p:spPr>
           <a:xfrm>
-            <a:off x="163288" y="5228454"/>
+            <a:off x="160990" y="5882611"/>
             <a:ext cx="61471" cy="61471"/>
           </a:xfrm>
           <a:prstGeom prst="ellipse">
@@ -11373,10 +8677,74 @@
           </a:p>
         </p:txBody>
       </p:sp>
+      <p:sp>
+        <p:nvSpPr>
+          <p:cNvPr id="11" name="제목 16">
+            <a:extLst>
+              <a:ext uri="{FF2B5EF4-FFF2-40B4-BE49-F238E27FC236}">
+                <a16:creationId xmlns="" xmlns:a16="http://schemas.microsoft.com/office/drawing/2014/main" id="{538766AC-5FB7-41CD-BE08-06DE8DBE4BB2}"/>
+              </a:ext>
+            </a:extLst>
+          </p:cNvPr>
+          <p:cNvSpPr txBox="1">
+            <a:spLocks/>
+          </p:cNvSpPr>
+          <p:nvPr/>
+        </p:nvSpPr>
+        <p:spPr>
+          <a:xfrm>
+            <a:off x="2245259" y="422820"/>
+            <a:ext cx="8881450" cy="511062"/>
+          </a:xfrm>
+          <a:prstGeom prst="rect">
+            <a:avLst/>
+          </a:prstGeom>
+        </p:spPr>
+        <p:txBody>
+          <a:bodyPr vert="horz" lIns="0" tIns="0" rIns="0" bIns="0" rtlCol="0" anchor="ctr">
+            <a:noAutofit/>
+          </a:bodyPr>
+          <a:lstStyle>
+            <a:lvl1pPr marL="0" indent="0" algn="l" defTabSz="914400" rtl="0" eaLnBrk="1" latinLnBrk="1" hangingPunct="1">
+              <a:lnSpc>
+                <a:spcPct val="125000"/>
+              </a:lnSpc>
+              <a:spcBef>
+                <a:spcPct val="0"/>
+              </a:spcBef>
+              <a:buFont typeface="Arial" panose="020B0604020202020204" pitchFamily="34" charset="0"/>
+              <a:buNone/>
+              <a:defRPr sz="3600" kern="1200">
+                <a:ln>
+                  <a:solidFill>
+                    <a:schemeClr val="accent1">
+                      <a:alpha val="0"/>
+                    </a:schemeClr>
+                  </a:solidFill>
+                </a:ln>
+                <a:solidFill>
+                  <a:schemeClr val="bg1"/>
+                </a:solidFill>
+                <a:latin typeface="+mj-lt"/>
+                <a:ea typeface="+mj-ea"/>
+                <a:cs typeface="+mj-cs"/>
+              </a:defRPr>
+            </a:lvl1pPr>
+          </a:lstStyle>
+          <a:p>
+            <a:pPr algn="ctr"/>
+            <a:r>
+              <a:rPr lang="ko-KR" altLang="en-US" dirty="0" smtClean="0"/>
+              <a:t>창고 정리 로봇</a:t>
+            </a:r>
+            <a:endParaRPr lang="ko-KR" altLang="en-US" dirty="0"/>
+          </a:p>
+        </p:txBody>
+      </p:sp>
     </p:spTree>
     <p:extLst>
       <p:ext uri="{BB962C8B-B14F-4D97-AF65-F5344CB8AC3E}">
-        <p14:creationId xmlns:p14="http://schemas.microsoft.com/office/powerpoint/2010/main" val="708847743"/>
+        <p14:creationId xmlns:p14="http://schemas.microsoft.com/office/powerpoint/2010/main" val="2285935812"/>
       </p:ext>
     </p:extLst>
   </p:cSld>
@@ -11405,38 +8773,6 @@
       </p:grpSpPr>
       <p:sp>
         <p:nvSpPr>
-          <p:cNvPr id="17" name="제목 16">
-            <a:extLst>
-              <a:ext uri="{FF2B5EF4-FFF2-40B4-BE49-F238E27FC236}">
-                <a16:creationId xmlns="" xmlns:a16="http://schemas.microsoft.com/office/drawing/2014/main" id="{538766AC-5FB7-41CD-BE08-06DE8DBE4BB2}"/>
-              </a:ext>
-            </a:extLst>
-          </p:cNvPr>
-          <p:cNvSpPr>
-            <a:spLocks noGrp="1"/>
-          </p:cNvSpPr>
-          <p:nvPr>
-            <p:ph type="title"/>
-          </p:nvPr>
-        </p:nvSpPr>
-        <p:spPr/>
-        <p:txBody>
-          <a:bodyPr/>
-          <a:lstStyle/>
-          <a:p>
-            <a:r>
-              <a:rPr lang="en-US" altLang="ko-KR" dirty="0"/>
-              <a:t>1. </a:t>
-            </a:r>
-            <a:r>
-              <a:rPr lang="ko-KR" altLang="en-US" dirty="0"/>
-              <a:t>개요</a:t>
-            </a:r>
-          </a:p>
-        </p:txBody>
-      </p:sp>
-      <p:sp>
-        <p:nvSpPr>
           <p:cNvPr id="18" name="내용 개체 틀 17">
             <a:extLst>
               <a:ext uri="{FF2B5EF4-FFF2-40B4-BE49-F238E27FC236}">
@@ -11463,7 +8799,83 @@
           </a:bodyPr>
           <a:lstStyle/>
           <a:p>
-            <a:pPr lvl="0"/>
+            <a:r>
+              <a:rPr lang="ko-KR" altLang="en-US" sz="2800" dirty="0" smtClean="0"/>
+              <a:t> </a:t>
+            </a:r>
+            <a:r>
+              <a:rPr lang="en-US" altLang="ko-KR" sz="2800" dirty="0" smtClean="0"/>
+              <a:t>- </a:t>
+            </a:r>
+            <a:r>
+              <a:rPr lang="ko-KR" altLang="en-US" sz="2800" dirty="0" smtClean="0"/>
+              <a:t>자주 </a:t>
+            </a:r>
+            <a:r>
+              <a:rPr lang="ko-KR" altLang="en-US" sz="2800" dirty="0"/>
+              <a:t>가는 카페 음식점 미용실 병원 등 한번 이상이라도 방문했던 곳에서 얼굴 인식을 통해 고객의 주문 내역을 확인 할 수 있습니다</a:t>
+            </a:r>
+            <a:r>
+              <a:rPr lang="en-US" altLang="ko-KR" sz="2800" dirty="0"/>
+              <a:t>.</a:t>
+            </a:r>
+          </a:p>
+          <a:p>
+            <a:r>
+              <a:rPr lang="ko-KR" altLang="en-US" sz="2800" dirty="0" smtClean="0"/>
+              <a:t> </a:t>
+            </a:r>
+            <a:r>
+              <a:rPr lang="en-US" altLang="ko-KR" sz="2800" dirty="0" smtClean="0"/>
+              <a:t>- </a:t>
+            </a:r>
+            <a:r>
+              <a:rPr lang="ko-KR" altLang="en-US" sz="2800" dirty="0" smtClean="0"/>
+              <a:t>이러한 </a:t>
+            </a:r>
+            <a:r>
+              <a:rPr lang="ko-KR" altLang="en-US" sz="2800" dirty="0"/>
+              <a:t>고객의 취향 정보를 받아들이고 분석하여 여러 번 방문 시</a:t>
+            </a:r>
+            <a:r>
+              <a:rPr lang="en-US" altLang="ko-KR" sz="2800" dirty="0"/>
+              <a:t> </a:t>
+            </a:r>
+            <a:r>
+              <a:rPr lang="ko-KR" altLang="en-US" sz="2800" dirty="0"/>
+              <a:t>고객이 취향에 맞춘 서비스를 할 수 </a:t>
+            </a:r>
+            <a:r>
+              <a:rPr lang="ko-KR" altLang="en-US" sz="2800" dirty="0" smtClean="0"/>
+              <a:t>있습니다</a:t>
+            </a:r>
+            <a:r>
+              <a:rPr lang="en-US" altLang="ko-KR" sz="2800" dirty="0" smtClean="0"/>
+              <a:t>.</a:t>
+            </a:r>
+            <a:endParaRPr lang="en-US" altLang="ko-KR" sz="2800" dirty="0"/>
+          </a:p>
+          <a:p>
+            <a:r>
+              <a:rPr lang="ko-KR" altLang="en-US" sz="2800" dirty="0" smtClean="0"/>
+              <a:t> </a:t>
+            </a:r>
+            <a:r>
+              <a:rPr lang="en-US" altLang="ko-KR" sz="2800" dirty="0" smtClean="0"/>
+              <a:t>- </a:t>
+            </a:r>
+            <a:r>
+              <a:rPr lang="ko-KR" altLang="en-US" sz="2800" dirty="0" smtClean="0"/>
+              <a:t>나아가서는 </a:t>
+            </a:r>
+            <a:r>
+              <a:rPr lang="ko-KR" altLang="en-US" sz="2800" dirty="0"/>
+              <a:t>결제 할 때 등 손님들의 표정을 분석하여 서비스에 대한 만족도를 조사 합니다</a:t>
+            </a:r>
+            <a:r>
+              <a:rPr lang="en-US" altLang="ko-KR" sz="2800" dirty="0" smtClean="0"/>
+              <a:t>.</a:t>
+            </a:r>
             <a:endParaRPr lang="en-US" altLang="ko-KR" sz="2800" dirty="0"/>
           </a:p>
         </p:txBody>
@@ -11531,58 +8943,6 @@
           <a:p>
             <a:pPr algn="dist"/>
             <a:endParaRPr lang="en-US" altLang="ko-KR" sz="900" dirty="0"/>
-          </a:p>
-        </p:txBody>
-      </p:sp>
-      <p:sp>
-        <p:nvSpPr>
-          <p:cNvPr id="24" name="타원 23">
-            <a:extLst>
-              <a:ext uri="{FF2B5EF4-FFF2-40B4-BE49-F238E27FC236}">
-                <a16:creationId xmlns="" xmlns:a16="http://schemas.microsoft.com/office/drawing/2014/main" id="{015AF492-935E-4469-A4B0-E0076A79857E}"/>
-              </a:ext>
-            </a:extLst>
-          </p:cNvPr>
-          <p:cNvSpPr/>
-          <p:nvPr/>
-        </p:nvSpPr>
-        <p:spPr>
-          <a:xfrm>
-            <a:off x="163288" y="5555034"/>
-            <a:ext cx="61471" cy="61471"/>
-          </a:xfrm>
-          <a:prstGeom prst="ellipse">
-            <a:avLst/>
-          </a:prstGeom>
-          <a:solidFill>
-            <a:schemeClr val="bg1"/>
-          </a:solidFill>
-          <a:ln>
-            <a:noFill/>
-          </a:ln>
-        </p:spPr>
-        <p:style>
-          <a:lnRef idx="2">
-            <a:schemeClr val="accent1">
-              <a:shade val="50000"/>
-            </a:schemeClr>
-          </a:lnRef>
-          <a:fillRef idx="1">
-            <a:schemeClr val="accent1"/>
-          </a:fillRef>
-          <a:effectRef idx="0">
-            <a:schemeClr val="accent1"/>
-          </a:effectRef>
-          <a:fontRef idx="minor">
-            <a:schemeClr val="lt1"/>
-          </a:fontRef>
-        </p:style>
-        <p:txBody>
-          <a:bodyPr rtlCol="0" anchor="ctr"/>
-          <a:lstStyle/>
-          <a:p>
-            <a:pPr algn="ctr"/>
-            <a:endParaRPr lang="ko-KR" altLang="en-US"/>
           </a:p>
         </p:txBody>
       </p:sp>
@@ -11668,12 +9028,6 @@
           </a:p>
           <a:p>
             <a:r>
-              <a:rPr lang="en-US" altLang="ko-KR" dirty="0"/>
-              <a:t>Concept</a:t>
-            </a:r>
-          </a:p>
-          <a:p>
-            <a:r>
               <a:rPr lang="en-US" altLang="ko-KR" dirty="0">
                 <a:solidFill>
                   <a:schemeClr val="bg1">
@@ -11681,12 +9035,19 @@
                   </a:schemeClr>
                 </a:solidFill>
               </a:rPr>
+              <a:t>Concept</a:t>
+            </a:r>
+          </a:p>
+          <a:p>
+            <a:r>
+              <a:rPr lang="en-US" altLang="ko-KR" dirty="0" smtClean="0"/>
               <a:t>Function</a:t>
             </a:r>
-          </a:p>
-          <a:p>
-            <a:r>
-              <a:rPr lang="en-US" altLang="ko-KR" dirty="0">
+            <a:endParaRPr lang="en-US" altLang="ko-KR" dirty="0"/>
+          </a:p>
+          <a:p>
+            <a:r>
+              <a:rPr lang="en-US" altLang="ko-KR" dirty="0" smtClean="0">
                 <a:solidFill>
                   <a:schemeClr val="bg1">
                     <a:alpha val="50000"/>
@@ -11695,6 +9056,13 @@
               </a:rPr>
               <a:t>Practicality</a:t>
             </a:r>
+            <a:endParaRPr lang="en-US" altLang="ko-KR" dirty="0">
+              <a:solidFill>
+                <a:schemeClr val="bg1">
+                  <a:alpha val="50000"/>
+                </a:schemeClr>
+              </a:solidFill>
+            </a:endParaRPr>
           </a:p>
           <a:p>
             <a:r>
@@ -11717,10 +9085,126 @@
           </a:p>
         </p:txBody>
       </p:sp>
+      <p:sp>
+        <p:nvSpPr>
+          <p:cNvPr id="9" name="타원 25">
+            <a:extLst>
+              <a:ext uri="{FF2B5EF4-FFF2-40B4-BE49-F238E27FC236}">
+                <a16:creationId xmlns:a16="http://schemas.microsoft.com/office/drawing/2014/main" xmlns="" id="{70C1FAEF-62E2-40AA-B0AA-CBBD3346A291}"/>
+              </a:ext>
+            </a:extLst>
+          </p:cNvPr>
+          <p:cNvSpPr/>
+          <p:nvPr/>
+        </p:nvSpPr>
+        <p:spPr>
+          <a:xfrm>
+            <a:off x="160990" y="5882611"/>
+            <a:ext cx="61471" cy="61471"/>
+          </a:xfrm>
+          <a:prstGeom prst="ellipse">
+            <a:avLst/>
+          </a:prstGeom>
+          <a:solidFill>
+            <a:schemeClr val="bg1"/>
+          </a:solidFill>
+          <a:ln>
+            <a:noFill/>
+          </a:ln>
+        </p:spPr>
+        <p:style>
+          <a:lnRef idx="2">
+            <a:schemeClr val="accent1">
+              <a:shade val="50000"/>
+            </a:schemeClr>
+          </a:lnRef>
+          <a:fillRef idx="1">
+            <a:schemeClr val="accent1"/>
+          </a:fillRef>
+          <a:effectRef idx="0">
+            <a:schemeClr val="accent1"/>
+          </a:effectRef>
+          <a:fontRef idx="minor">
+            <a:schemeClr val="lt1"/>
+          </a:fontRef>
+        </p:style>
+        <p:txBody>
+          <a:bodyPr rtlCol="0" anchor="ctr"/>
+          <a:lstStyle/>
+          <a:p>
+            <a:pPr algn="ctr"/>
+            <a:endParaRPr lang="ko-KR" altLang="en-US"/>
+          </a:p>
+        </p:txBody>
+      </p:sp>
+      <p:sp>
+        <p:nvSpPr>
+          <p:cNvPr id="10" name="제목 16">
+            <a:extLst>
+              <a:ext uri="{FF2B5EF4-FFF2-40B4-BE49-F238E27FC236}">
+                <a16:creationId xmlns="" xmlns:a16="http://schemas.microsoft.com/office/drawing/2014/main" id="{538766AC-5FB7-41CD-BE08-06DE8DBE4BB2}"/>
+              </a:ext>
+            </a:extLst>
+          </p:cNvPr>
+          <p:cNvSpPr txBox="1">
+            <a:spLocks/>
+          </p:cNvSpPr>
+          <p:nvPr/>
+        </p:nvSpPr>
+        <p:spPr>
+          <a:xfrm>
+            <a:off x="2245259" y="422820"/>
+            <a:ext cx="8881450" cy="511062"/>
+          </a:xfrm>
+          <a:prstGeom prst="rect">
+            <a:avLst/>
+          </a:prstGeom>
+        </p:spPr>
+        <p:txBody>
+          <a:bodyPr vert="horz" lIns="0" tIns="0" rIns="0" bIns="0" rtlCol="0" anchor="ctr">
+            <a:noAutofit/>
+          </a:bodyPr>
+          <a:lstStyle>
+            <a:lvl1pPr marL="0" indent="0" algn="l" defTabSz="914400" rtl="0" eaLnBrk="1" latinLnBrk="1" hangingPunct="1">
+              <a:lnSpc>
+                <a:spcPct val="125000"/>
+              </a:lnSpc>
+              <a:spcBef>
+                <a:spcPct val="0"/>
+              </a:spcBef>
+              <a:buFont typeface="Arial" panose="020B0604020202020204" pitchFamily="34" charset="0"/>
+              <a:buNone/>
+              <a:defRPr sz="3600" kern="1200">
+                <a:ln>
+                  <a:solidFill>
+                    <a:schemeClr val="accent1">
+                      <a:alpha val="0"/>
+                    </a:schemeClr>
+                  </a:solidFill>
+                </a:ln>
+                <a:solidFill>
+                  <a:schemeClr val="bg1"/>
+                </a:solidFill>
+                <a:latin typeface="+mj-lt"/>
+                <a:ea typeface="+mj-ea"/>
+                <a:cs typeface="+mj-cs"/>
+              </a:defRPr>
+            </a:lvl1pPr>
+          </a:lstStyle>
+          <a:p>
+            <a:pPr algn="ctr"/>
+            <a:r>
+              <a:rPr lang="ko-KR" altLang="en-US" dirty="0" smtClean="0"/>
+              <a:t>얼굴 인식을 통한 고객 맞춤 서비스</a:t>
+            </a:r>
+            <a:endParaRPr lang="ko-KR" altLang="en-US" dirty="0"/>
+          </a:p>
+        </p:txBody>
+      </p:sp>
     </p:spTree>
     <p:extLst>
       <p:ext uri="{BB962C8B-B14F-4D97-AF65-F5344CB8AC3E}">
-        <p14:creationId xmlns:p14="http://schemas.microsoft.com/office/powerpoint/2010/main" val="329560742"/>
+        <p14:creationId xmlns:p14="http://schemas.microsoft.com/office/powerpoint/2010/main" val="3165949004"/>
       </p:ext>
     </p:extLst>
   </p:cSld>
